--- a/Assignment 4.pptx
+++ b/Assignment 4.pptx
@@ -17,6 +17,11 @@
     <p:sldId id="265" r:id="rId11"/>
     <p:sldId id="266" r:id="rId12"/>
     <p:sldId id="267" r:id="rId13"/>
+    <p:sldId id="269" r:id="rId14"/>
+    <p:sldId id="268" r:id="rId15"/>
+    <p:sldId id="270" r:id="rId16"/>
+    <p:sldId id="271" r:id="rId17"/>
+    <p:sldId id="272" r:id="rId18"/>
   </p:sldIdLst>
   <p:sldSz cx="12192000" cy="6858000"/>
   <p:notesSz cx="6858000" cy="9144000"/>
@@ -115,6 +120,11 @@
       </a:defRPr>
     </a:lvl9pPr>
   </p:defaultTextStyle>
+  <p:extLst>
+    <p:ext uri="{EFAFB233-063F-42B5-8137-9DF3F51BA10A}">
+      <p15:sldGuideLst xmlns:p15="http://schemas.microsoft.com/office/powerpoint/2012/main"/>
+    </p:ext>
+  </p:extLst>
 </p:presentation>
 </file>
 
@@ -261,7 +271,7 @@
           <a:p>
             <a:fld id="{010EF056-610F-4415-A0B4-A9BAC0411462}" type="datetimeFigureOut">
               <a:rPr lang="en-CA" smtClean="0"/>
-              <a:t>2020-07-23</a:t>
+              <a:t>2020-07-24</a:t>
             </a:fld>
             <a:endParaRPr lang="en-CA"/>
           </a:p>
@@ -431,7 +441,7 @@
           <a:p>
             <a:fld id="{010EF056-610F-4415-A0B4-A9BAC0411462}" type="datetimeFigureOut">
               <a:rPr lang="en-CA" smtClean="0"/>
-              <a:t>2020-07-23</a:t>
+              <a:t>2020-07-24</a:t>
             </a:fld>
             <a:endParaRPr lang="en-CA"/>
           </a:p>
@@ -611,7 +621,7 @@
           <a:p>
             <a:fld id="{010EF056-610F-4415-A0B4-A9BAC0411462}" type="datetimeFigureOut">
               <a:rPr lang="en-CA" smtClean="0"/>
-              <a:t>2020-07-23</a:t>
+              <a:t>2020-07-24</a:t>
             </a:fld>
             <a:endParaRPr lang="en-CA"/>
           </a:p>
@@ -781,7 +791,7 @@
           <a:p>
             <a:fld id="{010EF056-610F-4415-A0B4-A9BAC0411462}" type="datetimeFigureOut">
               <a:rPr lang="en-CA" smtClean="0"/>
-              <a:t>2020-07-23</a:t>
+              <a:t>2020-07-24</a:t>
             </a:fld>
             <a:endParaRPr lang="en-CA"/>
           </a:p>
@@ -1027,7 +1037,7 @@
           <a:p>
             <a:fld id="{010EF056-610F-4415-A0B4-A9BAC0411462}" type="datetimeFigureOut">
               <a:rPr lang="en-CA" smtClean="0"/>
-              <a:t>2020-07-23</a:t>
+              <a:t>2020-07-24</a:t>
             </a:fld>
             <a:endParaRPr lang="en-CA"/>
           </a:p>
@@ -1259,7 +1269,7 @@
           <a:p>
             <a:fld id="{010EF056-610F-4415-A0B4-A9BAC0411462}" type="datetimeFigureOut">
               <a:rPr lang="en-CA" smtClean="0"/>
-              <a:t>2020-07-23</a:t>
+              <a:t>2020-07-24</a:t>
             </a:fld>
             <a:endParaRPr lang="en-CA"/>
           </a:p>
@@ -1626,7 +1636,7 @@
           <a:p>
             <a:fld id="{010EF056-610F-4415-A0B4-A9BAC0411462}" type="datetimeFigureOut">
               <a:rPr lang="en-CA" smtClean="0"/>
-              <a:t>2020-07-23</a:t>
+              <a:t>2020-07-24</a:t>
             </a:fld>
             <a:endParaRPr lang="en-CA"/>
           </a:p>
@@ -1744,7 +1754,7 @@
           <a:p>
             <a:fld id="{010EF056-610F-4415-A0B4-A9BAC0411462}" type="datetimeFigureOut">
               <a:rPr lang="en-CA" smtClean="0"/>
-              <a:t>2020-07-23</a:t>
+              <a:t>2020-07-24</a:t>
             </a:fld>
             <a:endParaRPr lang="en-CA"/>
           </a:p>
@@ -1839,7 +1849,7 @@
           <a:p>
             <a:fld id="{010EF056-610F-4415-A0B4-A9BAC0411462}" type="datetimeFigureOut">
               <a:rPr lang="en-CA" smtClean="0"/>
-              <a:t>2020-07-23</a:t>
+              <a:t>2020-07-24</a:t>
             </a:fld>
             <a:endParaRPr lang="en-CA"/>
           </a:p>
@@ -2116,7 +2126,7 @@
           <a:p>
             <a:fld id="{010EF056-610F-4415-A0B4-A9BAC0411462}" type="datetimeFigureOut">
               <a:rPr lang="en-CA" smtClean="0"/>
-              <a:t>2020-07-23</a:t>
+              <a:t>2020-07-24</a:t>
             </a:fld>
             <a:endParaRPr lang="en-CA"/>
           </a:p>
@@ -2373,7 +2383,7 @@
           <a:p>
             <a:fld id="{010EF056-610F-4415-A0B4-A9BAC0411462}" type="datetimeFigureOut">
               <a:rPr lang="en-CA" smtClean="0"/>
-              <a:t>2020-07-23</a:t>
+              <a:t>2020-07-24</a:t>
             </a:fld>
             <a:endParaRPr lang="en-CA"/>
           </a:p>
@@ -2586,7 +2596,7 @@
           <a:p>
             <a:fld id="{010EF056-610F-4415-A0B4-A9BAC0411462}" type="datetimeFigureOut">
               <a:rPr lang="en-CA" smtClean="0"/>
-              <a:t>2020-07-23</a:t>
+              <a:t>2020-07-24</a:t>
             </a:fld>
             <a:endParaRPr lang="en-CA"/>
           </a:p>
@@ -2999,6 +3009,66 @@
           <a:chExt cx="0" cy="0"/>
         </a:xfrm>
       </p:grpSpPr>
+      <p:sp useBgFill="1">
+        <p:nvSpPr>
+          <p:cNvPr id="49" name="Rectangle 20">
+            <a:extLst>
+              <a:ext uri="{FF2B5EF4-FFF2-40B4-BE49-F238E27FC236}">
+                <a16:creationId xmlns:a16="http://schemas.microsoft.com/office/drawing/2014/main" id="{6F40FBDA-CEB1-40F0-9AB9-BD9C402D70FE}"/>
+              </a:ext>
+              <a:ext uri="{C183D7F6-B498-43B3-948B-1728B52AA6E4}">
+                <adec:decorative xmlns:adec="http://schemas.microsoft.com/office/drawing/2017/decorative" val="1"/>
+              </a:ext>
+            </a:extLst>
+          </p:cNvPr>
+          <p:cNvSpPr>
+            <a:spLocks noGrp="1" noRot="1" noChangeAspect="1" noMove="1" noResize="1" noEditPoints="1" noAdjustHandles="1" noChangeArrowheads="1" noChangeShapeType="1" noTextEdit="1"/>
+          </p:cNvSpPr>
+          <p:nvPr>
+            <p:extLst>
+              <p:ext uri="{386F3935-93C4-4BCD-93E2-E3B085C9AB24}">
+                <p16:designElem xmlns:p16="http://schemas.microsoft.com/office/powerpoint/2015/main" val="1"/>
+              </p:ext>
+            </p:extLst>
+          </p:nvPr>
+        </p:nvSpPr>
+        <p:spPr>
+          <a:xfrm>
+            <a:off x="0" y="0"/>
+            <a:ext cx="12192000" cy="6858000"/>
+          </a:xfrm>
+          <a:prstGeom prst="rect">
+            <a:avLst/>
+          </a:prstGeom>
+          <a:ln>
+            <a:noFill/>
+          </a:ln>
+        </p:spPr>
+        <p:style>
+          <a:lnRef idx="2">
+            <a:schemeClr val="accent1">
+              <a:shade val="50000"/>
+            </a:schemeClr>
+          </a:lnRef>
+          <a:fillRef idx="1">
+            <a:schemeClr val="accent1"/>
+          </a:fillRef>
+          <a:effectRef idx="0">
+            <a:schemeClr val="accent1"/>
+          </a:effectRef>
+          <a:fontRef idx="minor">
+            <a:schemeClr val="lt1"/>
+          </a:fontRef>
+        </p:style>
+        <p:txBody>
+          <a:bodyPr rtlCol="0" anchor="ctr"/>
+          <a:lstStyle/>
+          <a:p>
+            <a:pPr algn="ctr"/>
+            <a:endParaRPr lang="en-US"/>
+          </a:p>
+        </p:txBody>
+      </p:sp>
       <p:pic>
         <p:nvPicPr>
           <p:cNvPr id="5" name="Picture 4" descr="Computer script on a screen">
@@ -3015,301 +3085,73 @@
         </p:nvPicPr>
         <p:blipFill rotWithShape="1">
           <a:blip r:embed="rId2">
+            <a:alphaModFix amt="45000"/>
             <a:extLst>
               <a:ext uri="{28A0092B-C50C-407E-A947-70E740481C1C}">
                 <a14:useLocalDpi xmlns:a14="http://schemas.microsoft.com/office/drawing/2010/main" val="0"/>
               </a:ext>
             </a:extLst>
           </a:blip>
-          <a:srcRect t="6376" r="-1" b="8072"/>
+          <a:srcRect t="7017" b="8713"/>
           <a:stretch/>
         </p:blipFill>
         <p:spPr>
           <a:xfrm>
             <a:off x="20" y="10"/>
-            <a:ext cx="12009284" cy="6857990"/>
+            <a:ext cx="12191980" cy="6857990"/>
           </a:xfrm>
-          <a:custGeom>
+          <a:prstGeom prst="rect">
             <a:avLst/>
-            <a:gdLst/>
-            <a:ahLst/>
-            <a:cxnLst/>
-            <a:rect l="l" t="t" r="r" b="b"/>
-            <a:pathLst>
-              <a:path w="12009304" h="6858000">
-                <a:moveTo>
-                  <a:pt x="8239723" y="5083103"/>
-                </a:moveTo>
-                <a:cubicBezTo>
-                  <a:pt x="8239723" y="5083103"/>
-                  <a:pt x="8239723" y="5083103"/>
-                  <a:pt x="9505105" y="5083103"/>
-                </a:cubicBezTo>
-                <a:cubicBezTo>
-                  <a:pt x="9525601" y="5083103"/>
-                  <a:pt x="9545588" y="5085825"/>
-                  <a:pt x="9564676" y="5091016"/>
-                </a:cubicBezTo>
-                <a:lnTo>
-                  <a:pt x="9605648" y="5108194"/>
-                </a:lnTo>
-                <a:lnTo>
-                  <a:pt x="9580608" y="5151499"/>
-                </a:lnTo>
-                <a:cubicBezTo>
-                  <a:pt x="9354208" y="5543062"/>
-                  <a:pt x="9064418" y="6044264"/>
-                  <a:pt x="8693486" y="6685800"/>
-                </a:cubicBezTo>
-                <a:cubicBezTo>
-                  <a:pt x="8665958" y="6733339"/>
-                  <a:pt x="8632925" y="6776306"/>
-                  <a:pt x="8595419" y="6814017"/>
-                </a:cubicBezTo>
-                <a:lnTo>
-                  <a:pt x="8545620" y="6858000"/>
-                </a:lnTo>
-                <a:lnTo>
-                  <a:pt x="7612173" y="6858000"/>
-                </a:lnTo>
-                <a:lnTo>
-                  <a:pt x="7591825" y="6822959"/>
-                </a:lnTo>
-                <a:cubicBezTo>
-                  <a:pt x="7538315" y="6730809"/>
-                  <a:pt x="7478495" y="6627794"/>
-                  <a:pt x="7411622" y="6512633"/>
-                </a:cubicBezTo>
-                <a:cubicBezTo>
-                  <a:pt x="7370628" y="6444560"/>
-                  <a:pt x="7370628" y="6357427"/>
-                  <a:pt x="7411622" y="6289354"/>
-                </a:cubicBezTo>
-                <a:cubicBezTo>
-                  <a:pt x="7411622" y="6289354"/>
-                  <a:pt x="7411622" y="6289354"/>
-                  <a:pt x="8045680" y="5197465"/>
-                </a:cubicBezTo>
-                <a:cubicBezTo>
-                  <a:pt x="8083943" y="5126669"/>
-                  <a:pt x="8160465" y="5083103"/>
-                  <a:pt x="8239723" y="5083103"/>
-                </a:cubicBezTo>
-                <a:close/>
-                <a:moveTo>
-                  <a:pt x="10622296" y="1326563"/>
-                </a:moveTo>
-                <a:cubicBezTo>
-                  <a:pt x="10622296" y="1326563"/>
-                  <a:pt x="10622296" y="1326563"/>
-                  <a:pt x="11448522" y="1326563"/>
-                </a:cubicBezTo>
-                <a:cubicBezTo>
-                  <a:pt x="11502058" y="1326563"/>
-                  <a:pt x="11550238" y="1355009"/>
-                  <a:pt x="11577006" y="1401233"/>
-                </a:cubicBezTo>
-                <a:cubicBezTo>
-                  <a:pt x="11577006" y="1401233"/>
-                  <a:pt x="11577006" y="1401233"/>
-                  <a:pt x="11989228" y="2114179"/>
-                </a:cubicBezTo>
-                <a:cubicBezTo>
-                  <a:pt x="12015996" y="2158629"/>
-                  <a:pt x="12015996" y="2215522"/>
-                  <a:pt x="11989228" y="2259969"/>
-                </a:cubicBezTo>
-                <a:cubicBezTo>
-                  <a:pt x="11989228" y="2259969"/>
-                  <a:pt x="11989228" y="2259969"/>
-                  <a:pt x="11577006" y="2972914"/>
-                </a:cubicBezTo>
-                <a:cubicBezTo>
-                  <a:pt x="11550238" y="3019141"/>
-                  <a:pt x="11502058" y="3047587"/>
-                  <a:pt x="11448522" y="3047587"/>
-                </a:cubicBezTo>
-                <a:cubicBezTo>
-                  <a:pt x="11448522" y="3047587"/>
-                  <a:pt x="11448522" y="3047587"/>
-                  <a:pt x="10622296" y="3047587"/>
-                </a:cubicBezTo>
-                <a:cubicBezTo>
-                  <a:pt x="10570544" y="3047587"/>
-                  <a:pt x="10520578" y="3019141"/>
-                  <a:pt x="10495594" y="2972914"/>
-                </a:cubicBezTo>
-                <a:cubicBezTo>
-                  <a:pt x="10495594" y="2972914"/>
-                  <a:pt x="10495594" y="2972914"/>
-                  <a:pt x="10081589" y="2259969"/>
-                </a:cubicBezTo>
-                <a:cubicBezTo>
-                  <a:pt x="10054821" y="2215522"/>
-                  <a:pt x="10054821" y="2158629"/>
-                  <a:pt x="10081589" y="2114179"/>
-                </a:cubicBezTo>
-                <a:cubicBezTo>
-                  <a:pt x="10081589" y="2114179"/>
-                  <a:pt x="10081589" y="2114179"/>
-                  <a:pt x="10495594" y="1401233"/>
-                </a:cubicBezTo>
-                <a:cubicBezTo>
-                  <a:pt x="10520578" y="1355009"/>
-                  <a:pt x="10570544" y="1326563"/>
-                  <a:pt x="10622296" y="1326563"/>
-                </a:cubicBezTo>
-                <a:close/>
-                <a:moveTo>
-                  <a:pt x="0" y="0"/>
-                </a:moveTo>
-                <a:lnTo>
-                  <a:pt x="4457990" y="0"/>
-                </a:lnTo>
-                <a:lnTo>
-                  <a:pt x="5902610" y="0"/>
-                </a:lnTo>
-                <a:lnTo>
-                  <a:pt x="8476869" y="0"/>
-                </a:lnTo>
-                <a:lnTo>
-                  <a:pt x="8535933" y="39849"/>
-                </a:lnTo>
-                <a:cubicBezTo>
-                  <a:pt x="8598516" y="88273"/>
-                  <a:pt x="8652195" y="149296"/>
-                  <a:pt x="8693486" y="220603"/>
-                </a:cubicBezTo>
-                <a:cubicBezTo>
-                  <a:pt x="8693486" y="220603"/>
-                  <a:pt x="8693486" y="220603"/>
-                  <a:pt x="10389180" y="3153347"/>
-                </a:cubicBezTo>
-                <a:cubicBezTo>
-                  <a:pt x="10499291" y="3336185"/>
-                  <a:pt x="10499291" y="3570221"/>
-                  <a:pt x="10389180" y="3753061"/>
-                </a:cubicBezTo>
-                <a:cubicBezTo>
-                  <a:pt x="10389180" y="3753061"/>
-                  <a:pt x="10389180" y="3753061"/>
-                  <a:pt x="9759557" y="4842009"/>
-                </a:cubicBezTo>
-                <a:lnTo>
-                  <a:pt x="9706493" y="4933778"/>
-                </a:lnTo>
-                <a:lnTo>
-                  <a:pt x="9708360" y="4934561"/>
-                </a:lnTo>
-                <a:cubicBezTo>
-                  <a:pt x="9746510" y="4956830"/>
-                  <a:pt x="9778880" y="4989078"/>
-                  <a:pt x="9802002" y="5029008"/>
-                </a:cubicBezTo>
-                <a:cubicBezTo>
-                  <a:pt x="9802002" y="5029008"/>
-                  <a:pt x="9802002" y="5029008"/>
-                  <a:pt x="10514131" y="6260653"/>
-                </a:cubicBezTo>
-                <a:cubicBezTo>
-                  <a:pt x="10560376" y="6337439"/>
-                  <a:pt x="10560376" y="6435725"/>
-                  <a:pt x="10514131" y="6512512"/>
-                </a:cubicBezTo>
-                <a:cubicBezTo>
-                  <a:pt x="10514131" y="6512512"/>
-                  <a:pt x="10514131" y="6512512"/>
-                  <a:pt x="10340271" y="6813206"/>
-                </a:cubicBezTo>
-                <a:lnTo>
-                  <a:pt x="10314372" y="6858000"/>
-                </a:lnTo>
-                <a:lnTo>
-                  <a:pt x="10119136" y="6858000"/>
-                </a:lnTo>
-                <a:lnTo>
-                  <a:pt x="10122008" y="6853033"/>
-                </a:lnTo>
-                <a:cubicBezTo>
-                  <a:pt x="10327158" y="6498223"/>
-                  <a:pt x="10327158" y="6498223"/>
-                  <a:pt x="10327158" y="6498223"/>
-                </a:cubicBezTo>
-                <a:cubicBezTo>
-                  <a:pt x="10368154" y="6430148"/>
-                  <a:pt x="10368154" y="6343015"/>
-                  <a:pt x="10327158" y="6274942"/>
-                </a:cubicBezTo>
-                <a:cubicBezTo>
-                  <a:pt x="9695832" y="5183053"/>
-                  <a:pt x="9695832" y="5183053"/>
-                  <a:pt x="9695832" y="5183053"/>
-                </a:cubicBezTo>
-                <a:cubicBezTo>
-                  <a:pt x="9675334" y="5147654"/>
-                  <a:pt x="9646640" y="5119063"/>
-                  <a:pt x="9612819" y="5099323"/>
-                </a:cubicBezTo>
-                <a:lnTo>
-                  <a:pt x="9603213" y="5095298"/>
-                </a:lnTo>
-                <a:lnTo>
-                  <a:pt x="9654707" y="5006238"/>
-                </a:lnTo>
-                <a:lnTo>
-                  <a:pt x="9693004" y="4940002"/>
-                </a:lnTo>
-                <a:lnTo>
-                  <a:pt x="9653283" y="4923348"/>
-                </a:lnTo>
-                <a:cubicBezTo>
-                  <a:pt x="9631750" y="4917491"/>
-                  <a:pt x="9609208" y="4914420"/>
-                  <a:pt x="9586087" y="4914420"/>
-                </a:cubicBezTo>
-                <a:cubicBezTo>
-                  <a:pt x="8158743" y="4914420"/>
-                  <a:pt x="8158743" y="4914420"/>
-                  <a:pt x="8158743" y="4914420"/>
-                </a:cubicBezTo>
-                <a:cubicBezTo>
-                  <a:pt x="8069341" y="4914420"/>
-                  <a:pt x="7983024" y="4963563"/>
-                  <a:pt x="7939863" y="5043420"/>
-                </a:cubicBezTo>
-                <a:cubicBezTo>
-                  <a:pt x="7224650" y="6275065"/>
-                  <a:pt x="7224650" y="6275065"/>
-                  <a:pt x="7224650" y="6275065"/>
-                </a:cubicBezTo>
-                <a:cubicBezTo>
-                  <a:pt x="7178407" y="6351849"/>
-                  <a:pt x="7178407" y="6450135"/>
-                  <a:pt x="7224650" y="6526922"/>
-                </a:cubicBezTo>
-                <a:cubicBezTo>
-                  <a:pt x="7269350" y="6603900"/>
-                  <a:pt x="7311257" y="6676067"/>
-                  <a:pt x="7350544" y="6743723"/>
-                </a:cubicBezTo>
-                <a:lnTo>
-                  <a:pt x="7416905" y="6858000"/>
-                </a:lnTo>
-                <a:lnTo>
-                  <a:pt x="5902610" y="6858000"/>
-                </a:lnTo>
-                <a:lnTo>
-                  <a:pt x="4389358" y="6858000"/>
-                </a:lnTo>
-                <a:lnTo>
-                  <a:pt x="0" y="6858000"/>
-                </a:lnTo>
-                <a:close/>
-              </a:path>
-            </a:pathLst>
-          </a:custGeom>
+          </a:prstGeom>
         </p:spPr>
       </p:pic>
+      <p:sp>
+        <p:nvSpPr>
+          <p:cNvPr id="50" name="Rectangle 22">
+            <a:extLst>
+              <a:ext uri="{FF2B5EF4-FFF2-40B4-BE49-F238E27FC236}">
+                <a16:creationId xmlns:a16="http://schemas.microsoft.com/office/drawing/2014/main" id="{0344D4FE-ABEF-4230-9E4E-AD5782FC78AC}"/>
+              </a:ext>
+              <a:ext uri="{C183D7F6-B498-43B3-948B-1728B52AA6E4}">
+                <adec:decorative xmlns:adec="http://schemas.microsoft.com/office/drawing/2017/decorative" val="1"/>
+              </a:ext>
+            </a:extLst>
+          </p:cNvPr>
+          <p:cNvSpPr>
+            <a:spLocks noGrp="1" noRot="1" noChangeAspect="1" noMove="1" noResize="1" noEditPoints="1" noAdjustHandles="1" noChangeArrowheads="1" noChangeShapeType="1" noTextEdit="1"/>
+          </p:cNvSpPr>
+          <p:nvPr>
+            <p:extLst>
+              <p:ext uri="{386F3935-93C4-4BCD-93E2-E3B085C9AB24}">
+                <p16:designElem xmlns:p16="http://schemas.microsoft.com/office/powerpoint/2015/main" val="1"/>
+              </p:ext>
+            </p:extLst>
+          </p:nvPr>
+        </p:nvSpPr>
+        <p:spPr>
+          <a:xfrm>
+            <a:off x="1307870" y="1267730"/>
+            <a:ext cx="9576262" cy="4307950"/>
+          </a:xfrm>
+          <a:prstGeom prst="rect">
+            <a:avLst/>
+          </a:prstGeom>
+          <a:noFill/>
+          <a:ln w="9525" cap="sq" cmpd="sng" algn="ctr">
+            <a:solidFill>
+              <a:schemeClr val="tx1">
+                <a:lumMod val="75000"/>
+                <a:lumOff val="25000"/>
+              </a:schemeClr>
+            </a:solidFill>
+            <a:prstDash val="solid"/>
+            <a:miter lim="800000"/>
+          </a:ln>
+          <a:effectLst>
+            <a:softEdge rad="0"/>
+          </a:effectLst>
+        </p:spPr>
+      </p:sp>
       <p:sp>
         <p:nvSpPr>
           <p:cNvPr id="6" name="TextBox 5">
@@ -3324,8 +3166,172 @@
         </p:nvSpPr>
         <p:spPr>
           <a:xfrm>
-            <a:off x="7892471" y="3770958"/>
-            <a:ext cx="4116833" cy="830997"/>
+            <a:off x="1769532" y="1695576"/>
+            <a:ext cx="8652938" cy="2857191"/>
+          </a:xfrm>
+          <a:prstGeom prst="rect">
+            <a:avLst/>
+          </a:prstGeom>
+        </p:spPr>
+        <p:txBody>
+          <a:bodyPr vert="horz" lIns="91440" tIns="45720" rIns="91440" bIns="45720" rtlCol="0" anchor="ctr">
+            <a:normAutofit/>
+          </a:bodyPr>
+          <a:lstStyle/>
+          <a:p>
+            <a:pPr algn="ctr" defTabSz="914400">
+              <a:lnSpc>
+                <a:spcPct val="90000"/>
+              </a:lnSpc>
+              <a:spcBef>
+                <a:spcPct val="0"/>
+              </a:spcBef>
+              <a:spcAft>
+                <a:spcPts val="600"/>
+              </a:spcAft>
+            </a:pPr>
+            <a:r>
+              <a:rPr lang="en-US" sz="8000" dirty="0">
+                <a:latin typeface="+mj-lt"/>
+                <a:ea typeface="+mj-ea"/>
+                <a:cs typeface="+mj-cs"/>
+              </a:rPr>
+              <a:t>Assignment 4</a:t>
+            </a:r>
+          </a:p>
+        </p:txBody>
+      </p:sp>
+      <p:sp>
+        <p:nvSpPr>
+          <p:cNvPr id="51" name="Rectangle 24">
+            <a:extLst>
+              <a:ext uri="{FF2B5EF4-FFF2-40B4-BE49-F238E27FC236}">
+                <a16:creationId xmlns:a16="http://schemas.microsoft.com/office/drawing/2014/main" id="{9325F979-D3F9-4926-81B7-7ACCB31A501B}"/>
+              </a:ext>
+              <a:ext uri="{C183D7F6-B498-43B3-948B-1728B52AA6E4}">
+                <adec:decorative xmlns:adec="http://schemas.microsoft.com/office/drawing/2017/decorative" val="1"/>
+              </a:ext>
+            </a:extLst>
+          </p:cNvPr>
+          <p:cNvSpPr>
+            <a:spLocks noGrp="1" noRot="1" noChangeAspect="1" noMove="1" noResize="1" noEditPoints="1" noAdjustHandles="1" noChangeArrowheads="1" noChangeShapeType="1" noTextEdit="1"/>
+          </p:cNvSpPr>
+          <p:nvPr>
+            <p:extLst>
+              <p:ext uri="{386F3935-93C4-4BCD-93E2-E3B085C9AB24}">
+                <p16:designElem xmlns:p16="http://schemas.microsoft.com/office/powerpoint/2015/main" val="1"/>
+              </p:ext>
+            </p:extLst>
+          </p:nvPr>
+        </p:nvSpPr>
+        <p:spPr>
+          <a:xfrm>
+            <a:off x="1447801" y="1411615"/>
+            <a:ext cx="9296400" cy="4034770"/>
+          </a:xfrm>
+          <a:prstGeom prst="rect">
+            <a:avLst/>
+          </a:prstGeom>
+          <a:noFill/>
+          <a:ln w="9525" cap="sq" cmpd="sng" algn="ctr">
+            <a:solidFill>
+              <a:schemeClr val="tx1">
+                <a:lumMod val="75000"/>
+                <a:lumOff val="25000"/>
+                <a:alpha val="80000"/>
+              </a:schemeClr>
+            </a:solidFill>
+            <a:prstDash val="solid"/>
+            <a:miter lim="800000"/>
+          </a:ln>
+          <a:effectLst/>
+        </p:spPr>
+      </p:sp>
+      <p:sp>
+        <p:nvSpPr>
+          <p:cNvPr id="7" name="TextBox 6">
+            <a:extLst>
+              <a:ext uri="{FF2B5EF4-FFF2-40B4-BE49-F238E27FC236}">
+                <a16:creationId xmlns:a16="http://schemas.microsoft.com/office/drawing/2014/main" id="{0ABF4154-A51C-43BF-B2CF-DE02CACA80C5}"/>
+              </a:ext>
+            </a:extLst>
+          </p:cNvPr>
+          <p:cNvSpPr txBox="1"/>
+          <p:nvPr/>
+        </p:nvSpPr>
+        <p:spPr>
+          <a:xfrm>
+            <a:off x="490537" y="3727672"/>
+            <a:ext cx="11210925" cy="744836"/>
+          </a:xfrm>
+          <a:prstGeom prst="rect">
+            <a:avLst/>
+          </a:prstGeom>
+        </p:spPr>
+        <p:txBody>
+          <a:bodyPr vert="horz" lIns="91440" tIns="45720" rIns="91440" bIns="45720" rtlCol="0" anchor="ctr">
+            <a:normAutofit/>
+          </a:bodyPr>
+          <a:lstStyle/>
+          <a:p>
+            <a:pPr algn="ctr" defTabSz="914400">
+              <a:lnSpc>
+                <a:spcPct val="90000"/>
+              </a:lnSpc>
+              <a:spcBef>
+                <a:spcPct val="0"/>
+              </a:spcBef>
+              <a:spcAft>
+                <a:spcPts val="600"/>
+              </a:spcAft>
+            </a:pPr>
+            <a:r>
+              <a:rPr lang="en-US" sz="3600" dirty="0" err="1">
+                <a:solidFill>
+                  <a:schemeClr val="tx1">
+                    <a:lumMod val="85000"/>
+                    <a:lumOff val="15000"/>
+                  </a:schemeClr>
+                </a:solidFill>
+                <a:latin typeface="+mj-lt"/>
+                <a:ea typeface="+mj-ea"/>
+                <a:cs typeface="+mj-cs"/>
+              </a:rPr>
+              <a:t>.Net</a:t>
+            </a:r>
+            <a:r>
+              <a:rPr lang="en-US" sz="3600" dirty="0">
+                <a:solidFill>
+                  <a:schemeClr val="tx1">
+                    <a:lumMod val="85000"/>
+                    <a:lumOff val="15000"/>
+                  </a:schemeClr>
+                </a:solidFill>
+                <a:latin typeface="+mj-lt"/>
+                <a:ea typeface="+mj-ea"/>
+                <a:cs typeface="+mj-cs"/>
+              </a:rPr>
+              <a:t> Programming using C#</a:t>
+            </a:r>
+          </a:p>
+        </p:txBody>
+      </p:sp>
+      <p:sp>
+        <p:nvSpPr>
+          <p:cNvPr id="2" name="TextBox 1">
+            <a:extLst>
+              <a:ext uri="{FF2B5EF4-FFF2-40B4-BE49-F238E27FC236}">
+                <a16:creationId xmlns:a16="http://schemas.microsoft.com/office/drawing/2014/main" id="{B4A9AB72-5C48-44ED-8D25-FFB749E85EA2}"/>
+              </a:ext>
+            </a:extLst>
+          </p:cNvPr>
+          <p:cNvSpPr txBox="1"/>
+          <p:nvPr/>
+        </p:nvSpPr>
+        <p:spPr>
+          <a:xfrm>
+            <a:off x="8815388" y="6043613"/>
+            <a:ext cx="45719" cy="369332"/>
           </a:xfrm>
           <a:prstGeom prst="rect">
             <a:avLst/>
@@ -3338,32 +3344,16 @@
           </a:bodyPr>
           <a:lstStyle/>
           <a:p>
-            <a:r>
-              <a:rPr lang="en-US" sz="4800" dirty="0">
-                <a:highlight>
-                  <a:srgbClr val="C0C0C0"/>
-                </a:highlight>
-                <a:latin typeface="Aharoni" panose="02010803020104030203" pitchFamily="2" charset="-79"/>
-                <a:cs typeface="Aharoni" panose="02010803020104030203" pitchFamily="2" charset="-79"/>
-              </a:rPr>
-              <a:t>Assignment 4</a:t>
-            </a:r>
-            <a:endParaRPr lang="en-CA" sz="4800" dirty="0">
-              <a:highlight>
-                <a:srgbClr val="C0C0C0"/>
-              </a:highlight>
-              <a:latin typeface="Aharoni" panose="02010803020104030203" pitchFamily="2" charset="-79"/>
-              <a:cs typeface="Aharoni" panose="02010803020104030203" pitchFamily="2" charset="-79"/>
-            </a:endParaRPr>
-          </a:p>
-        </p:txBody>
-      </p:sp>
-      <p:sp>
-        <p:nvSpPr>
-          <p:cNvPr id="7" name="TextBox 6">
+            <a:endParaRPr lang="en-CA" dirty="0"/>
+          </a:p>
+        </p:txBody>
+      </p:sp>
+      <p:sp>
+        <p:nvSpPr>
+          <p:cNvPr id="3" name="TextBox 2">
             <a:extLst>
               <a:ext uri="{FF2B5EF4-FFF2-40B4-BE49-F238E27FC236}">
-                <a16:creationId xmlns:a16="http://schemas.microsoft.com/office/drawing/2014/main" id="{0ABF4154-A51C-43BF-B2CF-DE02CACA80C5}"/>
+                <a16:creationId xmlns:a16="http://schemas.microsoft.com/office/drawing/2014/main" id="{D7E06E0A-942E-494B-A919-93507B89A5C6}"/>
               </a:ext>
             </a:extLst>
           </p:cNvPr>
@@ -3372,8 +3362,8 @@
         </p:nvSpPr>
         <p:spPr>
           <a:xfrm>
-            <a:off x="7892472" y="3429000"/>
-            <a:ext cx="5419186" cy="461665"/>
+            <a:off x="7965389" y="5701314"/>
+            <a:ext cx="4180114" cy="1031051"/>
           </a:xfrm>
           <a:prstGeom prst="rect">
             <a:avLst/>
@@ -3386,33 +3376,27 @@
           </a:bodyPr>
           <a:lstStyle/>
           <a:p>
-            <a:r>
-              <a:rPr lang="en-US" sz="2400" dirty="0" err="1">
-                <a:highlight>
-                  <a:srgbClr val="C0C0C0"/>
-                </a:highlight>
-                <a:latin typeface="Aharoni" panose="02010803020104030203" pitchFamily="2" charset="-79"/>
-                <a:cs typeface="Aharoni" panose="02010803020104030203" pitchFamily="2" charset="-79"/>
-              </a:rPr>
-              <a:t>.Net</a:t>
-            </a:r>
-            <a:r>
-              <a:rPr lang="en-US" sz="2400" dirty="0">
-                <a:highlight>
-                  <a:srgbClr val="C0C0C0"/>
-                </a:highlight>
-                <a:latin typeface="Aharoni" panose="02010803020104030203" pitchFamily="2" charset="-79"/>
-                <a:cs typeface="Aharoni" panose="02010803020104030203" pitchFamily="2" charset="-79"/>
-              </a:rPr>
-              <a:t> Programming using C#</a:t>
-            </a:r>
-            <a:endParaRPr lang="en-CA" sz="2400" dirty="0">
-              <a:highlight>
-                <a:srgbClr val="C0C0C0"/>
-              </a:highlight>
-              <a:latin typeface="Aharoni" panose="02010803020104030203" pitchFamily="2" charset="-79"/>
-              <a:cs typeface="Aharoni" panose="02010803020104030203" pitchFamily="2" charset="-79"/>
-            </a:endParaRPr>
+            <a:pPr algn="r">
+              <a:spcAft>
+                <a:spcPts val="600"/>
+              </a:spcAft>
+            </a:pPr>
+            <a:r>
+              <a:rPr lang="en-US" sz="2800" b="1" dirty="0"/>
+              <a:t>By: Maitra Patel</a:t>
+            </a:r>
+          </a:p>
+          <a:p>
+            <a:pPr algn="r">
+              <a:spcAft>
+                <a:spcPts val="600"/>
+              </a:spcAft>
+            </a:pPr>
+            <a:r>
+              <a:rPr lang="en-US" sz="2800" b="1" dirty="0"/>
+              <a:t>200449121</a:t>
+            </a:r>
+            <a:endParaRPr lang="en-CA" sz="2800" b="1" dirty="0"/>
           </a:p>
         </p:txBody>
       </p:sp>
@@ -3424,7 +3408,7 @@
     </p:extLst>
   </p:cSld>
   <p:clrMapOvr>
-    <a:masterClrMapping/>
+    <a:overrideClrMapping bg1="dk1" tx1="lt1" bg2="dk2" tx2="lt2" accent1="accent1" accent2="accent2" accent3="accent3" accent4="accent4" accent5="accent5" accent6="accent6" hlink="hlink" folHlink="folHlink"/>
   </p:clrMapOvr>
 </p:sld>
 </file>
@@ -4672,6 +4656,2180 @@
     <p:extLst>
       <p:ext uri="{BB962C8B-B14F-4D97-AF65-F5344CB8AC3E}">
         <p14:creationId xmlns:p14="http://schemas.microsoft.com/office/powerpoint/2010/main" val="4203128870"/>
+      </p:ext>
+    </p:extLst>
+  </p:cSld>
+  <p:clrMapOvr>
+    <a:overrideClrMapping bg1="dk1" tx1="lt1" bg2="dk2" tx2="lt2" accent1="accent1" accent2="accent2" accent3="accent3" accent4="accent4" accent5="accent5" accent6="accent6" hlink="hlink" folHlink="folHlink"/>
+  </p:clrMapOvr>
+</p:sld>
+</file>
+
+<file path=ppt/slides/slide13.xml><?xml version="1.0" encoding="utf-8"?>
+<p:sld xmlns:a="http://schemas.openxmlformats.org/drawingml/2006/main" xmlns:r="http://schemas.openxmlformats.org/officeDocument/2006/relationships" xmlns:p="http://schemas.openxmlformats.org/presentationml/2006/main">
+  <p:cSld>
+    <p:bg>
+      <p:bgPr>
+        <a:solidFill>
+          <a:schemeClr val="bg1"/>
+        </a:solidFill>
+        <a:effectLst/>
+      </p:bgPr>
+    </p:bg>
+    <p:spTree>
+      <p:nvGrpSpPr>
+        <p:cNvPr id="1" name=""/>
+        <p:cNvGrpSpPr/>
+        <p:nvPr/>
+      </p:nvGrpSpPr>
+      <p:grpSpPr>
+        <a:xfrm>
+          <a:off x="0" y="0"/>
+          <a:ext cx="0" cy="0"/>
+          <a:chOff x="0" y="0"/>
+          <a:chExt cx="0" cy="0"/>
+        </a:xfrm>
+      </p:grpSpPr>
+      <p:sp useBgFill="1">
+        <p:nvSpPr>
+          <p:cNvPr id="11" name="Rectangle 10">
+            <a:extLst>
+              <a:ext uri="{FF2B5EF4-FFF2-40B4-BE49-F238E27FC236}">
+                <a16:creationId xmlns:a16="http://schemas.microsoft.com/office/drawing/2014/main" id="{0671A8AE-40A1-4631-A6B8-581AFF065482}"/>
+              </a:ext>
+              <a:ext uri="{C183D7F6-B498-43B3-948B-1728B52AA6E4}">
+                <adec:decorative xmlns:adec="http://schemas.microsoft.com/office/drawing/2017/decorative" val="1"/>
+              </a:ext>
+            </a:extLst>
+          </p:cNvPr>
+          <p:cNvSpPr>
+            <a:spLocks noGrp="1" noRot="1" noChangeAspect="1" noMove="1" noResize="1" noEditPoints="1" noAdjustHandles="1" noChangeArrowheads="1" noChangeShapeType="1" noTextEdit="1"/>
+          </p:cNvSpPr>
+          <p:nvPr>
+            <p:extLst>
+              <p:ext uri="{386F3935-93C4-4BCD-93E2-E3B085C9AB24}">
+                <p16:designElem xmlns:p16="http://schemas.microsoft.com/office/powerpoint/2015/main" val="1"/>
+              </p:ext>
+            </p:extLst>
+          </p:nvPr>
+        </p:nvSpPr>
+        <p:spPr>
+          <a:xfrm>
+            <a:off x="0" y="0"/>
+            <a:ext cx="12192000" cy="6858000"/>
+          </a:xfrm>
+          <a:prstGeom prst="rect">
+            <a:avLst/>
+          </a:prstGeom>
+          <a:ln>
+            <a:noFill/>
+          </a:ln>
+        </p:spPr>
+        <p:style>
+          <a:lnRef idx="2">
+            <a:schemeClr val="accent1">
+              <a:shade val="50000"/>
+            </a:schemeClr>
+          </a:lnRef>
+          <a:fillRef idx="1">
+            <a:schemeClr val="accent1"/>
+          </a:fillRef>
+          <a:effectRef idx="0">
+            <a:schemeClr val="accent1"/>
+          </a:effectRef>
+          <a:fontRef idx="minor">
+            <a:schemeClr val="lt1"/>
+          </a:fontRef>
+        </p:style>
+        <p:txBody>
+          <a:bodyPr rtlCol="0" anchor="ctr"/>
+          <a:lstStyle/>
+          <a:p>
+            <a:pPr algn="ctr"/>
+            <a:endParaRPr lang="en-US"/>
+          </a:p>
+        </p:txBody>
+      </p:sp>
+      <p:pic>
+        <p:nvPicPr>
+          <p:cNvPr id="5" name="Picture 4" descr="A picture containing rain&#10;&#10;Description automatically generated">
+            <a:extLst>
+              <a:ext uri="{FF2B5EF4-FFF2-40B4-BE49-F238E27FC236}">
+                <a16:creationId xmlns:a16="http://schemas.microsoft.com/office/drawing/2014/main" id="{7E950ED0-CDF0-4D83-9283-5292D2A0FA42}"/>
+              </a:ext>
+            </a:extLst>
+          </p:cNvPr>
+          <p:cNvPicPr>
+            <a:picLocks noChangeAspect="1"/>
+          </p:cNvPicPr>
+          <p:nvPr/>
+        </p:nvPicPr>
+        <p:blipFill rotWithShape="1">
+          <a:blip r:embed="rId2">
+            <a:extLst>
+              <a:ext uri="{28A0092B-C50C-407E-A947-70E740481C1C}">
+                <a14:useLocalDpi xmlns:a14="http://schemas.microsoft.com/office/drawing/2010/main" val="0"/>
+              </a:ext>
+            </a:extLst>
+          </a:blip>
+          <a:srcRect r="23298" b="9091"/>
+          <a:stretch/>
+        </p:blipFill>
+        <p:spPr>
+          <a:xfrm>
+            <a:off x="3523488" y="10"/>
+            <a:ext cx="8668512" cy="6857990"/>
+          </a:xfrm>
+          <a:prstGeom prst="rect">
+            <a:avLst/>
+          </a:prstGeom>
+        </p:spPr>
+      </p:pic>
+      <p:sp>
+        <p:nvSpPr>
+          <p:cNvPr id="13" name="Rectangle 12">
+            <a:extLst>
+              <a:ext uri="{FF2B5EF4-FFF2-40B4-BE49-F238E27FC236}">
+                <a16:creationId xmlns:a16="http://schemas.microsoft.com/office/drawing/2014/main" id="{AB58EF07-17C2-48CF-ABB0-EEF1F17CB8F0}"/>
+              </a:ext>
+              <a:ext uri="{C183D7F6-B498-43B3-948B-1728B52AA6E4}">
+                <adec:decorative xmlns:adec="http://schemas.microsoft.com/office/drawing/2017/decorative" val="1"/>
+              </a:ext>
+            </a:extLst>
+          </p:cNvPr>
+          <p:cNvSpPr>
+            <a:spLocks noGrp="1" noRot="1" noChangeAspect="1" noMove="1" noResize="1" noEditPoints="1" noAdjustHandles="1" noChangeArrowheads="1" noChangeShapeType="1" noTextEdit="1"/>
+          </p:cNvSpPr>
+          <p:nvPr>
+            <p:extLst>
+              <p:ext uri="{386F3935-93C4-4BCD-93E2-E3B085C9AB24}">
+                <p16:designElem xmlns:p16="http://schemas.microsoft.com/office/powerpoint/2015/main" val="1"/>
+              </p:ext>
+            </p:extLst>
+          </p:nvPr>
+        </p:nvSpPr>
+        <p:spPr>
+          <a:xfrm>
+            <a:off x="3" y="0"/>
+            <a:ext cx="9339206" cy="6858000"/>
+          </a:xfrm>
+          <a:prstGeom prst="rect">
+            <a:avLst/>
+          </a:prstGeom>
+          <a:gradFill>
+            <a:gsLst>
+              <a:gs pos="58000">
+                <a:schemeClr val="bg1"/>
+              </a:gs>
+              <a:gs pos="33000">
+                <a:schemeClr val="bg1">
+                  <a:alpha val="64000"/>
+                </a:schemeClr>
+              </a:gs>
+              <a:gs pos="0">
+                <a:schemeClr val="bg1">
+                  <a:alpha val="0"/>
+                </a:schemeClr>
+              </a:gs>
+              <a:gs pos="100000">
+                <a:schemeClr val="bg1"/>
+              </a:gs>
+            </a:gsLst>
+            <a:lin ang="10800000" scaled="0"/>
+          </a:gradFill>
+          <a:ln>
+            <a:noFill/>
+          </a:ln>
+        </p:spPr>
+        <p:style>
+          <a:lnRef idx="2">
+            <a:schemeClr val="accent1">
+              <a:shade val="50000"/>
+            </a:schemeClr>
+          </a:lnRef>
+          <a:fillRef idx="1">
+            <a:schemeClr val="accent1"/>
+          </a:fillRef>
+          <a:effectRef idx="0">
+            <a:schemeClr val="accent1"/>
+          </a:effectRef>
+          <a:fontRef idx="minor">
+            <a:schemeClr val="lt1"/>
+          </a:fontRef>
+        </p:style>
+        <p:txBody>
+          <a:bodyPr rtlCol="0" anchor="ctr"/>
+          <a:lstStyle/>
+          <a:p>
+            <a:pPr algn="ctr"/>
+            <a:endParaRPr lang="en-US" dirty="0"/>
+          </a:p>
+        </p:txBody>
+      </p:sp>
+      <p:sp>
+        <p:nvSpPr>
+          <p:cNvPr id="6" name="TextBox 5">
+            <a:extLst>
+              <a:ext uri="{FF2B5EF4-FFF2-40B4-BE49-F238E27FC236}">
+                <a16:creationId xmlns:a16="http://schemas.microsoft.com/office/drawing/2014/main" id="{C384BF86-2A77-4B1E-B66D-7D8764EB65F8}"/>
+              </a:ext>
+            </a:extLst>
+          </p:cNvPr>
+          <p:cNvSpPr txBox="1"/>
+          <p:nvPr/>
+        </p:nvSpPr>
+        <p:spPr>
+          <a:xfrm>
+            <a:off x="477981" y="1122363"/>
+            <a:ext cx="4023360" cy="3204134"/>
+          </a:xfrm>
+          <a:prstGeom prst="rect">
+            <a:avLst/>
+          </a:prstGeom>
+        </p:spPr>
+        <p:txBody>
+          <a:bodyPr vert="horz" lIns="91440" tIns="45720" rIns="91440" bIns="45720" rtlCol="0" anchor="b">
+            <a:normAutofit/>
+          </a:bodyPr>
+          <a:lstStyle/>
+          <a:p>
+            <a:pPr defTabSz="914400">
+              <a:lnSpc>
+                <a:spcPct val="90000"/>
+              </a:lnSpc>
+              <a:spcBef>
+                <a:spcPct val="0"/>
+              </a:spcBef>
+              <a:spcAft>
+                <a:spcPts val="600"/>
+              </a:spcAft>
+            </a:pPr>
+            <a:r>
+              <a:rPr lang="en-US" sz="4800" b="1" i="0" dirty="0">
+                <a:effectLst/>
+                <a:latin typeface="+mj-lt"/>
+                <a:ea typeface="+mj-ea"/>
+                <a:cs typeface="+mj-cs"/>
+              </a:rPr>
+              <a:t>Step 5: Deploy your ASP.NET Core app to Azure</a:t>
+            </a:r>
+          </a:p>
+        </p:txBody>
+      </p:sp>
+      <p:sp>
+        <p:nvSpPr>
+          <p:cNvPr id="15" name="Rectangle 14">
+            <a:extLst>
+              <a:ext uri="{FF2B5EF4-FFF2-40B4-BE49-F238E27FC236}">
+                <a16:creationId xmlns:a16="http://schemas.microsoft.com/office/drawing/2014/main" id="{AF2F604E-43BE-4DC3-B983-E071523364F8}"/>
+              </a:ext>
+              <a:ext uri="{C183D7F6-B498-43B3-948B-1728B52AA6E4}">
+                <adec:decorative xmlns:adec="http://schemas.microsoft.com/office/drawing/2017/decorative" val="1"/>
+              </a:ext>
+            </a:extLst>
+          </p:cNvPr>
+          <p:cNvSpPr>
+            <a:spLocks noGrp="1" noRot="1" noChangeAspect="1" noMove="1" noResize="1" noEditPoints="1" noAdjustHandles="1" noChangeArrowheads="1" noChangeShapeType="1" noTextEdit="1"/>
+          </p:cNvSpPr>
+          <p:nvPr>
+            <p:extLst>
+              <p:ext uri="{386F3935-93C4-4BCD-93E2-E3B085C9AB24}">
+                <p16:designElem xmlns:p16="http://schemas.microsoft.com/office/powerpoint/2015/main" val="1"/>
+              </p:ext>
+            </p:extLst>
+          </p:nvPr>
+        </p:nvSpPr>
+        <p:spPr>
+          <a:xfrm rot="5400000">
+            <a:off x="759921" y="346791"/>
+            <a:ext cx="146304" cy="704088"/>
+          </a:xfrm>
+          <a:prstGeom prst="rect">
+            <a:avLst/>
+          </a:prstGeom>
+          <a:solidFill>
+            <a:schemeClr val="accent2"/>
+          </a:solidFill>
+          <a:ln>
+            <a:noFill/>
+          </a:ln>
+        </p:spPr>
+        <p:style>
+          <a:lnRef idx="2">
+            <a:schemeClr val="accent1">
+              <a:shade val="50000"/>
+            </a:schemeClr>
+          </a:lnRef>
+          <a:fillRef idx="1">
+            <a:schemeClr val="accent1"/>
+          </a:fillRef>
+          <a:effectRef idx="0">
+            <a:schemeClr val="accent1"/>
+          </a:effectRef>
+          <a:fontRef idx="minor">
+            <a:schemeClr val="lt1"/>
+          </a:fontRef>
+        </p:style>
+        <p:txBody>
+          <a:bodyPr rtlCol="0" anchor="ctr"/>
+          <a:lstStyle/>
+          <a:p>
+            <a:pPr algn="ctr"/>
+            <a:endParaRPr lang="en-US">
+              <a:solidFill>
+                <a:prstClr val="white"/>
+              </a:solidFill>
+              <a:latin typeface="Calibri" panose="020F0502020204030204"/>
+            </a:endParaRPr>
+          </a:p>
+        </p:txBody>
+      </p:sp>
+      <p:sp>
+        <p:nvSpPr>
+          <p:cNvPr id="17" name="Rectangle 16">
+            <a:extLst>
+              <a:ext uri="{FF2B5EF4-FFF2-40B4-BE49-F238E27FC236}">
+                <a16:creationId xmlns:a16="http://schemas.microsoft.com/office/drawing/2014/main" id="{08C9B587-E65E-4B52-B37C-ABEBB6E87928}"/>
+              </a:ext>
+              <a:ext uri="{C183D7F6-B498-43B3-948B-1728B52AA6E4}">
+                <adec:decorative xmlns:adec="http://schemas.microsoft.com/office/drawing/2017/decorative" val="1"/>
+              </a:ext>
+            </a:extLst>
+          </p:cNvPr>
+          <p:cNvSpPr>
+            <a:spLocks noGrp="1" noRot="1" noChangeAspect="1" noMove="1" noResize="1" noEditPoints="1" noAdjustHandles="1" noChangeArrowheads="1" noChangeShapeType="1" noTextEdit="1"/>
+          </p:cNvSpPr>
+          <p:nvPr>
+            <p:extLst>
+              <p:ext uri="{386F3935-93C4-4BCD-93E2-E3B085C9AB24}">
+                <p16:designElem xmlns:p16="http://schemas.microsoft.com/office/powerpoint/2015/main" val="1"/>
+              </p:ext>
+            </p:extLst>
+          </p:nvPr>
+        </p:nvSpPr>
+        <p:spPr>
+          <a:xfrm>
+            <a:off x="481029" y="4546920"/>
+            <a:ext cx="3977640" cy="18288"/>
+          </a:xfrm>
+          <a:prstGeom prst="rect">
+            <a:avLst/>
+          </a:prstGeom>
+          <a:solidFill>
+            <a:schemeClr val="tx1"/>
+          </a:solidFill>
+          <a:ln w="3175">
+            <a:noFill/>
+          </a:ln>
+          <a:effectLst/>
+        </p:spPr>
+        <p:style>
+          <a:lnRef idx="2">
+            <a:schemeClr val="accent1">
+              <a:shade val="50000"/>
+            </a:schemeClr>
+          </a:lnRef>
+          <a:fillRef idx="1">
+            <a:schemeClr val="accent1"/>
+          </a:fillRef>
+          <a:effectRef idx="0">
+            <a:schemeClr val="accent1"/>
+          </a:effectRef>
+          <a:fontRef idx="minor">
+            <a:schemeClr val="lt1"/>
+          </a:fontRef>
+        </p:style>
+        <p:txBody>
+          <a:bodyPr rtlCol="0" anchor="ctr"/>
+          <a:lstStyle/>
+          <a:p>
+            <a:pPr marL="0" marR="0" lvl="0" indent="0" algn="ctr" defTabSz="914400" rtl="0" eaLnBrk="1" fontAlgn="auto" latinLnBrk="0" hangingPunct="1">
+              <a:lnSpc>
+                <a:spcPct val="100000"/>
+              </a:lnSpc>
+              <a:spcBef>
+                <a:spcPts val="0"/>
+              </a:spcBef>
+              <a:spcAft>
+                <a:spcPts val="0"/>
+              </a:spcAft>
+              <a:buClrTx/>
+              <a:buSzTx/>
+              <a:buFontTx/>
+              <a:buNone/>
+              <a:tabLst/>
+              <a:defRPr/>
+            </a:pPr>
+            <a:endParaRPr kumimoji="0" lang="en-US" sz="1800" b="0" i="0" u="none" strike="noStrike" kern="1200" cap="none" spc="0" normalizeH="0" baseline="0" noProof="0">
+              <a:ln>
+                <a:noFill/>
+              </a:ln>
+              <a:solidFill>
+                <a:prstClr val="white"/>
+              </a:solidFill>
+              <a:effectLst/>
+              <a:uLnTx/>
+              <a:uFillTx/>
+              <a:latin typeface="Calibri" panose="020F0502020204030204"/>
+              <a:ea typeface="+mn-ea"/>
+              <a:cs typeface="+mn-cs"/>
+            </a:endParaRPr>
+          </a:p>
+        </p:txBody>
+      </p:sp>
+    </p:spTree>
+    <p:extLst>
+      <p:ext uri="{BB962C8B-B14F-4D97-AF65-F5344CB8AC3E}">
+        <p14:creationId xmlns:p14="http://schemas.microsoft.com/office/powerpoint/2010/main" val="935926752"/>
+      </p:ext>
+    </p:extLst>
+  </p:cSld>
+  <p:clrMapOvr>
+    <a:overrideClrMapping bg1="dk1" tx1="lt1" bg2="dk2" tx2="lt2" accent1="accent1" accent2="accent2" accent3="accent3" accent4="accent4" accent5="accent5" accent6="accent6" hlink="hlink" folHlink="folHlink"/>
+  </p:clrMapOvr>
+</p:sld>
+</file>
+
+<file path=ppt/slides/slide14.xml><?xml version="1.0" encoding="utf-8"?>
+<p:sld xmlns:a="http://schemas.openxmlformats.org/drawingml/2006/main" xmlns:r="http://schemas.openxmlformats.org/officeDocument/2006/relationships" xmlns:p="http://schemas.openxmlformats.org/presentationml/2006/main">
+  <p:cSld>
+    <p:spTree>
+      <p:nvGrpSpPr>
+        <p:cNvPr id="1" name=""/>
+        <p:cNvGrpSpPr/>
+        <p:nvPr/>
+      </p:nvGrpSpPr>
+      <p:grpSpPr>
+        <a:xfrm>
+          <a:off x="0" y="0"/>
+          <a:ext cx="0" cy="0"/>
+          <a:chOff x="0" y="0"/>
+          <a:chExt cx="0" cy="0"/>
+        </a:xfrm>
+      </p:grpSpPr>
+      <p:sp useBgFill="1">
+        <p:nvSpPr>
+          <p:cNvPr id="4" name="Rectangle 3">
+            <a:extLst>
+              <a:ext uri="{FF2B5EF4-FFF2-40B4-BE49-F238E27FC236}">
+                <a16:creationId xmlns:a16="http://schemas.microsoft.com/office/drawing/2014/main" id="{9E95312B-1462-4692-9BA5-72332DC0BC93}"/>
+              </a:ext>
+              <a:ext uri="{C183D7F6-B498-43B3-948B-1728B52AA6E4}">
+                <adec:decorative xmlns:adec="http://schemas.microsoft.com/office/drawing/2017/decorative" val="1"/>
+              </a:ext>
+            </a:extLst>
+          </p:cNvPr>
+          <p:cNvSpPr>
+            <a:spLocks noGrp="1" noRot="1" noChangeAspect="1" noMove="1" noResize="1" noEditPoints="1" noAdjustHandles="1" noChangeArrowheads="1" noChangeShapeType="1" noTextEdit="1"/>
+          </p:cNvSpPr>
+          <p:nvPr>
+            <p:extLst>
+              <p:ext uri="{386F3935-93C4-4BCD-93E2-E3B085C9AB24}">
+                <p16:designElem xmlns:p16="http://schemas.microsoft.com/office/powerpoint/2015/main" val="1"/>
+              </p:ext>
+            </p:extLst>
+          </p:nvPr>
+        </p:nvSpPr>
+        <p:spPr>
+          <a:xfrm>
+            <a:off x="0" y="0"/>
+            <a:ext cx="12192000" cy="6858000"/>
+          </a:xfrm>
+          <a:prstGeom prst="rect">
+            <a:avLst/>
+          </a:prstGeom>
+          <a:ln>
+            <a:noFill/>
+          </a:ln>
+        </p:spPr>
+        <p:style>
+          <a:lnRef idx="2">
+            <a:schemeClr val="accent1">
+              <a:shade val="50000"/>
+            </a:schemeClr>
+          </a:lnRef>
+          <a:fillRef idx="1">
+            <a:schemeClr val="accent1"/>
+          </a:fillRef>
+          <a:effectRef idx="0">
+            <a:schemeClr val="accent1"/>
+          </a:effectRef>
+          <a:fontRef idx="minor">
+            <a:schemeClr val="lt1"/>
+          </a:fontRef>
+        </p:style>
+        <p:txBody>
+          <a:bodyPr rtlCol="0" anchor="ctr"/>
+          <a:lstStyle/>
+          <a:p>
+            <a:pPr algn="ctr"/>
+            <a:endParaRPr lang="en-US"/>
+          </a:p>
+        </p:txBody>
+      </p:sp>
+      <p:sp>
+        <p:nvSpPr>
+          <p:cNvPr id="5" name="Rectangle 4">
+            <a:extLst>
+              <a:ext uri="{FF2B5EF4-FFF2-40B4-BE49-F238E27FC236}">
+                <a16:creationId xmlns:a16="http://schemas.microsoft.com/office/drawing/2014/main" id="{4D52015A-267D-4AA2-B7BC-4379C446CE7D}"/>
+              </a:ext>
+              <a:ext uri="{C183D7F6-B498-43B3-948B-1728B52AA6E4}">
+                <adec:decorative xmlns:adec="http://schemas.microsoft.com/office/drawing/2017/decorative" val="1"/>
+              </a:ext>
+            </a:extLst>
+          </p:cNvPr>
+          <p:cNvSpPr>
+            <a:spLocks noGrp="1" noRot="1" noChangeAspect="1" noMove="1" noResize="1" noEditPoints="1" noAdjustHandles="1" noChangeArrowheads="1" noChangeShapeType="1" noTextEdit="1"/>
+          </p:cNvSpPr>
+          <p:nvPr>
+            <p:extLst>
+              <p:ext uri="{386F3935-93C4-4BCD-93E2-E3B085C9AB24}">
+                <p16:designElem xmlns:p16="http://schemas.microsoft.com/office/powerpoint/2015/main" val="1"/>
+              </p:ext>
+            </p:extLst>
+          </p:nvPr>
+        </p:nvSpPr>
+        <p:spPr>
+          <a:xfrm>
+            <a:off x="0" y="0"/>
+            <a:ext cx="4694548" cy="6858000"/>
+          </a:xfrm>
+          <a:prstGeom prst="rect">
+            <a:avLst/>
+          </a:prstGeom>
+          <a:solidFill>
+            <a:schemeClr val="tx1"/>
+          </a:solidFill>
+          <a:ln>
+            <a:noFill/>
+          </a:ln>
+        </p:spPr>
+        <p:style>
+          <a:lnRef idx="2">
+            <a:schemeClr val="accent1">
+              <a:shade val="50000"/>
+            </a:schemeClr>
+          </a:lnRef>
+          <a:fillRef idx="1">
+            <a:schemeClr val="accent1"/>
+          </a:fillRef>
+          <a:effectRef idx="0">
+            <a:schemeClr val="accent1"/>
+          </a:effectRef>
+          <a:fontRef idx="minor">
+            <a:schemeClr val="lt1"/>
+          </a:fontRef>
+        </p:style>
+        <p:txBody>
+          <a:bodyPr rtlCol="0" anchor="ctr"/>
+          <a:lstStyle/>
+          <a:p>
+            <a:pPr algn="ctr"/>
+            <a:endParaRPr lang="en-US"/>
+          </a:p>
+        </p:txBody>
+      </p:sp>
+      <p:grpSp>
+        <p:nvGrpSpPr>
+          <p:cNvPr id="6" name="Group 5">
+            <a:extLst>
+              <a:ext uri="{FF2B5EF4-FFF2-40B4-BE49-F238E27FC236}">
+                <a16:creationId xmlns:a16="http://schemas.microsoft.com/office/drawing/2014/main" id="{38DB2A01-9CA3-4BDC-8C24-AB28F06408BA}"/>
+              </a:ext>
+              <a:ext uri="{C183D7F6-B498-43B3-948B-1728B52AA6E4}">
+                <adec:decorative xmlns:adec="http://schemas.microsoft.com/office/drawing/2017/decorative" val="1"/>
+              </a:ext>
+            </a:extLst>
+          </p:cNvPr>
+          <p:cNvGrpSpPr>
+            <a:grpSpLocks noGrp="1" noUngrp="1" noRot="1" noChangeAspect="1" noMove="1" noResize="1"/>
+          </p:cNvGrpSpPr>
+          <p:nvPr>
+            <p:extLst>
+              <p:ext uri="{386F3935-93C4-4BCD-93E2-E3B085C9AB24}">
+                <p16:designElem xmlns:p16="http://schemas.microsoft.com/office/powerpoint/2015/main" val="1"/>
+              </p:ext>
+            </p:extLst>
+          </p:nvPr>
+        </p:nvGrpSpPr>
+        <p:grpSpPr>
+          <a:xfrm>
+            <a:off x="767290" y="681628"/>
+            <a:ext cx="1128382" cy="847206"/>
+            <a:chOff x="668003" y="1684057"/>
+            <a:chExt cx="1128382" cy="847206"/>
+          </a:xfrm>
+        </p:grpSpPr>
+        <p:sp>
+          <p:nvSpPr>
+            <p:cNvPr id="7" name="Freeform 5">
+              <a:extLst>
+                <a:ext uri="{FF2B5EF4-FFF2-40B4-BE49-F238E27FC236}">
+                  <a16:creationId xmlns:a16="http://schemas.microsoft.com/office/drawing/2014/main" id="{3AB90829-23D2-4E4C-9535-6BFE15E16D19}"/>
+                </a:ext>
+                <a:ext uri="{C183D7F6-B498-43B3-948B-1728B52AA6E4}">
+                  <adec:decorative xmlns:adec="http://schemas.microsoft.com/office/drawing/2017/decorative" val="1"/>
+                </a:ext>
+              </a:extLst>
+            </p:cNvPr>
+            <p:cNvSpPr>
+              <a:spLocks/>
+            </p:cNvSpPr>
+            <p:nvPr>
+              <p:extLst>
+                <p:ext uri="{386F3935-93C4-4BCD-93E2-E3B085C9AB24}">
+                  <p16:designElem xmlns:p16="http://schemas.microsoft.com/office/powerpoint/2015/main" val="1"/>
+                </p:ext>
+              </p:extLst>
+            </p:nvPr>
+          </p:nvSpPr>
+          <p:spPr bwMode="auto">
+            <a:xfrm>
+              <a:off x="668003" y="1935883"/>
+              <a:ext cx="675351" cy="595380"/>
+            </a:xfrm>
+            <a:custGeom>
+              <a:avLst/>
+              <a:gdLst>
+                <a:gd name="T0" fmla="*/ 225 w 785"/>
+                <a:gd name="T1" fmla="*/ 692 h 692"/>
+                <a:gd name="T2" fmla="*/ 177 w 785"/>
+                <a:gd name="T3" fmla="*/ 665 h 692"/>
+                <a:gd name="T4" fmla="*/ 9 w 785"/>
+                <a:gd name="T5" fmla="*/ 374 h 692"/>
+                <a:gd name="T6" fmla="*/ 9 w 785"/>
+                <a:gd name="T7" fmla="*/ 318 h 692"/>
+                <a:gd name="T8" fmla="*/ 177 w 785"/>
+                <a:gd name="T9" fmla="*/ 27 h 692"/>
+                <a:gd name="T10" fmla="*/ 225 w 785"/>
+                <a:gd name="T11" fmla="*/ 0 h 692"/>
+                <a:gd name="T12" fmla="*/ 561 w 785"/>
+                <a:gd name="T13" fmla="*/ 0 h 692"/>
+                <a:gd name="T14" fmla="*/ 609 w 785"/>
+                <a:gd name="T15" fmla="*/ 27 h 692"/>
+                <a:gd name="T16" fmla="*/ 777 w 785"/>
+                <a:gd name="T17" fmla="*/ 318 h 692"/>
+                <a:gd name="T18" fmla="*/ 777 w 785"/>
+                <a:gd name="T19" fmla="*/ 374 h 692"/>
+                <a:gd name="T20" fmla="*/ 609 w 785"/>
+                <a:gd name="T21" fmla="*/ 665 h 692"/>
+                <a:gd name="T22" fmla="*/ 561 w 785"/>
+                <a:gd name="T23" fmla="*/ 692 h 692"/>
+                <a:gd name="T24" fmla="*/ 225 w 785"/>
+                <a:gd name="T25" fmla="*/ 692 h 692"/>
+              </a:gdLst>
+              <a:ahLst/>
+              <a:cxnLst>
+                <a:cxn ang="0">
+                  <a:pos x="T0" y="T1"/>
+                </a:cxn>
+                <a:cxn ang="0">
+                  <a:pos x="T2" y="T3"/>
+                </a:cxn>
+                <a:cxn ang="0">
+                  <a:pos x="T4" y="T5"/>
+                </a:cxn>
+                <a:cxn ang="0">
+                  <a:pos x="T6" y="T7"/>
+                </a:cxn>
+                <a:cxn ang="0">
+                  <a:pos x="T8" y="T9"/>
+                </a:cxn>
+                <a:cxn ang="0">
+                  <a:pos x="T10" y="T11"/>
+                </a:cxn>
+                <a:cxn ang="0">
+                  <a:pos x="T12" y="T13"/>
+                </a:cxn>
+                <a:cxn ang="0">
+                  <a:pos x="T14" y="T15"/>
+                </a:cxn>
+                <a:cxn ang="0">
+                  <a:pos x="T16" y="T17"/>
+                </a:cxn>
+                <a:cxn ang="0">
+                  <a:pos x="T18" y="T19"/>
+                </a:cxn>
+                <a:cxn ang="0">
+                  <a:pos x="T20" y="T21"/>
+                </a:cxn>
+                <a:cxn ang="0">
+                  <a:pos x="T22" y="T23"/>
+                </a:cxn>
+                <a:cxn ang="0">
+                  <a:pos x="T24" y="T25"/>
+                </a:cxn>
+              </a:cxnLst>
+              <a:rect l="0" t="0" r="r" b="b"/>
+              <a:pathLst>
+                <a:path w="785" h="692">
+                  <a:moveTo>
+                    <a:pt x="225" y="692"/>
+                  </a:moveTo>
+                  <a:cubicBezTo>
+                    <a:pt x="207" y="692"/>
+                    <a:pt x="185" y="680"/>
+                    <a:pt x="177" y="665"/>
+                  </a:cubicBezTo>
+                  <a:cubicBezTo>
+                    <a:pt x="9" y="374"/>
+                    <a:pt x="9" y="374"/>
+                    <a:pt x="9" y="374"/>
+                  </a:cubicBezTo>
+                  <a:cubicBezTo>
+                    <a:pt x="0" y="358"/>
+                    <a:pt x="0" y="334"/>
+                    <a:pt x="9" y="318"/>
+                  </a:cubicBezTo>
+                  <a:cubicBezTo>
+                    <a:pt x="177" y="27"/>
+                    <a:pt x="177" y="27"/>
+                    <a:pt x="177" y="27"/>
+                  </a:cubicBezTo>
+                  <a:cubicBezTo>
+                    <a:pt x="185" y="12"/>
+                    <a:pt x="207" y="0"/>
+                    <a:pt x="225" y="0"/>
+                  </a:cubicBezTo>
+                  <a:cubicBezTo>
+                    <a:pt x="561" y="0"/>
+                    <a:pt x="561" y="0"/>
+                    <a:pt x="561" y="0"/>
+                  </a:cubicBezTo>
+                  <a:cubicBezTo>
+                    <a:pt x="578" y="0"/>
+                    <a:pt x="600" y="12"/>
+                    <a:pt x="609" y="27"/>
+                  </a:cubicBezTo>
+                  <a:cubicBezTo>
+                    <a:pt x="777" y="318"/>
+                    <a:pt x="777" y="318"/>
+                    <a:pt x="777" y="318"/>
+                  </a:cubicBezTo>
+                  <a:cubicBezTo>
+                    <a:pt x="785" y="334"/>
+                    <a:pt x="785" y="358"/>
+                    <a:pt x="777" y="374"/>
+                  </a:cubicBezTo>
+                  <a:cubicBezTo>
+                    <a:pt x="609" y="665"/>
+                    <a:pt x="609" y="665"/>
+                    <a:pt x="609" y="665"/>
+                  </a:cubicBezTo>
+                  <a:cubicBezTo>
+                    <a:pt x="600" y="680"/>
+                    <a:pt x="578" y="692"/>
+                    <a:pt x="561" y="692"/>
+                  </a:cubicBezTo>
+                  <a:lnTo>
+                    <a:pt x="225" y="692"/>
+                  </a:lnTo>
+                  <a:close/>
+                </a:path>
+              </a:pathLst>
+            </a:custGeom>
+            <a:noFill/>
+            <a:ln w="28575" cmpd="sng">
+              <a:solidFill>
+                <a:schemeClr val="bg1"/>
+              </a:solidFill>
+            </a:ln>
+          </p:spPr>
+          <p:txBody>
+            <a:bodyPr vert="horz" wrap="square" lIns="91440" tIns="45720" rIns="91440" bIns="45720" numCol="1" anchor="t" anchorCtr="0" compatLnSpc="1">
+              <a:prstTxWarp prst="textNoShape">
+                <a:avLst/>
+              </a:prstTxWarp>
+            </a:bodyPr>
+            <a:lstStyle/>
+            <a:p>
+              <a:endParaRPr lang="en-US"/>
+            </a:p>
+          </p:txBody>
+        </p:sp>
+        <p:sp>
+          <p:nvSpPr>
+            <p:cNvPr id="8" name="Freeform 5">
+              <a:extLst>
+                <a:ext uri="{FF2B5EF4-FFF2-40B4-BE49-F238E27FC236}">
+                  <a16:creationId xmlns:a16="http://schemas.microsoft.com/office/drawing/2014/main" id="{FC606C91-9831-4418-9CB3-50A5252526F8}"/>
+                </a:ext>
+                <a:ext uri="{C183D7F6-B498-43B3-948B-1728B52AA6E4}">
+                  <adec:decorative xmlns:adec="http://schemas.microsoft.com/office/drawing/2017/decorative" val="1"/>
+                </a:ext>
+              </a:extLst>
+            </p:cNvPr>
+            <p:cNvSpPr>
+              <a:spLocks/>
+            </p:cNvSpPr>
+            <p:nvPr>
+              <p:extLst>
+                <p:ext uri="{386F3935-93C4-4BCD-93E2-E3B085C9AB24}">
+                  <p16:designElem xmlns:p16="http://schemas.microsoft.com/office/powerpoint/2015/main" val="1"/>
+                </p:ext>
+              </p:extLst>
+            </p:nvPr>
+          </p:nvSpPr>
+          <p:spPr bwMode="auto">
+            <a:xfrm>
+              <a:off x="1245893" y="1684057"/>
+              <a:ext cx="550492" cy="485306"/>
+            </a:xfrm>
+            <a:custGeom>
+              <a:avLst/>
+              <a:gdLst>
+                <a:gd name="T0" fmla="*/ 225 w 785"/>
+                <a:gd name="T1" fmla="*/ 692 h 692"/>
+                <a:gd name="T2" fmla="*/ 177 w 785"/>
+                <a:gd name="T3" fmla="*/ 665 h 692"/>
+                <a:gd name="T4" fmla="*/ 9 w 785"/>
+                <a:gd name="T5" fmla="*/ 374 h 692"/>
+                <a:gd name="T6" fmla="*/ 9 w 785"/>
+                <a:gd name="T7" fmla="*/ 318 h 692"/>
+                <a:gd name="T8" fmla="*/ 177 w 785"/>
+                <a:gd name="T9" fmla="*/ 27 h 692"/>
+                <a:gd name="T10" fmla="*/ 225 w 785"/>
+                <a:gd name="T11" fmla="*/ 0 h 692"/>
+                <a:gd name="T12" fmla="*/ 561 w 785"/>
+                <a:gd name="T13" fmla="*/ 0 h 692"/>
+                <a:gd name="T14" fmla="*/ 609 w 785"/>
+                <a:gd name="T15" fmla="*/ 27 h 692"/>
+                <a:gd name="T16" fmla="*/ 777 w 785"/>
+                <a:gd name="T17" fmla="*/ 318 h 692"/>
+                <a:gd name="T18" fmla="*/ 777 w 785"/>
+                <a:gd name="T19" fmla="*/ 374 h 692"/>
+                <a:gd name="T20" fmla="*/ 609 w 785"/>
+                <a:gd name="T21" fmla="*/ 665 h 692"/>
+                <a:gd name="T22" fmla="*/ 561 w 785"/>
+                <a:gd name="T23" fmla="*/ 692 h 692"/>
+                <a:gd name="T24" fmla="*/ 225 w 785"/>
+                <a:gd name="T25" fmla="*/ 692 h 692"/>
+              </a:gdLst>
+              <a:ahLst/>
+              <a:cxnLst>
+                <a:cxn ang="0">
+                  <a:pos x="T0" y="T1"/>
+                </a:cxn>
+                <a:cxn ang="0">
+                  <a:pos x="T2" y="T3"/>
+                </a:cxn>
+                <a:cxn ang="0">
+                  <a:pos x="T4" y="T5"/>
+                </a:cxn>
+                <a:cxn ang="0">
+                  <a:pos x="T6" y="T7"/>
+                </a:cxn>
+                <a:cxn ang="0">
+                  <a:pos x="T8" y="T9"/>
+                </a:cxn>
+                <a:cxn ang="0">
+                  <a:pos x="T10" y="T11"/>
+                </a:cxn>
+                <a:cxn ang="0">
+                  <a:pos x="T12" y="T13"/>
+                </a:cxn>
+                <a:cxn ang="0">
+                  <a:pos x="T14" y="T15"/>
+                </a:cxn>
+                <a:cxn ang="0">
+                  <a:pos x="T16" y="T17"/>
+                </a:cxn>
+                <a:cxn ang="0">
+                  <a:pos x="T18" y="T19"/>
+                </a:cxn>
+                <a:cxn ang="0">
+                  <a:pos x="T20" y="T21"/>
+                </a:cxn>
+                <a:cxn ang="0">
+                  <a:pos x="T22" y="T23"/>
+                </a:cxn>
+                <a:cxn ang="0">
+                  <a:pos x="T24" y="T25"/>
+                </a:cxn>
+              </a:cxnLst>
+              <a:rect l="0" t="0" r="r" b="b"/>
+              <a:pathLst>
+                <a:path w="785" h="692">
+                  <a:moveTo>
+                    <a:pt x="225" y="692"/>
+                  </a:moveTo>
+                  <a:cubicBezTo>
+                    <a:pt x="207" y="692"/>
+                    <a:pt x="185" y="680"/>
+                    <a:pt x="177" y="665"/>
+                  </a:cubicBezTo>
+                  <a:cubicBezTo>
+                    <a:pt x="9" y="374"/>
+                    <a:pt x="9" y="374"/>
+                    <a:pt x="9" y="374"/>
+                  </a:cubicBezTo>
+                  <a:cubicBezTo>
+                    <a:pt x="0" y="358"/>
+                    <a:pt x="0" y="334"/>
+                    <a:pt x="9" y="318"/>
+                  </a:cubicBezTo>
+                  <a:cubicBezTo>
+                    <a:pt x="177" y="27"/>
+                    <a:pt x="177" y="27"/>
+                    <a:pt x="177" y="27"/>
+                  </a:cubicBezTo>
+                  <a:cubicBezTo>
+                    <a:pt x="185" y="12"/>
+                    <a:pt x="207" y="0"/>
+                    <a:pt x="225" y="0"/>
+                  </a:cubicBezTo>
+                  <a:cubicBezTo>
+                    <a:pt x="561" y="0"/>
+                    <a:pt x="561" y="0"/>
+                    <a:pt x="561" y="0"/>
+                  </a:cubicBezTo>
+                  <a:cubicBezTo>
+                    <a:pt x="578" y="0"/>
+                    <a:pt x="600" y="12"/>
+                    <a:pt x="609" y="27"/>
+                  </a:cubicBezTo>
+                  <a:cubicBezTo>
+                    <a:pt x="777" y="318"/>
+                    <a:pt x="777" y="318"/>
+                    <a:pt x="777" y="318"/>
+                  </a:cubicBezTo>
+                  <a:cubicBezTo>
+                    <a:pt x="785" y="334"/>
+                    <a:pt x="785" y="358"/>
+                    <a:pt x="777" y="374"/>
+                  </a:cubicBezTo>
+                  <a:cubicBezTo>
+                    <a:pt x="609" y="665"/>
+                    <a:pt x="609" y="665"/>
+                    <a:pt x="609" y="665"/>
+                  </a:cubicBezTo>
+                  <a:cubicBezTo>
+                    <a:pt x="600" y="680"/>
+                    <a:pt x="578" y="692"/>
+                    <a:pt x="561" y="692"/>
+                  </a:cubicBezTo>
+                  <a:lnTo>
+                    <a:pt x="225" y="692"/>
+                  </a:lnTo>
+                  <a:close/>
+                </a:path>
+              </a:pathLst>
+            </a:custGeom>
+            <a:noFill/>
+            <a:ln w="28575" cmpd="sng">
+              <a:solidFill>
+                <a:schemeClr val="bg1"/>
+              </a:solidFill>
+            </a:ln>
+          </p:spPr>
+          <p:txBody>
+            <a:bodyPr vert="horz" wrap="square" lIns="91440" tIns="45720" rIns="91440" bIns="45720" numCol="1" anchor="t" anchorCtr="0" compatLnSpc="1">
+              <a:prstTxWarp prst="textNoShape">
+                <a:avLst/>
+              </a:prstTxWarp>
+            </a:bodyPr>
+            <a:lstStyle/>
+            <a:p>
+              <a:endParaRPr lang="en-US"/>
+            </a:p>
+          </p:txBody>
+        </p:sp>
+      </p:grpSp>
+      <p:sp>
+        <p:nvSpPr>
+          <p:cNvPr id="9" name="Title 1">
+            <a:extLst>
+              <a:ext uri="{FF2B5EF4-FFF2-40B4-BE49-F238E27FC236}">
+                <a16:creationId xmlns:a16="http://schemas.microsoft.com/office/drawing/2014/main" id="{671EC9CA-8331-49C6-8DDA-9DC6740F50BF}"/>
+              </a:ext>
+            </a:extLst>
+          </p:cNvPr>
+          <p:cNvSpPr txBox="1">
+            <a:spLocks/>
+          </p:cNvSpPr>
+          <p:nvPr/>
+        </p:nvSpPr>
+        <p:spPr>
+          <a:xfrm>
+            <a:off x="767290" y="1166932"/>
+            <a:ext cx="3582073" cy="4279709"/>
+          </a:xfrm>
+          <a:prstGeom prst="rect">
+            <a:avLst/>
+          </a:prstGeom>
+        </p:spPr>
+        <p:txBody>
+          <a:bodyPr vert="horz" lIns="91440" tIns="45720" rIns="91440" bIns="45720" rtlCol="0" anchor="ctr">
+            <a:normAutofit/>
+          </a:bodyPr>
+          <a:lstStyle>
+            <a:lvl1pPr algn="l" defTabSz="914400" rtl="0" eaLnBrk="1" latinLnBrk="0" hangingPunct="1">
+              <a:lnSpc>
+                <a:spcPct val="90000"/>
+              </a:lnSpc>
+              <a:spcBef>
+                <a:spcPct val="0"/>
+              </a:spcBef>
+              <a:buNone/>
+              <a:defRPr sz="4400" kern="1200">
+                <a:solidFill>
+                  <a:schemeClr val="tx1"/>
+                </a:solidFill>
+                <a:latin typeface="+mj-lt"/>
+                <a:ea typeface="+mj-ea"/>
+                <a:cs typeface="+mj-cs"/>
+              </a:defRPr>
+            </a:lvl1pPr>
+          </a:lstStyle>
+          <a:p>
+            <a:r>
+              <a:rPr lang="en-CA" sz="4800" b="1">
+                <a:solidFill>
+                  <a:schemeClr val="bg1"/>
+                </a:solidFill>
+                <a:latin typeface="Segoe UI" panose="020B0502040204020203" pitchFamily="34" charset="0"/>
+              </a:rPr>
+              <a:t>Add an API controller</a:t>
+            </a:r>
+            <a:br>
+              <a:rPr lang="en-CA" sz="4800" b="1">
+                <a:solidFill>
+                  <a:schemeClr val="bg1"/>
+                </a:solidFill>
+                <a:latin typeface="Segoe UI" panose="020B0502040204020203" pitchFamily="34" charset="0"/>
+              </a:rPr>
+            </a:br>
+            <a:endParaRPr lang="en-CA" sz="4800" dirty="0">
+              <a:solidFill>
+                <a:schemeClr val="bg1"/>
+              </a:solidFill>
+            </a:endParaRPr>
+          </a:p>
+        </p:txBody>
+      </p:sp>
+      <p:sp>
+        <p:nvSpPr>
+          <p:cNvPr id="10" name="Content Placeholder 2">
+            <a:extLst>
+              <a:ext uri="{FF2B5EF4-FFF2-40B4-BE49-F238E27FC236}">
+                <a16:creationId xmlns:a16="http://schemas.microsoft.com/office/drawing/2014/main" id="{3CD5A8DC-ED3F-45DB-BA78-AE279E08F233}"/>
+              </a:ext>
+            </a:extLst>
+          </p:cNvPr>
+          <p:cNvSpPr txBox="1">
+            <a:spLocks/>
+          </p:cNvSpPr>
+          <p:nvPr/>
+        </p:nvSpPr>
+        <p:spPr>
+          <a:xfrm>
+            <a:off x="5573864" y="1166933"/>
+            <a:ext cx="5716988" cy="4279709"/>
+          </a:xfrm>
+          <a:prstGeom prst="rect">
+            <a:avLst/>
+          </a:prstGeom>
+        </p:spPr>
+        <p:txBody>
+          <a:bodyPr vert="horz" lIns="91440" tIns="45720" rIns="91440" bIns="45720" rtlCol="0" anchor="ctr">
+            <a:normAutofit/>
+          </a:bodyPr>
+          <a:lstStyle>
+            <a:lvl1pPr marL="228600" indent="-228600" algn="l" defTabSz="914400" rtl="0" eaLnBrk="1" latinLnBrk="0" hangingPunct="1">
+              <a:lnSpc>
+                <a:spcPct val="90000"/>
+              </a:lnSpc>
+              <a:spcBef>
+                <a:spcPts val="1000"/>
+              </a:spcBef>
+              <a:buFont typeface="Arial" panose="020B0604020202020204" pitchFamily="34" charset="0"/>
+              <a:buChar char="•"/>
+              <a:defRPr sz="2800" kern="1200">
+                <a:solidFill>
+                  <a:schemeClr val="tx1"/>
+                </a:solidFill>
+                <a:latin typeface="+mn-lt"/>
+                <a:ea typeface="+mn-ea"/>
+                <a:cs typeface="+mn-cs"/>
+              </a:defRPr>
+            </a:lvl1pPr>
+            <a:lvl2pPr marL="685800" indent="-228600" algn="l" defTabSz="914400" rtl="0" eaLnBrk="1" latinLnBrk="0" hangingPunct="1">
+              <a:lnSpc>
+                <a:spcPct val="90000"/>
+              </a:lnSpc>
+              <a:spcBef>
+                <a:spcPts val="500"/>
+              </a:spcBef>
+              <a:buFont typeface="Arial" panose="020B0604020202020204" pitchFamily="34" charset="0"/>
+              <a:buChar char="•"/>
+              <a:defRPr sz="2400" kern="1200">
+                <a:solidFill>
+                  <a:schemeClr val="tx1"/>
+                </a:solidFill>
+                <a:latin typeface="+mn-lt"/>
+                <a:ea typeface="+mn-ea"/>
+                <a:cs typeface="+mn-cs"/>
+              </a:defRPr>
+            </a:lvl2pPr>
+            <a:lvl3pPr marL="1143000" indent="-228600" algn="l" defTabSz="914400" rtl="0" eaLnBrk="1" latinLnBrk="0" hangingPunct="1">
+              <a:lnSpc>
+                <a:spcPct val="90000"/>
+              </a:lnSpc>
+              <a:spcBef>
+                <a:spcPts val="500"/>
+              </a:spcBef>
+              <a:buFont typeface="Arial" panose="020B0604020202020204" pitchFamily="34" charset="0"/>
+              <a:buChar char="•"/>
+              <a:defRPr sz="2000" kern="1200">
+                <a:solidFill>
+                  <a:schemeClr val="tx1"/>
+                </a:solidFill>
+                <a:latin typeface="+mn-lt"/>
+                <a:ea typeface="+mn-ea"/>
+                <a:cs typeface="+mn-cs"/>
+              </a:defRPr>
+            </a:lvl3pPr>
+            <a:lvl4pPr marL="1600200" indent="-228600" algn="l" defTabSz="914400" rtl="0" eaLnBrk="1" latinLnBrk="0" hangingPunct="1">
+              <a:lnSpc>
+                <a:spcPct val="90000"/>
+              </a:lnSpc>
+              <a:spcBef>
+                <a:spcPts val="500"/>
+              </a:spcBef>
+              <a:buFont typeface="Arial" panose="020B0604020202020204" pitchFamily="34" charset="0"/>
+              <a:buChar char="•"/>
+              <a:defRPr sz="1800" kern="1200">
+                <a:solidFill>
+                  <a:schemeClr val="tx1"/>
+                </a:solidFill>
+                <a:latin typeface="+mn-lt"/>
+                <a:ea typeface="+mn-ea"/>
+                <a:cs typeface="+mn-cs"/>
+              </a:defRPr>
+            </a:lvl4pPr>
+            <a:lvl5pPr marL="2057400" indent="-228600" algn="l" defTabSz="914400" rtl="0" eaLnBrk="1" latinLnBrk="0" hangingPunct="1">
+              <a:lnSpc>
+                <a:spcPct val="90000"/>
+              </a:lnSpc>
+              <a:spcBef>
+                <a:spcPts val="500"/>
+              </a:spcBef>
+              <a:buFont typeface="Arial" panose="020B0604020202020204" pitchFamily="34" charset="0"/>
+              <a:buChar char="•"/>
+              <a:defRPr sz="1800" kern="1200">
+                <a:solidFill>
+                  <a:schemeClr val="tx1"/>
+                </a:solidFill>
+                <a:latin typeface="+mn-lt"/>
+                <a:ea typeface="+mn-ea"/>
+                <a:cs typeface="+mn-cs"/>
+              </a:defRPr>
+            </a:lvl5pPr>
+            <a:lvl6pPr marL="2514600" indent="-228600" algn="l" defTabSz="914400" rtl="0" eaLnBrk="1" latinLnBrk="0" hangingPunct="1">
+              <a:lnSpc>
+                <a:spcPct val="90000"/>
+              </a:lnSpc>
+              <a:spcBef>
+                <a:spcPts val="500"/>
+              </a:spcBef>
+              <a:buFont typeface="Arial" panose="020B0604020202020204" pitchFamily="34" charset="0"/>
+              <a:buChar char="•"/>
+              <a:defRPr sz="1800" kern="1200">
+                <a:solidFill>
+                  <a:schemeClr val="tx1"/>
+                </a:solidFill>
+                <a:latin typeface="+mn-lt"/>
+                <a:ea typeface="+mn-ea"/>
+                <a:cs typeface="+mn-cs"/>
+              </a:defRPr>
+            </a:lvl6pPr>
+            <a:lvl7pPr marL="2971800" indent="-228600" algn="l" defTabSz="914400" rtl="0" eaLnBrk="1" latinLnBrk="0" hangingPunct="1">
+              <a:lnSpc>
+                <a:spcPct val="90000"/>
+              </a:lnSpc>
+              <a:spcBef>
+                <a:spcPts val="500"/>
+              </a:spcBef>
+              <a:buFont typeface="Arial" panose="020B0604020202020204" pitchFamily="34" charset="0"/>
+              <a:buChar char="•"/>
+              <a:defRPr sz="1800" kern="1200">
+                <a:solidFill>
+                  <a:schemeClr val="tx1"/>
+                </a:solidFill>
+                <a:latin typeface="+mn-lt"/>
+                <a:ea typeface="+mn-ea"/>
+                <a:cs typeface="+mn-cs"/>
+              </a:defRPr>
+            </a:lvl7pPr>
+            <a:lvl8pPr marL="3429000" indent="-228600" algn="l" defTabSz="914400" rtl="0" eaLnBrk="1" latinLnBrk="0" hangingPunct="1">
+              <a:lnSpc>
+                <a:spcPct val="90000"/>
+              </a:lnSpc>
+              <a:spcBef>
+                <a:spcPts val="500"/>
+              </a:spcBef>
+              <a:buFont typeface="Arial" panose="020B0604020202020204" pitchFamily="34" charset="0"/>
+              <a:buChar char="•"/>
+              <a:defRPr sz="1800" kern="1200">
+                <a:solidFill>
+                  <a:schemeClr val="tx1"/>
+                </a:solidFill>
+                <a:latin typeface="+mn-lt"/>
+                <a:ea typeface="+mn-ea"/>
+                <a:cs typeface="+mn-cs"/>
+              </a:defRPr>
+            </a:lvl8pPr>
+            <a:lvl9pPr marL="3886200" indent="-228600" algn="l" defTabSz="914400" rtl="0" eaLnBrk="1" latinLnBrk="0" hangingPunct="1">
+              <a:lnSpc>
+                <a:spcPct val="90000"/>
+              </a:lnSpc>
+              <a:spcBef>
+                <a:spcPts val="500"/>
+              </a:spcBef>
+              <a:buFont typeface="Arial" panose="020B0604020202020204" pitchFamily="34" charset="0"/>
+              <a:buChar char="•"/>
+              <a:defRPr sz="1800" kern="1200">
+                <a:solidFill>
+                  <a:schemeClr val="tx1"/>
+                </a:solidFill>
+                <a:latin typeface="+mn-lt"/>
+                <a:ea typeface="+mn-ea"/>
+                <a:cs typeface="+mn-cs"/>
+              </a:defRPr>
+            </a:lvl9pPr>
+          </a:lstStyle>
+          <a:p>
+            <a:pPr>
+              <a:buFont typeface="Wingdings" panose="05000000000000000000" pitchFamily="2" charset="2"/>
+              <a:buChar char="q"/>
+            </a:pPr>
+            <a:r>
+              <a:rPr lang="en-US" sz="3200" b="1" dirty="0"/>
+              <a:t>Publish to Azure App Service</a:t>
+            </a:r>
+            <a:endParaRPr lang="en-CA" sz="3200" b="1" dirty="0"/>
+          </a:p>
+        </p:txBody>
+      </p:sp>
+    </p:spTree>
+    <p:extLst>
+      <p:ext uri="{BB962C8B-B14F-4D97-AF65-F5344CB8AC3E}">
+        <p14:creationId xmlns:p14="http://schemas.microsoft.com/office/powerpoint/2010/main" val="2036158677"/>
+      </p:ext>
+    </p:extLst>
+  </p:cSld>
+  <p:clrMapOvr>
+    <a:masterClrMapping/>
+  </p:clrMapOvr>
+</p:sld>
+</file>
+
+<file path=ppt/slides/slide15.xml><?xml version="1.0" encoding="utf-8"?>
+<p:sld xmlns:a="http://schemas.openxmlformats.org/drawingml/2006/main" xmlns:r="http://schemas.openxmlformats.org/officeDocument/2006/relationships" xmlns:p="http://schemas.openxmlformats.org/presentationml/2006/main">
+  <p:cSld>
+    <p:bg>
+      <p:bgPr>
+        <a:solidFill>
+          <a:schemeClr val="bg1"/>
+        </a:solidFill>
+        <a:effectLst/>
+      </p:bgPr>
+    </p:bg>
+    <p:spTree>
+      <p:nvGrpSpPr>
+        <p:cNvPr id="1" name=""/>
+        <p:cNvGrpSpPr/>
+        <p:nvPr/>
+      </p:nvGrpSpPr>
+      <p:grpSpPr>
+        <a:xfrm>
+          <a:off x="0" y="0"/>
+          <a:ext cx="0" cy="0"/>
+          <a:chOff x="0" y="0"/>
+          <a:chExt cx="0" cy="0"/>
+        </a:xfrm>
+      </p:grpSpPr>
+      <p:sp useBgFill="1">
+        <p:nvSpPr>
+          <p:cNvPr id="17" name="Rectangle 16">
+            <a:extLst>
+              <a:ext uri="{FF2B5EF4-FFF2-40B4-BE49-F238E27FC236}">
+                <a16:creationId xmlns:a16="http://schemas.microsoft.com/office/drawing/2014/main" id="{5A59F003-E00A-43F9-91DC-CC54E3B87466}"/>
+              </a:ext>
+              <a:ext uri="{C183D7F6-B498-43B3-948B-1728B52AA6E4}">
+                <adec:decorative xmlns:adec="http://schemas.microsoft.com/office/drawing/2017/decorative" val="1"/>
+              </a:ext>
+            </a:extLst>
+          </p:cNvPr>
+          <p:cNvSpPr>
+            <a:spLocks noGrp="1" noRot="1" noChangeAspect="1" noMove="1" noResize="1" noEditPoints="1" noAdjustHandles="1" noChangeArrowheads="1" noChangeShapeType="1" noTextEdit="1"/>
+          </p:cNvSpPr>
+          <p:nvPr>
+            <p:extLst>
+              <p:ext uri="{386F3935-93C4-4BCD-93E2-E3B085C9AB24}">
+                <p16:designElem xmlns:p16="http://schemas.microsoft.com/office/powerpoint/2015/main" val="1"/>
+              </p:ext>
+            </p:extLst>
+          </p:nvPr>
+        </p:nvSpPr>
+        <p:spPr>
+          <a:xfrm>
+            <a:off x="0" y="0"/>
+            <a:ext cx="12192000" cy="6858000"/>
+          </a:xfrm>
+          <a:prstGeom prst="rect">
+            <a:avLst/>
+          </a:prstGeom>
+          <a:ln>
+            <a:noFill/>
+          </a:ln>
+        </p:spPr>
+        <p:style>
+          <a:lnRef idx="2">
+            <a:schemeClr val="accent1">
+              <a:shade val="50000"/>
+            </a:schemeClr>
+          </a:lnRef>
+          <a:fillRef idx="1">
+            <a:schemeClr val="accent1"/>
+          </a:fillRef>
+          <a:effectRef idx="0">
+            <a:schemeClr val="accent1"/>
+          </a:effectRef>
+          <a:fontRef idx="minor">
+            <a:schemeClr val="lt1"/>
+          </a:fontRef>
+        </p:style>
+        <p:txBody>
+          <a:bodyPr rtlCol="0" anchor="ctr"/>
+          <a:lstStyle/>
+          <a:p>
+            <a:pPr algn="ctr"/>
+            <a:endParaRPr lang="en-US"/>
+          </a:p>
+        </p:txBody>
+      </p:sp>
+      <p:pic>
+        <p:nvPicPr>
+          <p:cNvPr id="5" name="Content Placeholder 4" descr="A screenshot of a computer&#10;&#10;Description automatically generated">
+            <a:extLst>
+              <a:ext uri="{FF2B5EF4-FFF2-40B4-BE49-F238E27FC236}">
+                <a16:creationId xmlns:a16="http://schemas.microsoft.com/office/drawing/2014/main" id="{E917874F-A316-41BF-8B51-A9C0048F6160}"/>
+              </a:ext>
+            </a:extLst>
+          </p:cNvPr>
+          <p:cNvPicPr>
+            <a:picLocks noGrp="1" noChangeAspect="1"/>
+          </p:cNvPicPr>
+          <p:nvPr>
+            <p:ph idx="1"/>
+          </p:nvPr>
+        </p:nvPicPr>
+        <p:blipFill rotWithShape="1">
+          <a:blip r:embed="rId2">
+            <a:extLst>
+              <a:ext uri="{28A0092B-C50C-407E-A947-70E740481C1C}">
+                <a14:useLocalDpi xmlns:a14="http://schemas.microsoft.com/office/drawing/2010/main" val="0"/>
+              </a:ext>
+            </a:extLst>
+          </a:blip>
+          <a:srcRect l="4326" t="9091" r="4765"/>
+          <a:stretch/>
+        </p:blipFill>
+        <p:spPr>
+          <a:xfrm>
+            <a:off x="20" y="10"/>
+            <a:ext cx="12191981" cy="6857990"/>
+          </a:xfrm>
+          <a:prstGeom prst="rect">
+            <a:avLst/>
+          </a:prstGeom>
+        </p:spPr>
+      </p:pic>
+      <p:sp>
+        <p:nvSpPr>
+          <p:cNvPr id="19" name="Rectangle 18">
+            <a:extLst>
+              <a:ext uri="{FF2B5EF4-FFF2-40B4-BE49-F238E27FC236}">
+                <a16:creationId xmlns:a16="http://schemas.microsoft.com/office/drawing/2014/main" id="{D74A4382-E3AD-430A-9A1F-DFA3E0E77A7D}"/>
+              </a:ext>
+              <a:ext uri="{C183D7F6-B498-43B3-948B-1728B52AA6E4}">
+                <adec:decorative xmlns:adec="http://schemas.microsoft.com/office/drawing/2017/decorative" val="1"/>
+              </a:ext>
+            </a:extLst>
+          </p:cNvPr>
+          <p:cNvSpPr>
+            <a:spLocks noGrp="1" noRot="1" noChangeAspect="1" noMove="1" noResize="1" noEditPoints="1" noAdjustHandles="1" noChangeArrowheads="1" noChangeShapeType="1" noTextEdit="1"/>
+          </p:cNvSpPr>
+          <p:nvPr>
+            <p:extLst>
+              <p:ext uri="{386F3935-93C4-4BCD-93E2-E3B085C9AB24}">
+                <p16:designElem xmlns:p16="http://schemas.microsoft.com/office/powerpoint/2015/main" val="1"/>
+              </p:ext>
+            </p:extLst>
+          </p:nvPr>
+        </p:nvSpPr>
+        <p:spPr>
+          <a:xfrm rot="16200000">
+            <a:off x="3799868" y="-1534136"/>
+            <a:ext cx="4592270" cy="12192001"/>
+          </a:xfrm>
+          <a:prstGeom prst="rect">
+            <a:avLst/>
+          </a:prstGeom>
+          <a:gradFill>
+            <a:gsLst>
+              <a:gs pos="35000">
+                <a:schemeClr val="bg1">
+                  <a:alpha val="46000"/>
+                </a:schemeClr>
+              </a:gs>
+              <a:gs pos="21000">
+                <a:schemeClr val="bg1">
+                  <a:alpha val="30000"/>
+                </a:schemeClr>
+              </a:gs>
+              <a:gs pos="0">
+                <a:schemeClr val="bg1">
+                  <a:alpha val="0"/>
+                </a:schemeClr>
+              </a:gs>
+              <a:gs pos="100000">
+                <a:schemeClr val="bg1">
+                  <a:alpha val="90000"/>
+                </a:schemeClr>
+              </a:gs>
+            </a:gsLst>
+            <a:lin ang="10800000" scaled="0"/>
+          </a:gradFill>
+          <a:ln>
+            <a:noFill/>
+          </a:ln>
+        </p:spPr>
+        <p:style>
+          <a:lnRef idx="2">
+            <a:schemeClr val="accent1">
+              <a:shade val="50000"/>
+            </a:schemeClr>
+          </a:lnRef>
+          <a:fillRef idx="1">
+            <a:schemeClr val="accent1"/>
+          </a:fillRef>
+          <a:effectRef idx="0">
+            <a:schemeClr val="accent1"/>
+          </a:effectRef>
+          <a:fontRef idx="minor">
+            <a:schemeClr val="lt1"/>
+          </a:fontRef>
+        </p:style>
+        <p:txBody>
+          <a:bodyPr rtlCol="0" anchor="ctr"/>
+          <a:lstStyle/>
+          <a:p>
+            <a:pPr algn="ctr"/>
+            <a:endParaRPr lang="en-US" dirty="0"/>
+          </a:p>
+        </p:txBody>
+      </p:sp>
+      <p:sp>
+        <p:nvSpPr>
+          <p:cNvPr id="2" name="Title 1">
+            <a:extLst>
+              <a:ext uri="{FF2B5EF4-FFF2-40B4-BE49-F238E27FC236}">
+                <a16:creationId xmlns:a16="http://schemas.microsoft.com/office/drawing/2014/main" id="{9F024D36-A37D-4B7C-BBDD-07841EA5B600}"/>
+              </a:ext>
+            </a:extLst>
+          </p:cNvPr>
+          <p:cNvSpPr>
+            <a:spLocks noGrp="1"/>
+          </p:cNvSpPr>
+          <p:nvPr>
+            <p:ph type="title"/>
+          </p:nvPr>
+        </p:nvSpPr>
+        <p:spPr>
+          <a:xfrm>
+            <a:off x="404553" y="3091928"/>
+            <a:ext cx="9078562" cy="2387600"/>
+          </a:xfrm>
+        </p:spPr>
+        <p:txBody>
+          <a:bodyPr vert="horz" lIns="91440" tIns="45720" rIns="91440" bIns="45720" rtlCol="0" anchor="b">
+            <a:normAutofit/>
+          </a:bodyPr>
+          <a:lstStyle/>
+          <a:p>
+            <a:r>
+              <a:rPr lang="en-US" sz="6600"/>
+              <a:t>Setting</a:t>
+            </a:r>
+            <a:br>
+              <a:rPr lang="en-US" sz="6600"/>
+            </a:br>
+            <a:r>
+              <a:rPr lang="en-US" sz="6600"/>
+              <a:t>SQL Database</a:t>
+            </a:r>
+          </a:p>
+        </p:txBody>
+      </p:sp>
+      <p:sp>
+        <p:nvSpPr>
+          <p:cNvPr id="21" name="Rectangle: Rounded Corners 20">
+            <a:extLst>
+              <a:ext uri="{FF2B5EF4-FFF2-40B4-BE49-F238E27FC236}">
+                <a16:creationId xmlns:a16="http://schemas.microsoft.com/office/drawing/2014/main" id="{79F40191-0F44-4FD1-82CC-ACB507C14BE6}"/>
+              </a:ext>
+              <a:ext uri="{C183D7F6-B498-43B3-948B-1728B52AA6E4}">
+                <adec:decorative xmlns:adec="http://schemas.microsoft.com/office/drawing/2017/decorative" val="1"/>
+              </a:ext>
+            </a:extLst>
+          </p:cNvPr>
+          <p:cNvSpPr>
+            <a:spLocks noGrp="1" noRot="1" noChangeAspect="1" noMove="1" noResize="1" noEditPoints="1" noAdjustHandles="1" noChangeArrowheads="1" noChangeShapeType="1" noTextEdit="1"/>
+          </p:cNvSpPr>
+          <p:nvPr>
+            <p:extLst>
+              <p:ext uri="{386F3935-93C4-4BCD-93E2-E3B085C9AB24}">
+                <p16:designElem xmlns:p16="http://schemas.microsoft.com/office/powerpoint/2015/main" val="1"/>
+              </p:ext>
+            </p:extLst>
+          </p:nvPr>
+        </p:nvSpPr>
+        <p:spPr>
+          <a:xfrm>
+            <a:off x="0" y="5575039"/>
+            <a:ext cx="9785897" cy="685800"/>
+          </a:xfrm>
+          <a:prstGeom prst="roundRect">
+            <a:avLst>
+              <a:gd name="adj" fmla="val 0"/>
+            </a:avLst>
+          </a:prstGeom>
+          <a:solidFill>
+            <a:schemeClr val="accent2"/>
+          </a:solidFill>
+          <a:ln>
+            <a:noFill/>
+          </a:ln>
+        </p:spPr>
+        <p:style>
+          <a:lnRef idx="2">
+            <a:schemeClr val="accent1">
+              <a:shade val="50000"/>
+            </a:schemeClr>
+          </a:lnRef>
+          <a:fillRef idx="1">
+            <a:schemeClr val="accent1"/>
+          </a:fillRef>
+          <a:effectRef idx="0">
+            <a:schemeClr val="accent1"/>
+          </a:effectRef>
+          <a:fontRef idx="minor">
+            <a:schemeClr val="lt1"/>
+          </a:fontRef>
+        </p:style>
+        <p:txBody>
+          <a:bodyPr rtlCol="0" anchor="ctr"/>
+          <a:lstStyle/>
+          <a:p>
+            <a:pPr algn="ctr"/>
+            <a:endParaRPr lang="en-US"/>
+          </a:p>
+        </p:txBody>
+      </p:sp>
+    </p:spTree>
+    <p:extLst>
+      <p:ext uri="{BB962C8B-B14F-4D97-AF65-F5344CB8AC3E}">
+        <p14:creationId xmlns:p14="http://schemas.microsoft.com/office/powerpoint/2010/main" val="2850220743"/>
+      </p:ext>
+    </p:extLst>
+  </p:cSld>
+  <p:clrMapOvr>
+    <a:overrideClrMapping bg1="dk1" tx1="lt1" bg2="dk2" tx2="lt2" accent1="accent1" accent2="accent2" accent3="accent3" accent4="accent4" accent5="accent5" accent6="accent6" hlink="hlink" folHlink="folHlink"/>
+  </p:clrMapOvr>
+</p:sld>
+</file>
+
+<file path=ppt/slides/slide16.xml><?xml version="1.0" encoding="utf-8"?>
+<p:sld xmlns:a="http://schemas.openxmlformats.org/drawingml/2006/main" xmlns:r="http://schemas.openxmlformats.org/officeDocument/2006/relationships" xmlns:p="http://schemas.openxmlformats.org/presentationml/2006/main">
+  <p:cSld>
+    <p:bg>
+      <p:bgPr>
+        <a:solidFill>
+          <a:schemeClr val="bg1"/>
+        </a:solidFill>
+        <a:effectLst/>
+      </p:bgPr>
+    </p:bg>
+    <p:spTree>
+      <p:nvGrpSpPr>
+        <p:cNvPr id="1" name=""/>
+        <p:cNvGrpSpPr/>
+        <p:nvPr/>
+      </p:nvGrpSpPr>
+      <p:grpSpPr>
+        <a:xfrm>
+          <a:off x="0" y="0"/>
+          <a:ext cx="0" cy="0"/>
+          <a:chOff x="0" y="0"/>
+          <a:chExt cx="0" cy="0"/>
+        </a:xfrm>
+      </p:grpSpPr>
+      <p:sp>
+        <p:nvSpPr>
+          <p:cNvPr id="13" name="TextBox 12">
+            <a:extLst>
+              <a:ext uri="{FF2B5EF4-FFF2-40B4-BE49-F238E27FC236}">
+                <a16:creationId xmlns:a16="http://schemas.microsoft.com/office/drawing/2014/main" id="{8897C986-D15C-4820-A874-C442AB18D376}"/>
+              </a:ext>
+            </a:extLst>
+          </p:cNvPr>
+          <p:cNvSpPr txBox="1"/>
+          <p:nvPr/>
+        </p:nvSpPr>
+        <p:spPr>
+          <a:xfrm>
+            <a:off x="640080" y="5576887"/>
+            <a:ext cx="10911840" cy="973203"/>
+          </a:xfrm>
+          <a:prstGeom prst="rect">
+            <a:avLst/>
+          </a:prstGeom>
+        </p:spPr>
+        <p:txBody>
+          <a:bodyPr vert="horz" lIns="91440" tIns="45720" rIns="91440" bIns="45720" rtlCol="0" anchor="ctr">
+            <a:normAutofit/>
+          </a:bodyPr>
+          <a:lstStyle/>
+          <a:p>
+            <a:pPr algn="ctr" defTabSz="914400">
+              <a:lnSpc>
+                <a:spcPct val="90000"/>
+              </a:lnSpc>
+              <a:spcBef>
+                <a:spcPct val="0"/>
+              </a:spcBef>
+              <a:spcAft>
+                <a:spcPts val="600"/>
+              </a:spcAft>
+            </a:pPr>
+            <a:r>
+              <a:rPr lang="en-US" sz="4400" b="1" u="sng" dirty="0">
+                <a:latin typeface="+mj-lt"/>
+                <a:ea typeface="+mj-ea"/>
+                <a:cs typeface="+mj-cs"/>
+              </a:rPr>
+              <a:t>Output of Web Application on Live Link:</a:t>
+            </a:r>
+          </a:p>
+        </p:txBody>
+      </p:sp>
+      <p:pic>
+        <p:nvPicPr>
+          <p:cNvPr id="9" name="Picture 8" descr="A screenshot of a computer&#10;&#10;Description automatically generated">
+            <a:extLst>
+              <a:ext uri="{FF2B5EF4-FFF2-40B4-BE49-F238E27FC236}">
+                <a16:creationId xmlns:a16="http://schemas.microsoft.com/office/drawing/2014/main" id="{3569BFE8-7E9A-46C3-813C-B529AB80056F}"/>
+              </a:ext>
+            </a:extLst>
+          </p:cNvPr>
+          <p:cNvPicPr>
+            <a:picLocks noChangeAspect="1"/>
+          </p:cNvPicPr>
+          <p:nvPr/>
+        </p:nvPicPr>
+        <p:blipFill rotWithShape="1">
+          <a:blip r:embed="rId2">
+            <a:extLst>
+              <a:ext uri="{28A0092B-C50C-407E-A947-70E740481C1C}">
+                <a14:useLocalDpi xmlns:a14="http://schemas.microsoft.com/office/drawing/2010/main" val="0"/>
+              </a:ext>
+            </a:extLst>
+          </a:blip>
+          <a:srcRect r="1" b="21199"/>
+          <a:stretch/>
+        </p:blipFill>
+        <p:spPr>
+          <a:xfrm rot="21600000">
+            <a:off x="640080" y="640080"/>
+            <a:ext cx="10911840" cy="4836795"/>
+          </a:xfrm>
+          <a:prstGeom prst="rect">
+            <a:avLst/>
+          </a:prstGeom>
+          <a:ln w="19050">
+            <a:solidFill>
+              <a:schemeClr val="tx1"/>
+            </a:solidFill>
+            <a:miter lim="800000"/>
+          </a:ln>
+        </p:spPr>
+      </p:pic>
+    </p:spTree>
+    <p:extLst>
+      <p:ext uri="{BB962C8B-B14F-4D97-AF65-F5344CB8AC3E}">
+        <p14:creationId xmlns:p14="http://schemas.microsoft.com/office/powerpoint/2010/main" val="25171710"/>
+      </p:ext>
+    </p:extLst>
+  </p:cSld>
+  <p:clrMapOvr>
+    <a:overrideClrMapping bg1="dk1" tx1="lt1" bg2="dk2" tx2="lt2" accent1="accent1" accent2="accent2" accent3="accent3" accent4="accent4" accent5="accent5" accent6="accent6" hlink="hlink" folHlink="folHlink"/>
+  </p:clrMapOvr>
+</p:sld>
+</file>
+
+<file path=ppt/slides/slide17.xml><?xml version="1.0" encoding="utf-8"?>
+<p:sld xmlns:a="http://schemas.openxmlformats.org/drawingml/2006/main" xmlns:r="http://schemas.openxmlformats.org/officeDocument/2006/relationships" xmlns:p="http://schemas.openxmlformats.org/presentationml/2006/main">
+  <p:cSld>
+    <p:bg>
+      <p:bgPr>
+        <a:solidFill>
+          <a:schemeClr val="bg1"/>
+        </a:solidFill>
+        <a:effectLst/>
+      </p:bgPr>
+    </p:bg>
+    <p:spTree>
+      <p:nvGrpSpPr>
+        <p:cNvPr id="1" name=""/>
+        <p:cNvGrpSpPr/>
+        <p:nvPr/>
+      </p:nvGrpSpPr>
+      <p:grpSpPr>
+        <a:xfrm>
+          <a:off x="0" y="0"/>
+          <a:ext cx="0" cy="0"/>
+          <a:chOff x="0" y="0"/>
+          <a:chExt cx="0" cy="0"/>
+        </a:xfrm>
+      </p:grpSpPr>
+      <p:pic>
+        <p:nvPicPr>
+          <p:cNvPr id="12" name="Picture 4">
+            <a:extLst>
+              <a:ext uri="{FF2B5EF4-FFF2-40B4-BE49-F238E27FC236}">
+                <a16:creationId xmlns:a16="http://schemas.microsoft.com/office/drawing/2014/main" id="{0A4CBAE2-7AC6-43FD-844A-153190D0CAAF}"/>
+              </a:ext>
+            </a:extLst>
+          </p:cNvPr>
+          <p:cNvPicPr>
+            <a:picLocks noChangeAspect="1"/>
+          </p:cNvPicPr>
+          <p:nvPr/>
+        </p:nvPicPr>
+        <p:blipFill rotWithShape="1">
+          <a:blip r:embed="rId2"/>
+          <a:srcRect l="11696"/>
+          <a:stretch/>
+        </p:blipFill>
+        <p:spPr>
+          <a:xfrm>
+            <a:off x="4117521" y="10"/>
+            <a:ext cx="8074479" cy="6857990"/>
+          </a:xfrm>
+          <a:prstGeom prst="rect">
+            <a:avLst/>
+          </a:prstGeom>
+        </p:spPr>
+      </p:pic>
+      <p:sp>
+        <p:nvSpPr>
+          <p:cNvPr id="13" name="Freeform: Shape 8">
+            <a:extLst>
+              <a:ext uri="{FF2B5EF4-FFF2-40B4-BE49-F238E27FC236}">
+                <a16:creationId xmlns:a16="http://schemas.microsoft.com/office/drawing/2014/main" id="{8F23F8A3-8FD7-4779-8323-FDC26BE99889}"/>
+              </a:ext>
+              <a:ext uri="{C183D7F6-B498-43B3-948B-1728B52AA6E4}">
+                <adec:decorative xmlns:adec="http://schemas.microsoft.com/office/drawing/2017/decorative" val="1"/>
+              </a:ext>
+            </a:extLst>
+          </p:cNvPr>
+          <p:cNvSpPr>
+            <a:spLocks noGrp="1" noRot="1" noChangeAspect="1" noMove="1" noResize="1" noEditPoints="1" noAdjustHandles="1" noChangeArrowheads="1" noChangeShapeType="1" noTextEdit="1"/>
+          </p:cNvSpPr>
+          <p:nvPr>
+            <p:extLst>
+              <p:ext uri="{386F3935-93C4-4BCD-93E2-E3B085C9AB24}">
+                <p16:designElem xmlns:p16="http://schemas.microsoft.com/office/powerpoint/2015/main" val="1"/>
+              </p:ext>
+            </p:extLst>
+          </p:nvPr>
+        </p:nvSpPr>
+        <p:spPr>
+          <a:xfrm flipV="1">
+            <a:off x="0" y="-478"/>
+            <a:ext cx="7859800" cy="6858478"/>
+          </a:xfrm>
+          <a:custGeom>
+            <a:avLst/>
+            <a:gdLst>
+              <a:gd name="connsiteX0" fmla="*/ 7859800 w 7859800"/>
+              <a:gd name="connsiteY0" fmla="*/ 6858478 h 6858478"/>
+              <a:gd name="connsiteX1" fmla="*/ 435245 w 7859800"/>
+              <a:gd name="connsiteY1" fmla="*/ 6858478 h 6858478"/>
+              <a:gd name="connsiteX2" fmla="*/ 435505 w 7859800"/>
+              <a:gd name="connsiteY2" fmla="*/ 6857916 h 6858478"/>
+              <a:gd name="connsiteX3" fmla="*/ 0 w 7859800"/>
+              <a:gd name="connsiteY3" fmla="*/ 6857916 h 6858478"/>
+              <a:gd name="connsiteX4" fmla="*/ 0 w 7859800"/>
+              <a:gd name="connsiteY4" fmla="*/ 0 h 6858478"/>
+              <a:gd name="connsiteX5" fmla="*/ 3611620 w 7859800"/>
+              <a:gd name="connsiteY5" fmla="*/ 0 h 6858478"/>
+              <a:gd name="connsiteX6" fmla="*/ 4677848 w 7859800"/>
+              <a:gd name="connsiteY6" fmla="*/ 0 h 6858478"/>
+              <a:gd name="connsiteX7" fmla="*/ 4683425 w 7859800"/>
+              <a:gd name="connsiteY7" fmla="*/ 0 h 6858478"/>
+            </a:gdLst>
+            <a:ahLst/>
+            <a:cxnLst>
+              <a:cxn ang="0">
+                <a:pos x="connsiteX0" y="connsiteY0"/>
+              </a:cxn>
+              <a:cxn ang="0">
+                <a:pos x="connsiteX1" y="connsiteY1"/>
+              </a:cxn>
+              <a:cxn ang="0">
+                <a:pos x="connsiteX2" y="connsiteY2"/>
+              </a:cxn>
+              <a:cxn ang="0">
+                <a:pos x="connsiteX3" y="connsiteY3"/>
+              </a:cxn>
+              <a:cxn ang="0">
+                <a:pos x="connsiteX4" y="connsiteY4"/>
+              </a:cxn>
+              <a:cxn ang="0">
+                <a:pos x="connsiteX5" y="connsiteY5"/>
+              </a:cxn>
+              <a:cxn ang="0">
+                <a:pos x="connsiteX6" y="connsiteY6"/>
+              </a:cxn>
+              <a:cxn ang="0">
+                <a:pos x="connsiteX7" y="connsiteY7"/>
+              </a:cxn>
+            </a:cxnLst>
+            <a:rect l="l" t="t" r="r" b="b"/>
+            <a:pathLst>
+              <a:path w="7859800" h="6858478">
+                <a:moveTo>
+                  <a:pt x="7859800" y="6858478"/>
+                </a:moveTo>
+                <a:lnTo>
+                  <a:pt x="435245" y="6858478"/>
+                </a:lnTo>
+                <a:lnTo>
+                  <a:pt x="435505" y="6857916"/>
+                </a:lnTo>
+                <a:lnTo>
+                  <a:pt x="0" y="6857916"/>
+                </a:lnTo>
+                <a:lnTo>
+                  <a:pt x="0" y="0"/>
+                </a:lnTo>
+                <a:lnTo>
+                  <a:pt x="3611620" y="0"/>
+                </a:lnTo>
+                <a:lnTo>
+                  <a:pt x="4677848" y="0"/>
+                </a:lnTo>
+                <a:lnTo>
+                  <a:pt x="4683425" y="0"/>
+                </a:lnTo>
+                <a:close/>
+              </a:path>
+            </a:pathLst>
+          </a:custGeom>
+          <a:solidFill>
+            <a:schemeClr val="bg1">
+              <a:lumMod val="85000"/>
+              <a:lumOff val="15000"/>
+              <a:alpha val="70000"/>
+            </a:schemeClr>
+          </a:solidFill>
+          <a:ln>
+            <a:noFill/>
+          </a:ln>
+        </p:spPr>
+        <p:style>
+          <a:lnRef idx="2">
+            <a:schemeClr val="accent1">
+              <a:shade val="50000"/>
+            </a:schemeClr>
+          </a:lnRef>
+          <a:fillRef idx="1">
+            <a:schemeClr val="accent1"/>
+          </a:fillRef>
+          <a:effectRef idx="0">
+            <a:schemeClr val="accent1"/>
+          </a:effectRef>
+          <a:fontRef idx="minor">
+            <a:schemeClr val="lt1"/>
+          </a:fontRef>
+        </p:style>
+        <p:txBody>
+          <a:bodyPr wrap="square" rtlCol="0" anchor="ctr">
+            <a:noAutofit/>
+          </a:bodyPr>
+          <a:lstStyle/>
+          <a:p>
+            <a:pPr algn="ctr"/>
+            <a:endParaRPr lang="en-US"/>
+          </a:p>
+        </p:txBody>
+      </p:sp>
+      <p:sp>
+        <p:nvSpPr>
+          <p:cNvPr id="11" name="Freeform: Shape 10">
+            <a:extLst>
+              <a:ext uri="{FF2B5EF4-FFF2-40B4-BE49-F238E27FC236}">
+                <a16:creationId xmlns:a16="http://schemas.microsoft.com/office/drawing/2014/main" id="{F605C4CC-A25C-416F-8333-7CB7DC97D870}"/>
+              </a:ext>
+              <a:ext uri="{C183D7F6-B498-43B3-948B-1728B52AA6E4}">
+                <adec:decorative xmlns:adec="http://schemas.microsoft.com/office/drawing/2017/decorative" val="1"/>
+              </a:ext>
+            </a:extLst>
+          </p:cNvPr>
+          <p:cNvSpPr>
+            <a:spLocks noGrp="1" noRot="1" noChangeAspect="1" noMove="1" noResize="1" noEditPoints="1" noAdjustHandles="1" noChangeArrowheads="1" noChangeShapeType="1" noTextEdit="1"/>
+          </p:cNvSpPr>
+          <p:nvPr>
+            <p:extLst>
+              <p:ext uri="{386F3935-93C4-4BCD-93E2-E3B085C9AB24}">
+                <p16:designElem xmlns:p16="http://schemas.microsoft.com/office/powerpoint/2015/main" val="1"/>
+              </p:ext>
+            </p:extLst>
+          </p:nvPr>
+        </p:nvSpPr>
+        <p:spPr>
+          <a:xfrm flipV="1">
+            <a:off x="0" y="-478"/>
+            <a:ext cx="7431174" cy="6858478"/>
+          </a:xfrm>
+          <a:custGeom>
+            <a:avLst/>
+            <a:gdLst>
+              <a:gd name="connsiteX0" fmla="*/ 7431174 w 7431174"/>
+              <a:gd name="connsiteY0" fmla="*/ 6858478 h 6858478"/>
+              <a:gd name="connsiteX1" fmla="*/ 6619 w 7431174"/>
+              <a:gd name="connsiteY1" fmla="*/ 6858478 h 6858478"/>
+              <a:gd name="connsiteX2" fmla="*/ 6879 w 7431174"/>
+              <a:gd name="connsiteY2" fmla="*/ 6857916 h 6858478"/>
+              <a:gd name="connsiteX3" fmla="*/ 0 w 7431174"/>
+              <a:gd name="connsiteY3" fmla="*/ 6857916 h 6858478"/>
+              <a:gd name="connsiteX4" fmla="*/ 0 w 7431174"/>
+              <a:gd name="connsiteY4" fmla="*/ 0 h 6858478"/>
+              <a:gd name="connsiteX5" fmla="*/ 3182994 w 7431174"/>
+              <a:gd name="connsiteY5" fmla="*/ 0 h 6858478"/>
+              <a:gd name="connsiteX6" fmla="*/ 4249222 w 7431174"/>
+              <a:gd name="connsiteY6" fmla="*/ 0 h 6858478"/>
+              <a:gd name="connsiteX7" fmla="*/ 4254799 w 7431174"/>
+              <a:gd name="connsiteY7" fmla="*/ 0 h 6858478"/>
+            </a:gdLst>
+            <a:ahLst/>
+            <a:cxnLst>
+              <a:cxn ang="0">
+                <a:pos x="connsiteX0" y="connsiteY0"/>
+              </a:cxn>
+              <a:cxn ang="0">
+                <a:pos x="connsiteX1" y="connsiteY1"/>
+              </a:cxn>
+              <a:cxn ang="0">
+                <a:pos x="connsiteX2" y="connsiteY2"/>
+              </a:cxn>
+              <a:cxn ang="0">
+                <a:pos x="connsiteX3" y="connsiteY3"/>
+              </a:cxn>
+              <a:cxn ang="0">
+                <a:pos x="connsiteX4" y="connsiteY4"/>
+              </a:cxn>
+              <a:cxn ang="0">
+                <a:pos x="connsiteX5" y="connsiteY5"/>
+              </a:cxn>
+              <a:cxn ang="0">
+                <a:pos x="connsiteX6" y="connsiteY6"/>
+              </a:cxn>
+              <a:cxn ang="0">
+                <a:pos x="connsiteX7" y="connsiteY7"/>
+              </a:cxn>
+            </a:cxnLst>
+            <a:rect l="l" t="t" r="r" b="b"/>
+            <a:pathLst>
+              <a:path w="7431174" h="6858478">
+                <a:moveTo>
+                  <a:pt x="7431174" y="6858478"/>
+                </a:moveTo>
+                <a:lnTo>
+                  <a:pt x="6619" y="6858478"/>
+                </a:lnTo>
+                <a:lnTo>
+                  <a:pt x="6879" y="6857916"/>
+                </a:lnTo>
+                <a:lnTo>
+                  <a:pt x="0" y="6857916"/>
+                </a:lnTo>
+                <a:lnTo>
+                  <a:pt x="0" y="0"/>
+                </a:lnTo>
+                <a:lnTo>
+                  <a:pt x="3182994" y="0"/>
+                </a:lnTo>
+                <a:lnTo>
+                  <a:pt x="4249222" y="0"/>
+                </a:lnTo>
+                <a:lnTo>
+                  <a:pt x="4254799" y="0"/>
+                </a:lnTo>
+                <a:close/>
+              </a:path>
+            </a:pathLst>
+          </a:custGeom>
+          <a:solidFill>
+            <a:schemeClr val="bg1">
+              <a:lumMod val="85000"/>
+              <a:lumOff val="15000"/>
+            </a:schemeClr>
+          </a:solidFill>
+          <a:ln>
+            <a:noFill/>
+          </a:ln>
+        </p:spPr>
+        <p:style>
+          <a:lnRef idx="2">
+            <a:schemeClr val="accent1">
+              <a:shade val="50000"/>
+            </a:schemeClr>
+          </a:lnRef>
+          <a:fillRef idx="1">
+            <a:schemeClr val="accent1"/>
+          </a:fillRef>
+          <a:effectRef idx="0">
+            <a:schemeClr val="accent1"/>
+          </a:effectRef>
+          <a:fontRef idx="minor">
+            <a:schemeClr val="lt1"/>
+          </a:fontRef>
+        </p:style>
+        <p:txBody>
+          <a:bodyPr wrap="square" rtlCol="0" anchor="ctr">
+            <a:noAutofit/>
+          </a:bodyPr>
+          <a:lstStyle/>
+          <a:p>
+            <a:pPr algn="ctr"/>
+            <a:endParaRPr lang="en-US"/>
+          </a:p>
+        </p:txBody>
+      </p:sp>
+      <p:sp>
+        <p:nvSpPr>
+          <p:cNvPr id="2" name="Title 1">
+            <a:extLst>
+              <a:ext uri="{FF2B5EF4-FFF2-40B4-BE49-F238E27FC236}">
+                <a16:creationId xmlns:a16="http://schemas.microsoft.com/office/drawing/2014/main" id="{85DDCDE4-B5EC-4FB6-A738-C948D9D5960B}"/>
+              </a:ext>
+            </a:extLst>
+          </p:cNvPr>
+          <p:cNvSpPr>
+            <a:spLocks noGrp="1"/>
+          </p:cNvSpPr>
+          <p:nvPr>
+            <p:ph type="title"/>
+          </p:nvPr>
+        </p:nvSpPr>
+        <p:spPr>
+          <a:xfrm>
+            <a:off x="804672" y="365125"/>
+            <a:ext cx="5266155" cy="1325563"/>
+          </a:xfrm>
+        </p:spPr>
+        <p:txBody>
+          <a:bodyPr>
+            <a:normAutofit/>
+          </a:bodyPr>
+          <a:lstStyle/>
+          <a:p>
+            <a:r>
+              <a:rPr lang="en-US" b="1"/>
+              <a:t>Live Link to my Web Application:</a:t>
+            </a:r>
+            <a:endParaRPr lang="en-CA" b="1" dirty="0"/>
+          </a:p>
+        </p:txBody>
+      </p:sp>
+      <p:sp>
+        <p:nvSpPr>
+          <p:cNvPr id="3" name="Content Placeholder 2">
+            <a:extLst>
+              <a:ext uri="{FF2B5EF4-FFF2-40B4-BE49-F238E27FC236}">
+                <a16:creationId xmlns:a16="http://schemas.microsoft.com/office/drawing/2014/main" id="{CA197E91-FA97-4646-8C32-9E0A88F0DFEE}"/>
+              </a:ext>
+            </a:extLst>
+          </p:cNvPr>
+          <p:cNvSpPr>
+            <a:spLocks noGrp="1"/>
+          </p:cNvSpPr>
+          <p:nvPr>
+            <p:ph idx="1"/>
+          </p:nvPr>
+        </p:nvSpPr>
+        <p:spPr>
+          <a:xfrm>
+            <a:off x="804672" y="2022601"/>
+            <a:ext cx="3941499" cy="4154361"/>
+          </a:xfrm>
+        </p:spPr>
+        <p:txBody>
+          <a:bodyPr>
+            <a:normAutofit/>
+          </a:bodyPr>
+          <a:lstStyle/>
+          <a:p>
+            <a:r>
+              <a:rPr lang="en-CA" sz="2000" b="1"/>
+              <a:t>Server Time</a:t>
+            </a:r>
+            <a:r>
+              <a:rPr lang="en-CA" sz="2000"/>
+              <a:t>: </a:t>
+            </a:r>
+            <a:r>
+              <a:rPr lang="en-CA" sz="2000">
+                <a:hlinkClick r:id="rId3"/>
+              </a:rPr>
+              <a:t>http://maitrapatelassign4.azurewebsites.net/</a:t>
+            </a:r>
+            <a:endParaRPr lang="en-CA" sz="2000"/>
+          </a:p>
+          <a:p>
+            <a:endParaRPr lang="en-CA" sz="2000"/>
+          </a:p>
+          <a:p>
+            <a:endParaRPr lang="en-CA" sz="2000"/>
+          </a:p>
+          <a:p>
+            <a:r>
+              <a:rPr lang="en-CA" sz="2000" b="1"/>
+              <a:t>Swagger API</a:t>
+            </a:r>
+            <a:r>
+              <a:rPr lang="en-CA" sz="2000"/>
+              <a:t>: </a:t>
+            </a:r>
+            <a:r>
+              <a:rPr lang="en-CA" sz="2000">
+                <a:hlinkClick r:id="rId4"/>
+              </a:rPr>
+              <a:t>http://maitrapatelassign4.azurewebsites.net/swagger/index.html</a:t>
+            </a:r>
+            <a:endParaRPr lang="en-CA" sz="2000"/>
+          </a:p>
+        </p:txBody>
+      </p:sp>
+    </p:spTree>
+    <p:extLst>
+      <p:ext uri="{BB962C8B-B14F-4D97-AF65-F5344CB8AC3E}">
+        <p14:creationId xmlns:p14="http://schemas.microsoft.com/office/powerpoint/2010/main" val="1514758248"/>
       </p:ext>
     </p:extLst>
   </p:cSld>

--- a/Assignment 4.pptx
+++ b/Assignment 4.pptx
@@ -20,8 +20,11 @@
     <p:sldId id="269" r:id="rId14"/>
     <p:sldId id="268" r:id="rId15"/>
     <p:sldId id="270" r:id="rId16"/>
-    <p:sldId id="271" r:id="rId17"/>
-    <p:sldId id="272" r:id="rId18"/>
+    <p:sldId id="275" r:id="rId17"/>
+    <p:sldId id="274" r:id="rId18"/>
+    <p:sldId id="273" r:id="rId19"/>
+    <p:sldId id="272" r:id="rId20"/>
+    <p:sldId id="276" r:id="rId21"/>
   </p:sldIdLst>
   <p:sldSz cx="12192000" cy="6858000"/>
   <p:notesSz cx="6858000" cy="9144000"/>
@@ -271,7 +274,7 @@
           <a:p>
             <a:fld id="{010EF056-610F-4415-A0B4-A9BAC0411462}" type="datetimeFigureOut">
               <a:rPr lang="en-CA" smtClean="0"/>
-              <a:t>2020-07-24</a:t>
+              <a:t>2020-07-29</a:t>
             </a:fld>
             <a:endParaRPr lang="en-CA"/>
           </a:p>
@@ -441,7 +444,7 @@
           <a:p>
             <a:fld id="{010EF056-610F-4415-A0B4-A9BAC0411462}" type="datetimeFigureOut">
               <a:rPr lang="en-CA" smtClean="0"/>
-              <a:t>2020-07-24</a:t>
+              <a:t>2020-07-29</a:t>
             </a:fld>
             <a:endParaRPr lang="en-CA"/>
           </a:p>
@@ -621,7 +624,7 @@
           <a:p>
             <a:fld id="{010EF056-610F-4415-A0B4-A9BAC0411462}" type="datetimeFigureOut">
               <a:rPr lang="en-CA" smtClean="0"/>
-              <a:t>2020-07-24</a:t>
+              <a:t>2020-07-29</a:t>
             </a:fld>
             <a:endParaRPr lang="en-CA"/>
           </a:p>
@@ -791,7 +794,7 @@
           <a:p>
             <a:fld id="{010EF056-610F-4415-A0B4-A9BAC0411462}" type="datetimeFigureOut">
               <a:rPr lang="en-CA" smtClean="0"/>
-              <a:t>2020-07-24</a:t>
+              <a:t>2020-07-29</a:t>
             </a:fld>
             <a:endParaRPr lang="en-CA"/>
           </a:p>
@@ -1037,7 +1040,7 @@
           <a:p>
             <a:fld id="{010EF056-610F-4415-A0B4-A9BAC0411462}" type="datetimeFigureOut">
               <a:rPr lang="en-CA" smtClean="0"/>
-              <a:t>2020-07-24</a:t>
+              <a:t>2020-07-29</a:t>
             </a:fld>
             <a:endParaRPr lang="en-CA"/>
           </a:p>
@@ -1269,7 +1272,7 @@
           <a:p>
             <a:fld id="{010EF056-610F-4415-A0B4-A9BAC0411462}" type="datetimeFigureOut">
               <a:rPr lang="en-CA" smtClean="0"/>
-              <a:t>2020-07-24</a:t>
+              <a:t>2020-07-29</a:t>
             </a:fld>
             <a:endParaRPr lang="en-CA"/>
           </a:p>
@@ -1636,7 +1639,7 @@
           <a:p>
             <a:fld id="{010EF056-610F-4415-A0B4-A9BAC0411462}" type="datetimeFigureOut">
               <a:rPr lang="en-CA" smtClean="0"/>
-              <a:t>2020-07-24</a:t>
+              <a:t>2020-07-29</a:t>
             </a:fld>
             <a:endParaRPr lang="en-CA"/>
           </a:p>
@@ -1754,7 +1757,7 @@
           <a:p>
             <a:fld id="{010EF056-610F-4415-A0B4-A9BAC0411462}" type="datetimeFigureOut">
               <a:rPr lang="en-CA" smtClean="0"/>
-              <a:t>2020-07-24</a:t>
+              <a:t>2020-07-29</a:t>
             </a:fld>
             <a:endParaRPr lang="en-CA"/>
           </a:p>
@@ -1849,7 +1852,7 @@
           <a:p>
             <a:fld id="{010EF056-610F-4415-A0B4-A9BAC0411462}" type="datetimeFigureOut">
               <a:rPr lang="en-CA" smtClean="0"/>
-              <a:t>2020-07-24</a:t>
+              <a:t>2020-07-29</a:t>
             </a:fld>
             <a:endParaRPr lang="en-CA"/>
           </a:p>
@@ -2126,7 +2129,7 @@
           <a:p>
             <a:fld id="{010EF056-610F-4415-A0B4-A9BAC0411462}" type="datetimeFigureOut">
               <a:rPr lang="en-CA" smtClean="0"/>
-              <a:t>2020-07-24</a:t>
+              <a:t>2020-07-29</a:t>
             </a:fld>
             <a:endParaRPr lang="en-CA"/>
           </a:p>
@@ -2383,7 +2386,7 @@
           <a:p>
             <a:fld id="{010EF056-610F-4415-A0B4-A9BAC0411462}" type="datetimeFigureOut">
               <a:rPr lang="en-CA" smtClean="0"/>
-              <a:t>2020-07-24</a:t>
+              <a:t>2020-07-29</a:t>
             </a:fld>
             <a:endParaRPr lang="en-CA"/>
           </a:p>
@@ -2596,7 +2599,7 @@
           <a:p>
             <a:fld id="{010EF056-610F-4415-A0B4-A9BAC0411462}" type="datetimeFigureOut">
               <a:rPr lang="en-CA" smtClean="0"/>
-              <a:t>2020-07-24</a:t>
+              <a:t>2020-07-29</a:t>
             </a:fld>
             <a:endParaRPr lang="en-CA"/>
           </a:p>
@@ -6277,61 +6280,277 @@
           <a:chExt cx="0" cy="0"/>
         </a:xfrm>
       </p:grpSpPr>
-      <p:sp>
-        <p:nvSpPr>
-          <p:cNvPr id="13" name="TextBox 12">
+      <p:pic>
+        <p:nvPicPr>
+          <p:cNvPr id="5" name="Content Placeholder 4" descr="A screenshot of a computer&#10;&#10;Description automatically generated">
             <a:extLst>
               <a:ext uri="{FF2B5EF4-FFF2-40B4-BE49-F238E27FC236}">
-                <a16:creationId xmlns:a16="http://schemas.microsoft.com/office/drawing/2014/main" id="{8897C986-D15C-4820-A874-C442AB18D376}"/>
+                <a16:creationId xmlns:a16="http://schemas.microsoft.com/office/drawing/2014/main" id="{F6737B5A-1CF7-4C46-A425-9CFDD80ED3FE}"/>
               </a:ext>
             </a:extLst>
           </p:cNvPr>
-          <p:cNvSpPr txBox="1"/>
-          <p:nvPr/>
-        </p:nvSpPr>
+          <p:cNvPicPr>
+            <a:picLocks noGrp="1" noChangeAspect="1"/>
+          </p:cNvPicPr>
+          <p:nvPr>
+            <p:ph idx="1"/>
+          </p:nvPr>
+        </p:nvPicPr>
+        <p:blipFill rotWithShape="1">
+          <a:blip r:embed="rId2">
+            <a:extLst>
+              <a:ext uri="{28A0092B-C50C-407E-A947-70E740481C1C}">
+                <a14:useLocalDpi xmlns:a14="http://schemas.microsoft.com/office/drawing/2010/main" val="0"/>
+              </a:ext>
+            </a:extLst>
+          </a:blip>
+          <a:srcRect/>
+          <a:stretch/>
+        </p:blipFill>
         <p:spPr>
           <a:xfrm>
-            <a:off x="640080" y="5576887"/>
-            <a:ext cx="10911840" cy="973203"/>
+            <a:off x="20" y="10"/>
+            <a:ext cx="12191980" cy="6857990"/>
           </a:xfrm>
           <a:prstGeom prst="rect">
             <a:avLst/>
           </a:prstGeom>
         </p:spPr>
-        <p:txBody>
-          <a:bodyPr vert="horz" lIns="91440" tIns="45720" rIns="91440" bIns="45720" rtlCol="0" anchor="ctr">
+      </p:pic>
+      <p:sp>
+        <p:nvSpPr>
+          <p:cNvPr id="10" name="Freeform: Shape 9">
+            <a:extLst>
+              <a:ext uri="{FF2B5EF4-FFF2-40B4-BE49-F238E27FC236}">
+                <a16:creationId xmlns:a16="http://schemas.microsoft.com/office/drawing/2014/main" id="{6B3BAD04-E614-4C16-8360-019FCF0045AC}"/>
+              </a:ext>
+              <a:ext uri="{C183D7F6-B498-43B3-948B-1728B52AA6E4}">
+                <adec:decorative xmlns:adec="http://schemas.microsoft.com/office/drawing/2017/decorative" val="1"/>
+              </a:ext>
+            </a:extLst>
+          </p:cNvPr>
+          <p:cNvSpPr>
+            <a:spLocks noGrp="1" noRot="1" noChangeAspect="1" noMove="1" noResize="1" noEditPoints="1" noAdjustHandles="1" noChangeArrowheads="1" noChangeShapeType="1" noTextEdit="1"/>
+          </p:cNvSpPr>
+          <p:nvPr>
+            <p:extLst>
+              <p:ext uri="{386F3935-93C4-4BCD-93E2-E3B085C9AB24}">
+                <p16:designElem xmlns:p16="http://schemas.microsoft.com/office/powerpoint/2015/main" val="1"/>
+              </p:ext>
+            </p:extLst>
+          </p:nvPr>
+        </p:nvSpPr>
+        <p:spPr>
+          <a:xfrm>
+            <a:off x="0" y="4023809"/>
+            <a:ext cx="11016943" cy="2262375"/>
+          </a:xfrm>
+          <a:custGeom>
+            <a:avLst/>
+            <a:gdLst>
+              <a:gd name="connsiteX0" fmla="*/ 0 w 11016943"/>
+              <a:gd name="connsiteY0" fmla="*/ 0 h 2262375"/>
+              <a:gd name="connsiteX1" fmla="*/ 9969166 w 11016943"/>
+              <a:gd name="connsiteY1" fmla="*/ 0 h 2262375"/>
+              <a:gd name="connsiteX2" fmla="*/ 11016943 w 11016943"/>
+              <a:gd name="connsiteY2" fmla="*/ 2262375 h 2262375"/>
+              <a:gd name="connsiteX3" fmla="*/ 4942050 w 11016943"/>
+              <a:gd name="connsiteY3" fmla="*/ 2262375 h 2262375"/>
+              <a:gd name="connsiteX4" fmla="*/ 4582160 w 11016943"/>
+              <a:gd name="connsiteY4" fmla="*/ 2262375 h 2262375"/>
+              <a:gd name="connsiteX5" fmla="*/ 0 w 11016943"/>
+              <a:gd name="connsiteY5" fmla="*/ 2262375 h 2262375"/>
+            </a:gdLst>
+            <a:ahLst/>
+            <a:cxnLst>
+              <a:cxn ang="0">
+                <a:pos x="connsiteX0" y="connsiteY0"/>
+              </a:cxn>
+              <a:cxn ang="0">
+                <a:pos x="connsiteX1" y="connsiteY1"/>
+              </a:cxn>
+              <a:cxn ang="0">
+                <a:pos x="connsiteX2" y="connsiteY2"/>
+              </a:cxn>
+              <a:cxn ang="0">
+                <a:pos x="connsiteX3" y="connsiteY3"/>
+              </a:cxn>
+              <a:cxn ang="0">
+                <a:pos x="connsiteX4" y="connsiteY4"/>
+              </a:cxn>
+              <a:cxn ang="0">
+                <a:pos x="connsiteX5" y="connsiteY5"/>
+              </a:cxn>
+            </a:cxnLst>
+            <a:rect l="l" t="t" r="r" b="b"/>
+            <a:pathLst>
+              <a:path w="11016943" h="2262375">
+                <a:moveTo>
+                  <a:pt x="0" y="0"/>
+                </a:moveTo>
+                <a:lnTo>
+                  <a:pt x="9969166" y="0"/>
+                </a:lnTo>
+                <a:lnTo>
+                  <a:pt x="11016943" y="2262375"/>
+                </a:lnTo>
+                <a:lnTo>
+                  <a:pt x="4942050" y="2262375"/>
+                </a:lnTo>
+                <a:lnTo>
+                  <a:pt x="4582160" y="2262375"/>
+                </a:lnTo>
+                <a:lnTo>
+                  <a:pt x="0" y="2262375"/>
+                </a:lnTo>
+                <a:close/>
+              </a:path>
+            </a:pathLst>
+          </a:custGeom>
+          <a:solidFill>
+            <a:schemeClr val="tx1">
+              <a:lumMod val="85000"/>
+              <a:lumOff val="15000"/>
+              <a:alpha val="88000"/>
+            </a:schemeClr>
+          </a:solidFill>
+          <a:ln>
+            <a:noFill/>
+          </a:ln>
+        </p:spPr>
+        <p:style>
+          <a:lnRef idx="2">
+            <a:schemeClr val="accent1">
+              <a:shade val="50000"/>
+            </a:schemeClr>
+          </a:lnRef>
+          <a:fillRef idx="1">
+            <a:schemeClr val="accent1"/>
+          </a:fillRef>
+          <a:effectRef idx="0">
+            <a:schemeClr val="accent1"/>
+          </a:effectRef>
+          <a:fontRef idx="minor">
+            <a:schemeClr val="lt1"/>
+          </a:fontRef>
+        </p:style>
+        <p:txBody>
+          <a:bodyPr wrap="square" rtlCol="0" anchor="ctr">
+            <a:noAutofit/>
+          </a:bodyPr>
+          <a:lstStyle/>
+          <a:p>
+            <a:pPr algn="ctr"/>
+            <a:endParaRPr lang="en-US"/>
+          </a:p>
+        </p:txBody>
+      </p:sp>
+      <p:sp>
+        <p:nvSpPr>
+          <p:cNvPr id="2" name="Title 1">
+            <a:extLst>
+              <a:ext uri="{FF2B5EF4-FFF2-40B4-BE49-F238E27FC236}">
+                <a16:creationId xmlns:a16="http://schemas.microsoft.com/office/drawing/2014/main" id="{753E6CF1-20F3-49C3-A7BB-6C95EA11E57A}"/>
+              </a:ext>
+            </a:extLst>
+          </p:cNvPr>
+          <p:cNvSpPr>
+            <a:spLocks noGrp="1"/>
+          </p:cNvSpPr>
+          <p:nvPr>
+            <p:ph type="title"/>
+          </p:nvPr>
+        </p:nvSpPr>
+        <p:spPr>
+          <a:xfrm>
+            <a:off x="841248" y="4199861"/>
+            <a:ext cx="8856059" cy="1336826"/>
+          </a:xfrm>
+        </p:spPr>
+        <p:txBody>
+          <a:bodyPr vert="horz" lIns="91440" tIns="45720" rIns="91440" bIns="45720" rtlCol="0" anchor="b">
             <a:normAutofit/>
           </a:bodyPr>
           <a:lstStyle/>
           <a:p>
-            <a:pPr algn="ctr" defTabSz="914400">
-              <a:lnSpc>
-                <a:spcPct val="90000"/>
-              </a:lnSpc>
-              <a:spcBef>
-                <a:spcPct val="0"/>
-              </a:spcBef>
-              <a:spcAft>
-                <a:spcPts val="600"/>
-              </a:spcAft>
-            </a:pPr>
-            <a:r>
-              <a:rPr lang="en-US" sz="4400" b="1" u="sng" dirty="0">
-                <a:latin typeface="+mj-lt"/>
-                <a:ea typeface="+mj-ea"/>
-                <a:cs typeface="+mj-cs"/>
+            <a:r>
+              <a:rPr lang="en-US" sz="4200" b="1" u="sng" dirty="0">
+                <a:solidFill>
+                  <a:srgbClr val="FFFFFF"/>
+                </a:solidFill>
               </a:rPr>
               <a:t>Output of Web Application on Live Link:</a:t>
             </a:r>
-          </a:p>
-        </p:txBody>
-      </p:sp>
+            <a:br>
+              <a:rPr lang="en-US" sz="4200" b="1" u="sng" dirty="0">
+                <a:solidFill>
+                  <a:srgbClr val="FFFFFF"/>
+                </a:solidFill>
+              </a:rPr>
+            </a:br>
+            <a:r>
+              <a:rPr lang="en-US" sz="4200" b="1" dirty="0">
+                <a:solidFill>
+                  <a:srgbClr val="FF0000"/>
+                </a:solidFill>
+              </a:rPr>
+              <a:t>Swagger Page</a:t>
+            </a:r>
+            <a:endParaRPr lang="en-US" sz="4200" dirty="0">
+              <a:solidFill>
+                <a:srgbClr val="FF0000"/>
+              </a:solidFill>
+            </a:endParaRPr>
+          </a:p>
+        </p:txBody>
+      </p:sp>
+    </p:spTree>
+    <p:extLst>
+      <p:ext uri="{BB962C8B-B14F-4D97-AF65-F5344CB8AC3E}">
+        <p14:creationId xmlns:p14="http://schemas.microsoft.com/office/powerpoint/2010/main" val="958928084"/>
+      </p:ext>
+    </p:extLst>
+  </p:cSld>
+  <p:clrMapOvr>
+    <a:masterClrMapping/>
+  </p:clrMapOvr>
+</p:sld>
+</file>
+
+<file path=ppt/slides/slide17.xml><?xml version="1.0" encoding="utf-8"?>
+<p:sld xmlns:a="http://schemas.openxmlformats.org/drawingml/2006/main" xmlns:r="http://schemas.openxmlformats.org/officeDocument/2006/relationships" xmlns:p="http://schemas.openxmlformats.org/presentationml/2006/main">
+  <p:cSld>
+    <p:bg>
+      <p:bgPr>
+        <a:solidFill>
+          <a:schemeClr val="bg1">
+            <a:tint val="95000"/>
+            <a:satMod val="170000"/>
+          </a:schemeClr>
+        </a:solidFill>
+        <a:effectLst/>
+      </p:bgPr>
+    </p:bg>
+    <p:spTree>
+      <p:nvGrpSpPr>
+        <p:cNvPr id="1" name=""/>
+        <p:cNvGrpSpPr/>
+        <p:nvPr/>
+      </p:nvGrpSpPr>
+      <p:grpSpPr>
+        <a:xfrm>
+          <a:off x="0" y="0"/>
+          <a:ext cx="0" cy="0"/>
+          <a:chOff x="0" y="0"/>
+          <a:chExt cx="0" cy="0"/>
+        </a:xfrm>
+      </p:grpSpPr>
       <p:pic>
         <p:nvPicPr>
-          <p:cNvPr id="9" name="Picture 8" descr="A screenshot of a computer&#10;&#10;Description automatically generated">
+          <p:cNvPr id="5" name="Content Placeholder 4" descr="A screenshot of a computer screen&#10;&#10;Description automatically generated">
             <a:extLst>
               <a:ext uri="{FF2B5EF4-FFF2-40B4-BE49-F238E27FC236}">
-                <a16:creationId xmlns:a16="http://schemas.microsoft.com/office/drawing/2014/main" id="{3569BFE8-7E9A-46C3-813C-B529AB80056F}"/>
+                <a16:creationId xmlns:a16="http://schemas.microsoft.com/office/drawing/2014/main" id="{A3E24D15-4578-4A62-A777-90677E83AB45}"/>
               </a:ext>
             </a:extLst>
           </p:cNvPr>
@@ -6348,29 +6567,210 @@
               </a:ext>
             </a:extLst>
           </a:blip>
-          <a:srcRect r="1" b="21199"/>
+          <a:srcRect r="25"/>
           <a:stretch/>
         </p:blipFill>
         <p:spPr>
-          <a:xfrm rot="21600000">
-            <a:off x="640080" y="640080"/>
-            <a:ext cx="10911840" cy="4836795"/>
+          <a:xfrm>
+            <a:off x="20" y="10"/>
+            <a:ext cx="12188932" cy="6857990"/>
           </a:xfrm>
           <a:prstGeom prst="rect">
             <a:avLst/>
           </a:prstGeom>
-          <a:ln w="19050">
-            <a:solidFill>
-              <a:schemeClr val="tx1"/>
-            </a:solidFill>
-            <a:miter lim="800000"/>
+        </p:spPr>
+      </p:pic>
+      <p:sp>
+        <p:nvSpPr>
+          <p:cNvPr id="12" name="Freeform: Shape 11">
+            <a:extLst>
+              <a:ext uri="{FF2B5EF4-FFF2-40B4-BE49-F238E27FC236}">
+                <a16:creationId xmlns:a16="http://schemas.microsoft.com/office/drawing/2014/main" id="{5E8D2E83-FB3A-40E7-A9E5-7AB389D612B4}"/>
+              </a:ext>
+              <a:ext uri="{C183D7F6-B498-43B3-948B-1728B52AA6E4}">
+                <adec:decorative xmlns:adec="http://schemas.microsoft.com/office/drawing/2017/decorative" val="1"/>
+              </a:ext>
+            </a:extLst>
+          </p:cNvPr>
+          <p:cNvSpPr>
+            <a:spLocks noGrp="1" noRot="1" noChangeAspect="1" noMove="1" noResize="1" noEditPoints="1" noAdjustHandles="1" noChangeArrowheads="1" noChangeShapeType="1" noTextEdit="1"/>
+          </p:cNvSpPr>
+          <p:nvPr>
+            <p:extLst>
+              <p:ext uri="{386F3935-93C4-4BCD-93E2-E3B085C9AB24}">
+                <p16:designElem xmlns:p16="http://schemas.microsoft.com/office/powerpoint/2015/main" val="1"/>
+              </p:ext>
+            </p:extLst>
+          </p:nvPr>
+        </p:nvSpPr>
+        <p:spPr>
+          <a:xfrm>
+            <a:off x="0" y="4023809"/>
+            <a:ext cx="11016943" cy="2262375"/>
+          </a:xfrm>
+          <a:custGeom>
+            <a:avLst/>
+            <a:gdLst>
+              <a:gd name="connsiteX0" fmla="*/ 0 w 11016943"/>
+              <a:gd name="connsiteY0" fmla="*/ 0 h 2262375"/>
+              <a:gd name="connsiteX1" fmla="*/ 9969166 w 11016943"/>
+              <a:gd name="connsiteY1" fmla="*/ 0 h 2262375"/>
+              <a:gd name="connsiteX2" fmla="*/ 11016943 w 11016943"/>
+              <a:gd name="connsiteY2" fmla="*/ 2262375 h 2262375"/>
+              <a:gd name="connsiteX3" fmla="*/ 4942050 w 11016943"/>
+              <a:gd name="connsiteY3" fmla="*/ 2262375 h 2262375"/>
+              <a:gd name="connsiteX4" fmla="*/ 4582160 w 11016943"/>
+              <a:gd name="connsiteY4" fmla="*/ 2262375 h 2262375"/>
+              <a:gd name="connsiteX5" fmla="*/ 0 w 11016943"/>
+              <a:gd name="connsiteY5" fmla="*/ 2262375 h 2262375"/>
+            </a:gdLst>
+            <a:ahLst/>
+            <a:cxnLst>
+              <a:cxn ang="0">
+                <a:pos x="connsiteX0" y="connsiteY0"/>
+              </a:cxn>
+              <a:cxn ang="0">
+                <a:pos x="connsiteX1" y="connsiteY1"/>
+              </a:cxn>
+              <a:cxn ang="0">
+                <a:pos x="connsiteX2" y="connsiteY2"/>
+              </a:cxn>
+              <a:cxn ang="0">
+                <a:pos x="connsiteX3" y="connsiteY3"/>
+              </a:cxn>
+              <a:cxn ang="0">
+                <a:pos x="connsiteX4" y="connsiteY4"/>
+              </a:cxn>
+              <a:cxn ang="0">
+                <a:pos x="connsiteX5" y="connsiteY5"/>
+              </a:cxn>
+            </a:cxnLst>
+            <a:rect l="l" t="t" r="r" b="b"/>
+            <a:pathLst>
+              <a:path w="11016943" h="2262375">
+                <a:moveTo>
+                  <a:pt x="0" y="0"/>
+                </a:moveTo>
+                <a:lnTo>
+                  <a:pt x="9969166" y="0"/>
+                </a:lnTo>
+                <a:lnTo>
+                  <a:pt x="11016943" y="2262375"/>
+                </a:lnTo>
+                <a:lnTo>
+                  <a:pt x="4942050" y="2262375"/>
+                </a:lnTo>
+                <a:lnTo>
+                  <a:pt x="4582160" y="2262375"/>
+                </a:lnTo>
+                <a:lnTo>
+                  <a:pt x="0" y="2262375"/>
+                </a:lnTo>
+                <a:close/>
+              </a:path>
+            </a:pathLst>
+          </a:custGeom>
+          <a:solidFill>
+            <a:schemeClr val="bg1">
+              <a:lumMod val="85000"/>
+              <a:lumOff val="15000"/>
+              <a:alpha val="88000"/>
+            </a:schemeClr>
+          </a:solidFill>
+          <a:ln>
+            <a:noFill/>
           </a:ln>
         </p:spPr>
-      </p:pic>
+        <p:style>
+          <a:lnRef idx="2">
+            <a:schemeClr val="accent1">
+              <a:shade val="50000"/>
+            </a:schemeClr>
+          </a:lnRef>
+          <a:fillRef idx="1">
+            <a:schemeClr val="accent1"/>
+          </a:fillRef>
+          <a:effectRef idx="0">
+            <a:schemeClr val="accent1"/>
+          </a:effectRef>
+          <a:fontRef idx="minor">
+            <a:schemeClr val="lt1"/>
+          </a:fontRef>
+        </p:style>
+        <p:txBody>
+          <a:bodyPr wrap="square" rtlCol="0" anchor="ctr">
+            <a:noAutofit/>
+          </a:bodyPr>
+          <a:lstStyle/>
+          <a:p>
+            <a:pPr algn="ctr"/>
+            <a:endParaRPr lang="en-US"/>
+          </a:p>
+        </p:txBody>
+      </p:sp>
+      <p:sp>
+        <p:nvSpPr>
+          <p:cNvPr id="2" name="Title 1">
+            <a:extLst>
+              <a:ext uri="{FF2B5EF4-FFF2-40B4-BE49-F238E27FC236}">
+                <a16:creationId xmlns:a16="http://schemas.microsoft.com/office/drawing/2014/main" id="{979DEE00-484D-4670-8EC8-5A1A9DE31B3B}"/>
+              </a:ext>
+            </a:extLst>
+          </p:cNvPr>
+          <p:cNvSpPr>
+            <a:spLocks noGrp="1"/>
+          </p:cNvSpPr>
+          <p:nvPr>
+            <p:ph type="title"/>
+          </p:nvPr>
+        </p:nvSpPr>
+        <p:spPr>
+          <a:xfrm>
+            <a:off x="617140" y="4843578"/>
+            <a:ext cx="9265771" cy="1159016"/>
+          </a:xfrm>
+        </p:spPr>
+        <p:txBody>
+          <a:bodyPr>
+            <a:normAutofit/>
+          </a:bodyPr>
+          <a:lstStyle/>
+          <a:p>
+            <a:r>
+              <a:rPr lang="en-US" sz="3600" b="1" u="sng" dirty="0">
+                <a:latin typeface="+mj-lt"/>
+                <a:ea typeface="+mj-ea"/>
+                <a:cs typeface="+mj-cs"/>
+              </a:rPr>
+              <a:t>Output of Web Application on Live Link:</a:t>
+            </a:r>
+            <a:br>
+              <a:rPr lang="en-US" sz="3600" b="1" u="sng" dirty="0">
+                <a:latin typeface="+mj-lt"/>
+                <a:ea typeface="+mj-ea"/>
+                <a:cs typeface="+mj-cs"/>
+              </a:rPr>
+            </a:br>
+            <a:r>
+              <a:rPr lang="en-US" sz="3600" b="1" dirty="0">
+                <a:solidFill>
+                  <a:srgbClr val="FF0000"/>
+                </a:solidFill>
+              </a:rPr>
+              <a:t>Home Page</a:t>
+            </a:r>
+            <a:endParaRPr lang="en-CA" sz="3600" dirty="0">
+              <a:solidFill>
+                <a:srgbClr val="FF0000"/>
+              </a:solidFill>
+            </a:endParaRPr>
+          </a:p>
+        </p:txBody>
+      </p:sp>
     </p:spTree>
     <p:extLst>
       <p:ext uri="{BB962C8B-B14F-4D97-AF65-F5344CB8AC3E}">
-        <p14:creationId xmlns:p14="http://schemas.microsoft.com/office/powerpoint/2010/main" val="25171710"/>
+        <p14:creationId xmlns:p14="http://schemas.microsoft.com/office/powerpoint/2010/main" val="503582497"/>
       </p:ext>
     </p:extLst>
   </p:cSld>
@@ -6380,7 +6780,256 @@
 </p:sld>
 </file>
 
-<file path=ppt/slides/slide17.xml><?xml version="1.0" encoding="utf-8"?>
+<file path=ppt/slides/slide18.xml><?xml version="1.0" encoding="utf-8"?>
+<p:sld xmlns:a="http://schemas.openxmlformats.org/drawingml/2006/main" xmlns:r="http://schemas.openxmlformats.org/officeDocument/2006/relationships" xmlns:p="http://schemas.openxmlformats.org/presentationml/2006/main">
+  <p:cSld>
+    <p:bg>
+      <p:bgPr>
+        <a:solidFill>
+          <a:schemeClr val="bg1">
+            <a:tint val="95000"/>
+            <a:satMod val="170000"/>
+          </a:schemeClr>
+        </a:solidFill>
+        <a:effectLst/>
+      </p:bgPr>
+    </p:bg>
+    <p:spTree>
+      <p:nvGrpSpPr>
+        <p:cNvPr id="1" name=""/>
+        <p:cNvGrpSpPr/>
+        <p:nvPr/>
+      </p:nvGrpSpPr>
+      <p:grpSpPr>
+        <a:xfrm>
+          <a:off x="0" y="0"/>
+          <a:ext cx="0" cy="0"/>
+          <a:chOff x="0" y="0"/>
+          <a:chExt cx="0" cy="0"/>
+        </a:xfrm>
+      </p:grpSpPr>
+      <p:pic>
+        <p:nvPicPr>
+          <p:cNvPr id="4" name="Content Placeholder 3">
+            <a:extLst>
+              <a:ext uri="{FF2B5EF4-FFF2-40B4-BE49-F238E27FC236}">
+                <a16:creationId xmlns:a16="http://schemas.microsoft.com/office/drawing/2014/main" id="{AC944689-BA59-452D-84C0-65614215CFEA}"/>
+              </a:ext>
+            </a:extLst>
+          </p:cNvPr>
+          <p:cNvPicPr>
+            <a:picLocks noChangeAspect="1"/>
+          </p:cNvPicPr>
+          <p:nvPr/>
+        </p:nvPicPr>
+        <p:blipFill rotWithShape="1">
+          <a:blip r:embed="rId2"/>
+          <a:srcRect r="25"/>
+          <a:stretch/>
+        </p:blipFill>
+        <p:spPr>
+          <a:xfrm>
+            <a:off x="20" y="10"/>
+            <a:ext cx="12188932" cy="6857990"/>
+          </a:xfrm>
+          <a:prstGeom prst="rect">
+            <a:avLst/>
+          </a:prstGeom>
+        </p:spPr>
+      </p:pic>
+      <p:sp>
+        <p:nvSpPr>
+          <p:cNvPr id="11" name="Freeform: Shape 10">
+            <a:extLst>
+              <a:ext uri="{FF2B5EF4-FFF2-40B4-BE49-F238E27FC236}">
+                <a16:creationId xmlns:a16="http://schemas.microsoft.com/office/drawing/2014/main" id="{5E8D2E83-FB3A-40E7-A9E5-7AB389D612B4}"/>
+              </a:ext>
+              <a:ext uri="{C183D7F6-B498-43B3-948B-1728B52AA6E4}">
+                <adec:decorative xmlns:adec="http://schemas.microsoft.com/office/drawing/2017/decorative" val="1"/>
+              </a:ext>
+            </a:extLst>
+          </p:cNvPr>
+          <p:cNvSpPr>
+            <a:spLocks noGrp="1" noRot="1" noChangeAspect="1" noMove="1" noResize="1" noEditPoints="1" noAdjustHandles="1" noChangeArrowheads="1" noChangeShapeType="1" noTextEdit="1"/>
+          </p:cNvSpPr>
+          <p:nvPr>
+            <p:extLst>
+              <p:ext uri="{386F3935-93C4-4BCD-93E2-E3B085C9AB24}">
+                <p16:designElem xmlns:p16="http://schemas.microsoft.com/office/powerpoint/2015/main" val="1"/>
+              </p:ext>
+            </p:extLst>
+          </p:nvPr>
+        </p:nvSpPr>
+        <p:spPr>
+          <a:xfrm>
+            <a:off x="0" y="4023809"/>
+            <a:ext cx="11016943" cy="2262375"/>
+          </a:xfrm>
+          <a:custGeom>
+            <a:avLst/>
+            <a:gdLst>
+              <a:gd name="connsiteX0" fmla="*/ 0 w 11016943"/>
+              <a:gd name="connsiteY0" fmla="*/ 0 h 2262375"/>
+              <a:gd name="connsiteX1" fmla="*/ 9969166 w 11016943"/>
+              <a:gd name="connsiteY1" fmla="*/ 0 h 2262375"/>
+              <a:gd name="connsiteX2" fmla="*/ 11016943 w 11016943"/>
+              <a:gd name="connsiteY2" fmla="*/ 2262375 h 2262375"/>
+              <a:gd name="connsiteX3" fmla="*/ 4942050 w 11016943"/>
+              <a:gd name="connsiteY3" fmla="*/ 2262375 h 2262375"/>
+              <a:gd name="connsiteX4" fmla="*/ 4582160 w 11016943"/>
+              <a:gd name="connsiteY4" fmla="*/ 2262375 h 2262375"/>
+              <a:gd name="connsiteX5" fmla="*/ 0 w 11016943"/>
+              <a:gd name="connsiteY5" fmla="*/ 2262375 h 2262375"/>
+            </a:gdLst>
+            <a:ahLst/>
+            <a:cxnLst>
+              <a:cxn ang="0">
+                <a:pos x="connsiteX0" y="connsiteY0"/>
+              </a:cxn>
+              <a:cxn ang="0">
+                <a:pos x="connsiteX1" y="connsiteY1"/>
+              </a:cxn>
+              <a:cxn ang="0">
+                <a:pos x="connsiteX2" y="connsiteY2"/>
+              </a:cxn>
+              <a:cxn ang="0">
+                <a:pos x="connsiteX3" y="connsiteY3"/>
+              </a:cxn>
+              <a:cxn ang="0">
+                <a:pos x="connsiteX4" y="connsiteY4"/>
+              </a:cxn>
+              <a:cxn ang="0">
+                <a:pos x="connsiteX5" y="connsiteY5"/>
+              </a:cxn>
+            </a:cxnLst>
+            <a:rect l="l" t="t" r="r" b="b"/>
+            <a:pathLst>
+              <a:path w="11016943" h="2262375">
+                <a:moveTo>
+                  <a:pt x="0" y="0"/>
+                </a:moveTo>
+                <a:lnTo>
+                  <a:pt x="9969166" y="0"/>
+                </a:lnTo>
+                <a:lnTo>
+                  <a:pt x="11016943" y="2262375"/>
+                </a:lnTo>
+                <a:lnTo>
+                  <a:pt x="4942050" y="2262375"/>
+                </a:lnTo>
+                <a:lnTo>
+                  <a:pt x="4582160" y="2262375"/>
+                </a:lnTo>
+                <a:lnTo>
+                  <a:pt x="0" y="2262375"/>
+                </a:lnTo>
+                <a:close/>
+              </a:path>
+            </a:pathLst>
+          </a:custGeom>
+          <a:solidFill>
+            <a:schemeClr val="bg1">
+              <a:lumMod val="85000"/>
+              <a:lumOff val="15000"/>
+              <a:alpha val="88000"/>
+            </a:schemeClr>
+          </a:solidFill>
+          <a:ln>
+            <a:noFill/>
+          </a:ln>
+        </p:spPr>
+        <p:style>
+          <a:lnRef idx="2">
+            <a:schemeClr val="accent1">
+              <a:shade val="50000"/>
+            </a:schemeClr>
+          </a:lnRef>
+          <a:fillRef idx="1">
+            <a:schemeClr val="accent1"/>
+          </a:fillRef>
+          <a:effectRef idx="0">
+            <a:schemeClr val="accent1"/>
+          </a:effectRef>
+          <a:fontRef idx="minor">
+            <a:schemeClr val="lt1"/>
+          </a:fontRef>
+        </p:style>
+        <p:txBody>
+          <a:bodyPr wrap="square" rtlCol="0" anchor="ctr">
+            <a:noAutofit/>
+          </a:bodyPr>
+          <a:lstStyle/>
+          <a:p>
+            <a:pPr algn="ctr"/>
+            <a:endParaRPr lang="en-US"/>
+          </a:p>
+        </p:txBody>
+      </p:sp>
+      <p:sp>
+        <p:nvSpPr>
+          <p:cNvPr id="2" name="Title 1">
+            <a:extLst>
+              <a:ext uri="{FF2B5EF4-FFF2-40B4-BE49-F238E27FC236}">
+                <a16:creationId xmlns:a16="http://schemas.microsoft.com/office/drawing/2014/main" id="{260050E4-AFBD-4E53-AA49-48D14AA239C7}"/>
+              </a:ext>
+            </a:extLst>
+          </p:cNvPr>
+          <p:cNvSpPr>
+            <a:spLocks noGrp="1"/>
+          </p:cNvSpPr>
+          <p:nvPr>
+            <p:ph type="title"/>
+          </p:nvPr>
+        </p:nvSpPr>
+        <p:spPr>
+          <a:xfrm>
+            <a:off x="546624" y="4843578"/>
+            <a:ext cx="9265771" cy="622836"/>
+          </a:xfrm>
+        </p:spPr>
+        <p:txBody>
+          <a:bodyPr vert="horz" lIns="91440" tIns="45720" rIns="91440" bIns="45720" rtlCol="0">
+            <a:normAutofit fontScale="90000"/>
+          </a:bodyPr>
+          <a:lstStyle/>
+          <a:p>
+            <a:r>
+              <a:rPr lang="en-US" sz="3600" b="1" u="sng" dirty="0"/>
+              <a:t>Output of Web Application on Live Link:</a:t>
+            </a:r>
+            <a:br>
+              <a:rPr lang="en-US" sz="3600" b="1" u="sng" dirty="0"/>
+            </a:br>
+            <a:r>
+              <a:rPr lang="en-US" sz="3600" b="1" dirty="0">
+                <a:solidFill>
+                  <a:srgbClr val="FF0000"/>
+                </a:solidFill>
+              </a:rPr>
+              <a:t>Games Page</a:t>
+            </a:r>
+            <a:endParaRPr lang="en-US" sz="3600" dirty="0">
+              <a:solidFill>
+                <a:srgbClr val="FF0000"/>
+              </a:solidFill>
+            </a:endParaRPr>
+          </a:p>
+        </p:txBody>
+      </p:sp>
+    </p:spTree>
+    <p:extLst>
+      <p:ext uri="{BB962C8B-B14F-4D97-AF65-F5344CB8AC3E}">
+        <p14:creationId xmlns:p14="http://schemas.microsoft.com/office/powerpoint/2010/main" val="3239663897"/>
+      </p:ext>
+    </p:extLst>
+  </p:cSld>
+  <p:clrMapOvr>
+    <a:overrideClrMapping bg1="dk1" tx1="lt1" bg2="dk2" tx2="lt2" accent1="accent1" accent2="accent2" accent3="accent3" accent4="accent4" accent5="accent5" accent6="accent6" hlink="hlink" folHlink="folHlink"/>
+  </p:clrMapOvr>
+</p:sld>
+</file>
+
+<file path=ppt/slides/slide19.xml><?xml version="1.0" encoding="utf-8"?>
 <p:sld xmlns:a="http://schemas.openxmlformats.org/drawingml/2006/main" xmlns:r="http://schemas.openxmlformats.org/officeDocument/2006/relationships" xmlns:p="http://schemas.openxmlformats.org/presentationml/2006/main">
   <p:cSld>
     <p:bg>
@@ -6781,48 +7430,88 @@
         </p:spPr>
         <p:txBody>
           <a:bodyPr>
-            <a:normAutofit/>
+            <a:normAutofit lnSpcReduction="10000"/>
           </a:bodyPr>
           <a:lstStyle/>
           <a:p>
             <a:r>
-              <a:rPr lang="en-CA" sz="2000" b="1"/>
-              <a:t>Server Time</a:t>
-            </a:r>
-            <a:r>
-              <a:rPr lang="en-CA" sz="2000"/>
-              <a:t>: </a:t>
-            </a:r>
-            <a:r>
-              <a:rPr lang="en-CA" sz="2000">
+              <a:rPr lang="en-CA" sz="2000" b="1" dirty="0"/>
+              <a:t>Home Page</a:t>
+            </a:r>
+            <a:r>
+              <a:rPr lang="en-CA" sz="2000" dirty="0"/>
+              <a:t>:</a:t>
+            </a:r>
+          </a:p>
+          <a:p>
+            <a:pPr marL="0" indent="0">
+              <a:buNone/>
+            </a:pPr>
+            <a:r>
+              <a:rPr lang="en-CA" sz="2000" dirty="0">
                 <a:hlinkClick r:id="rId3"/>
               </a:rPr>
-              <a:t>http://maitrapatelassign4.azurewebsites.net/</a:t>
-            </a:r>
-            <a:endParaRPr lang="en-CA" sz="2000"/>
-          </a:p>
-          <a:p>
-            <a:endParaRPr lang="en-CA" sz="2000"/>
-          </a:p>
-          <a:p>
-            <a:endParaRPr lang="en-CA" sz="2000"/>
-          </a:p>
-          <a:p>
-            <a:r>
-              <a:rPr lang="en-CA" sz="2000" b="1"/>
-              <a:t>Swagger API</a:t>
-            </a:r>
-            <a:r>
-              <a:rPr lang="en-CA" sz="2000"/>
-              <a:t>: </a:t>
-            </a:r>
-            <a:r>
-              <a:rPr lang="en-CA" sz="2000">
+              <a:t>https://assignment420200729155402.azurewebsites.net/</a:t>
+            </a:r>
+            <a:endParaRPr lang="en-CA" sz="2000" dirty="0"/>
+          </a:p>
+          <a:p>
+            <a:pPr marL="0" indent="0">
+              <a:buNone/>
+            </a:pPr>
+            <a:endParaRPr lang="en-CA" sz="2000" dirty="0"/>
+          </a:p>
+          <a:p>
+            <a:r>
+              <a:rPr lang="en-CA" sz="2000" dirty="0"/>
+              <a:t>Games Page</a:t>
+            </a:r>
+          </a:p>
+          <a:p>
+            <a:pPr marL="0" indent="0">
+              <a:buNone/>
+            </a:pPr>
+            <a:r>
+              <a:rPr lang="en-CA" sz="2000" dirty="0">
                 <a:hlinkClick r:id="rId4"/>
               </a:rPr>
-              <a:t>http://maitrapatelassign4.azurewebsites.net/swagger/index.html</a:t>
-            </a:r>
-            <a:endParaRPr lang="en-CA" sz="2000"/>
+              <a:t>https://assignment420200729155402.azurewebsites.net/games</a:t>
+            </a:r>
+            <a:endParaRPr lang="en-CA" sz="2000" dirty="0"/>
+          </a:p>
+          <a:p>
+            <a:pPr marL="0" indent="0">
+              <a:buNone/>
+            </a:pPr>
+            <a:endParaRPr lang="en-CA" sz="2000" dirty="0"/>
+          </a:p>
+          <a:p>
+            <a:r>
+              <a:rPr lang="en-CA" sz="2000" b="1" dirty="0"/>
+              <a:t>Swagger API</a:t>
+            </a:r>
+            <a:r>
+              <a:rPr lang="en-CA" sz="2000" dirty="0"/>
+              <a:t>:</a:t>
+            </a:r>
+          </a:p>
+          <a:p>
+            <a:pPr marL="0" indent="0">
+              <a:buNone/>
+            </a:pPr>
+            <a:r>
+              <a:rPr lang="en-CA" sz="2000" dirty="0">
+                <a:hlinkClick r:id="rId5"/>
+              </a:rPr>
+              <a:t>https://assignment420200729155402.azurewebsites.net/swagger/index.html</a:t>
+            </a:r>
+            <a:endParaRPr lang="en-CA" sz="2000" dirty="0"/>
+          </a:p>
+          <a:p>
+            <a:pPr marL="0" indent="0">
+              <a:buNone/>
+            </a:pPr>
+            <a:endParaRPr lang="en-CA" sz="2000" dirty="0"/>
           </a:p>
         </p:txBody>
       </p:sp>
@@ -7260,6 +7949,580 @@
   </p:cSld>
   <p:clrMapOvr>
     <a:overrideClrMapping bg1="dk1" tx1="lt1" bg2="dk2" tx2="lt2" accent1="accent1" accent2="accent2" accent3="accent3" accent4="accent4" accent5="accent5" accent6="accent6" hlink="hlink" folHlink="folHlink"/>
+  </p:clrMapOvr>
+</p:sld>
+</file>
+
+<file path=ppt/slides/slide20.xml><?xml version="1.0" encoding="utf-8"?>
+<p:sld xmlns:a="http://schemas.openxmlformats.org/drawingml/2006/main" xmlns:r="http://schemas.openxmlformats.org/officeDocument/2006/relationships" xmlns:p="http://schemas.openxmlformats.org/presentationml/2006/main">
+  <p:cSld>
+    <p:bg>
+      <p:bgPr>
+        <a:solidFill>
+          <a:schemeClr val="bg1">
+            <a:tint val="95000"/>
+            <a:satMod val="170000"/>
+          </a:schemeClr>
+        </a:solidFill>
+        <a:effectLst/>
+      </p:bgPr>
+    </p:bg>
+    <p:spTree>
+      <p:nvGrpSpPr>
+        <p:cNvPr id="1" name=""/>
+        <p:cNvGrpSpPr/>
+        <p:nvPr/>
+      </p:nvGrpSpPr>
+      <p:grpSpPr>
+        <a:xfrm>
+          <a:off x="0" y="0"/>
+          <a:ext cx="0" cy="0"/>
+          <a:chOff x="0" y="0"/>
+          <a:chExt cx="0" cy="0"/>
+        </a:xfrm>
+      </p:grpSpPr>
+      <p:sp>
+        <p:nvSpPr>
+          <p:cNvPr id="15" name="Rectangle 9">
+            <a:extLst>
+              <a:ext uri="{FF2B5EF4-FFF2-40B4-BE49-F238E27FC236}">
+                <a16:creationId xmlns:a16="http://schemas.microsoft.com/office/drawing/2014/main" id="{482BD70C-C4A0-46C4-9518-A731098B419A}"/>
+              </a:ext>
+              <a:ext uri="{C183D7F6-B498-43B3-948B-1728B52AA6E4}">
+                <adec:decorative xmlns:adec="http://schemas.microsoft.com/office/drawing/2017/decorative" val="1"/>
+              </a:ext>
+            </a:extLst>
+          </p:cNvPr>
+          <p:cNvSpPr>
+            <a:spLocks noGrp="1" noRot="1" noChangeAspect="1" noMove="1" noResize="1" noEditPoints="1" noAdjustHandles="1" noChangeArrowheads="1" noChangeShapeType="1" noTextEdit="1"/>
+          </p:cNvSpPr>
+          <p:nvPr>
+            <p:extLst>
+              <p:ext uri="{386F3935-93C4-4BCD-93E2-E3B085C9AB24}">
+                <p16:designElem xmlns:p16="http://schemas.microsoft.com/office/powerpoint/2015/main" val="1"/>
+              </p:ext>
+            </p:extLst>
+          </p:nvPr>
+        </p:nvSpPr>
+        <p:spPr>
+          <a:xfrm>
+            <a:off x="0" y="0"/>
+            <a:ext cx="12192000" cy="6858000"/>
+          </a:xfrm>
+          <a:prstGeom prst="rect">
+            <a:avLst/>
+          </a:prstGeom>
+          <a:solidFill>
+            <a:schemeClr val="tx1">
+              <a:lumMod val="75000"/>
+              <a:lumOff val="25000"/>
+            </a:schemeClr>
+          </a:solidFill>
+          <a:ln>
+            <a:noFill/>
+          </a:ln>
+        </p:spPr>
+        <p:style>
+          <a:lnRef idx="2">
+            <a:schemeClr val="accent1">
+              <a:shade val="50000"/>
+            </a:schemeClr>
+          </a:lnRef>
+          <a:fillRef idx="1">
+            <a:schemeClr val="accent1"/>
+          </a:fillRef>
+          <a:effectRef idx="0">
+            <a:schemeClr val="accent1"/>
+          </a:effectRef>
+          <a:fontRef idx="minor">
+            <a:schemeClr val="lt1"/>
+          </a:fontRef>
+        </p:style>
+        <p:txBody>
+          <a:bodyPr rtlCol="0" anchor="ctr"/>
+          <a:lstStyle/>
+          <a:p>
+            <a:pPr algn="ctr"/>
+            <a:endParaRPr lang="en-US"/>
+          </a:p>
+        </p:txBody>
+      </p:sp>
+      <p:sp>
+        <p:nvSpPr>
+          <p:cNvPr id="2" name="Title 1">
+            <a:extLst>
+              <a:ext uri="{FF2B5EF4-FFF2-40B4-BE49-F238E27FC236}">
+                <a16:creationId xmlns:a16="http://schemas.microsoft.com/office/drawing/2014/main" id="{835628D1-D973-41FB-A163-F927B75AFAAF}"/>
+              </a:ext>
+            </a:extLst>
+          </p:cNvPr>
+          <p:cNvSpPr>
+            <a:spLocks noGrp="1"/>
+          </p:cNvSpPr>
+          <p:nvPr>
+            <p:ph type="title"/>
+          </p:nvPr>
+        </p:nvSpPr>
+        <p:spPr>
+          <a:xfrm>
+            <a:off x="6072445" y="3640254"/>
+            <a:ext cx="5319433" cy="2076333"/>
+          </a:xfrm>
+        </p:spPr>
+        <p:txBody>
+          <a:bodyPr vert="horz" lIns="91440" tIns="45720" rIns="91440" bIns="45720" rtlCol="0" anchor="t">
+            <a:normAutofit/>
+          </a:bodyPr>
+          <a:lstStyle/>
+          <a:p>
+            <a:r>
+              <a:rPr lang="en-US" sz="4800" kern="1200">
+                <a:solidFill>
+                  <a:schemeClr val="bg1"/>
+                </a:solidFill>
+                <a:latin typeface="+mj-lt"/>
+                <a:ea typeface="+mj-ea"/>
+                <a:cs typeface="+mj-cs"/>
+              </a:rPr>
+              <a:t>Thank You !</a:t>
+            </a:r>
+          </a:p>
+        </p:txBody>
+      </p:sp>
+      <p:sp>
+        <p:nvSpPr>
+          <p:cNvPr id="16" name="Freeform: Shape 11">
+            <a:extLst>
+              <a:ext uri="{FF2B5EF4-FFF2-40B4-BE49-F238E27FC236}">
+                <a16:creationId xmlns:a16="http://schemas.microsoft.com/office/drawing/2014/main" id="{39B74A45-BDDD-4892-B8C0-B290C0944FCB}"/>
+              </a:ext>
+              <a:ext uri="{C183D7F6-B498-43B3-948B-1728B52AA6E4}">
+                <adec:decorative xmlns:adec="http://schemas.microsoft.com/office/drawing/2017/decorative" val="1"/>
+              </a:ext>
+            </a:extLst>
+          </p:cNvPr>
+          <p:cNvSpPr>
+            <a:spLocks noGrp="1" noRot="1" noChangeAspect="1" noMove="1" noResize="1" noEditPoints="1" noAdjustHandles="1" noChangeArrowheads="1" noChangeShapeType="1" noTextEdit="1"/>
+          </p:cNvSpPr>
+          <p:nvPr>
+            <p:extLst>
+              <p:ext uri="{386F3935-93C4-4BCD-93E2-E3B085C9AB24}">
+                <p16:designElem xmlns:p16="http://schemas.microsoft.com/office/powerpoint/2015/main" val="1"/>
+              </p:ext>
+            </p:extLst>
+          </p:nvPr>
+        </p:nvSpPr>
+        <p:spPr>
+          <a:xfrm flipV="1">
+            <a:off x="0" y="0"/>
+            <a:ext cx="5379352" cy="6374535"/>
+          </a:xfrm>
+          <a:custGeom>
+            <a:avLst/>
+            <a:gdLst>
+              <a:gd name="connsiteX0" fmla="*/ 609861 w 5379352"/>
+              <a:gd name="connsiteY0" fmla="*/ 6374535 h 6374535"/>
+              <a:gd name="connsiteX1" fmla="*/ 3449004 w 5379352"/>
+              <a:gd name="connsiteY1" fmla="*/ 6374535 h 6374535"/>
+              <a:gd name="connsiteX2" fmla="*/ 3628245 w 5379352"/>
+              <a:gd name="connsiteY2" fmla="*/ 6288190 h 6374535"/>
+              <a:gd name="connsiteX3" fmla="*/ 5379352 w 5379352"/>
+              <a:gd name="connsiteY3" fmla="*/ 3346018 h 6374535"/>
+              <a:gd name="connsiteX4" fmla="*/ 2033334 w 5379352"/>
+              <a:gd name="connsiteY4" fmla="*/ 0 h 6374535"/>
+              <a:gd name="connsiteX5" fmla="*/ 129310 w 5379352"/>
+              <a:gd name="connsiteY5" fmla="*/ 594192 h 6374535"/>
+              <a:gd name="connsiteX6" fmla="*/ 0 w 5379352"/>
+              <a:gd name="connsiteY6" fmla="*/ 692103 h 6374535"/>
+              <a:gd name="connsiteX7" fmla="*/ 0 w 5379352"/>
+              <a:gd name="connsiteY7" fmla="*/ 5999934 h 6374535"/>
+              <a:gd name="connsiteX8" fmla="*/ 129311 w 5379352"/>
+              <a:gd name="connsiteY8" fmla="*/ 6097845 h 6374535"/>
+              <a:gd name="connsiteX9" fmla="*/ 367831 w 5379352"/>
+              <a:gd name="connsiteY9" fmla="*/ 6248727 h 6374535"/>
+            </a:gdLst>
+            <a:ahLst/>
+            <a:cxnLst>
+              <a:cxn ang="0">
+                <a:pos x="connsiteX0" y="connsiteY0"/>
+              </a:cxn>
+              <a:cxn ang="0">
+                <a:pos x="connsiteX1" y="connsiteY1"/>
+              </a:cxn>
+              <a:cxn ang="0">
+                <a:pos x="connsiteX2" y="connsiteY2"/>
+              </a:cxn>
+              <a:cxn ang="0">
+                <a:pos x="connsiteX3" y="connsiteY3"/>
+              </a:cxn>
+              <a:cxn ang="0">
+                <a:pos x="connsiteX4" y="connsiteY4"/>
+              </a:cxn>
+              <a:cxn ang="0">
+                <a:pos x="connsiteX5" y="connsiteY5"/>
+              </a:cxn>
+              <a:cxn ang="0">
+                <a:pos x="connsiteX6" y="connsiteY6"/>
+              </a:cxn>
+              <a:cxn ang="0">
+                <a:pos x="connsiteX7" y="connsiteY7"/>
+              </a:cxn>
+              <a:cxn ang="0">
+                <a:pos x="connsiteX8" y="connsiteY8"/>
+              </a:cxn>
+              <a:cxn ang="0">
+                <a:pos x="connsiteX9" y="connsiteY9"/>
+              </a:cxn>
+            </a:cxnLst>
+            <a:rect l="l" t="t" r="r" b="b"/>
+            <a:pathLst>
+              <a:path w="5379352" h="6374535">
+                <a:moveTo>
+                  <a:pt x="609861" y="6374535"/>
+                </a:moveTo>
+                <a:lnTo>
+                  <a:pt x="3449004" y="6374535"/>
+                </a:lnTo>
+                <a:lnTo>
+                  <a:pt x="3628245" y="6288190"/>
+                </a:lnTo>
+                <a:cubicBezTo>
+                  <a:pt x="4671283" y="5721578"/>
+                  <a:pt x="5379352" y="4616487"/>
+                  <a:pt x="5379352" y="3346018"/>
+                </a:cubicBezTo>
+                <a:cubicBezTo>
+                  <a:pt x="5379352" y="1498063"/>
+                  <a:pt x="3881289" y="0"/>
+                  <a:pt x="2033334" y="0"/>
+                </a:cubicBezTo>
+                <a:cubicBezTo>
+                  <a:pt x="1325914" y="0"/>
+                  <a:pt x="669769" y="219535"/>
+                  <a:pt x="129310" y="594192"/>
+                </a:cubicBezTo>
+                <a:lnTo>
+                  <a:pt x="0" y="692103"/>
+                </a:lnTo>
+                <a:lnTo>
+                  <a:pt x="0" y="5999934"/>
+                </a:lnTo>
+                <a:lnTo>
+                  <a:pt x="129311" y="6097845"/>
+                </a:lnTo>
+                <a:cubicBezTo>
+                  <a:pt x="206519" y="6151367"/>
+                  <a:pt x="286089" y="6201724"/>
+                  <a:pt x="367831" y="6248727"/>
+                </a:cubicBezTo>
+                <a:close/>
+              </a:path>
+            </a:pathLst>
+          </a:custGeom>
+          <a:solidFill>
+            <a:schemeClr val="bg1">
+              <a:alpha val="80000"/>
+            </a:schemeClr>
+          </a:solidFill>
+          <a:ln>
+            <a:noFill/>
+          </a:ln>
+        </p:spPr>
+        <p:style>
+          <a:lnRef idx="2">
+            <a:schemeClr val="accent1">
+              <a:shade val="50000"/>
+            </a:schemeClr>
+          </a:lnRef>
+          <a:fillRef idx="1">
+            <a:schemeClr val="accent1"/>
+          </a:fillRef>
+          <a:effectRef idx="0">
+            <a:schemeClr val="accent1"/>
+          </a:effectRef>
+          <a:fontRef idx="minor">
+            <a:schemeClr val="lt1"/>
+          </a:fontRef>
+        </p:style>
+        <p:txBody>
+          <a:bodyPr wrap="square" rtlCol="0" anchor="ctr">
+            <a:noAutofit/>
+          </a:bodyPr>
+          <a:lstStyle/>
+          <a:p>
+            <a:pPr marL="0" marR="0" lvl="0" indent="0" algn="ctr" defTabSz="914400" rtl="0" eaLnBrk="1" fontAlgn="auto" latinLnBrk="0" hangingPunct="1">
+              <a:lnSpc>
+                <a:spcPct val="100000"/>
+              </a:lnSpc>
+              <a:spcBef>
+                <a:spcPts val="0"/>
+              </a:spcBef>
+              <a:spcAft>
+                <a:spcPts val="0"/>
+              </a:spcAft>
+              <a:buClrTx/>
+              <a:buSzTx/>
+              <a:buFontTx/>
+              <a:buNone/>
+              <a:tabLst/>
+              <a:defRPr/>
+            </a:pPr>
+            <a:endParaRPr kumimoji="0" lang="en-US" sz="1800" b="0" i="0" u="none" strike="noStrike" kern="1200" cap="none" spc="0" normalizeH="0" baseline="0" noProof="0">
+              <a:ln>
+                <a:noFill/>
+              </a:ln>
+              <a:solidFill>
+                <a:prstClr val="white"/>
+              </a:solidFill>
+              <a:effectLst/>
+              <a:uLnTx/>
+              <a:uFillTx/>
+              <a:latin typeface="Calibri" panose="020F0502020204030204"/>
+              <a:ea typeface="+mn-ea"/>
+              <a:cs typeface="+mn-cs"/>
+            </a:endParaRPr>
+          </a:p>
+        </p:txBody>
+      </p:sp>
+      <p:sp>
+        <p:nvSpPr>
+          <p:cNvPr id="14" name="Freeform: Shape 13">
+            <a:extLst>
+              <a:ext uri="{FF2B5EF4-FFF2-40B4-BE49-F238E27FC236}">
+                <a16:creationId xmlns:a16="http://schemas.microsoft.com/office/drawing/2014/main" id="{C516C73E-9465-4C9E-9B86-9E58FB326B6B}"/>
+              </a:ext>
+              <a:ext uri="{C183D7F6-B498-43B3-948B-1728B52AA6E4}">
+                <adec:decorative xmlns:adec="http://schemas.microsoft.com/office/drawing/2017/decorative" val="1"/>
+              </a:ext>
+            </a:extLst>
+          </p:cNvPr>
+          <p:cNvSpPr>
+            <a:spLocks noGrp="1" noRot="1" noChangeAspect="1" noMove="1" noResize="1" noEditPoints="1" noAdjustHandles="1" noChangeArrowheads="1" noChangeShapeType="1" noTextEdit="1"/>
+          </p:cNvSpPr>
+          <p:nvPr>
+            <p:extLst>
+              <p:ext uri="{386F3935-93C4-4BCD-93E2-E3B085C9AB24}">
+                <p16:designElem xmlns:p16="http://schemas.microsoft.com/office/powerpoint/2015/main" val="1"/>
+              </p:ext>
+            </p:extLst>
+          </p:nvPr>
+        </p:nvSpPr>
+        <p:spPr>
+          <a:xfrm>
+            <a:off x="5299" y="0"/>
+            <a:ext cx="5210147" cy="6210629"/>
+          </a:xfrm>
+          <a:custGeom>
+            <a:avLst/>
+            <a:gdLst>
+              <a:gd name="connsiteX0" fmla="*/ 1058223 w 5210147"/>
+              <a:gd name="connsiteY0" fmla="*/ 0 h 6210629"/>
+              <a:gd name="connsiteX1" fmla="*/ 3003078 w 5210147"/>
+              <a:gd name="connsiteY1" fmla="*/ 0 h 6210629"/>
+              <a:gd name="connsiteX2" fmla="*/ 3266657 w 5210147"/>
+              <a:gd name="connsiteY2" fmla="*/ 96471 h 6210629"/>
+              <a:gd name="connsiteX3" fmla="*/ 5210147 w 5210147"/>
+              <a:gd name="connsiteY3" fmla="*/ 3028517 h 6210629"/>
+              <a:gd name="connsiteX4" fmla="*/ 2028035 w 5210147"/>
+              <a:gd name="connsiteY4" fmla="*/ 6210629 h 6210629"/>
+              <a:gd name="connsiteX5" fmla="*/ 3916 w 5210147"/>
+              <a:gd name="connsiteY5" fmla="*/ 5483989 h 6210629"/>
+              <a:gd name="connsiteX6" fmla="*/ 0 w 5210147"/>
+              <a:gd name="connsiteY6" fmla="*/ 5480430 h 6210629"/>
+              <a:gd name="connsiteX7" fmla="*/ 0 w 5210147"/>
+              <a:gd name="connsiteY7" fmla="*/ 576603 h 6210629"/>
+              <a:gd name="connsiteX8" fmla="*/ 3916 w 5210147"/>
+              <a:gd name="connsiteY8" fmla="*/ 573044 h 6210629"/>
+              <a:gd name="connsiteX9" fmla="*/ 933918 w 5210147"/>
+              <a:gd name="connsiteY9" fmla="*/ 39494 h 6210629"/>
+            </a:gdLst>
+            <a:ahLst/>
+            <a:cxnLst>
+              <a:cxn ang="0">
+                <a:pos x="connsiteX0" y="connsiteY0"/>
+              </a:cxn>
+              <a:cxn ang="0">
+                <a:pos x="connsiteX1" y="connsiteY1"/>
+              </a:cxn>
+              <a:cxn ang="0">
+                <a:pos x="connsiteX2" y="connsiteY2"/>
+              </a:cxn>
+              <a:cxn ang="0">
+                <a:pos x="connsiteX3" y="connsiteY3"/>
+              </a:cxn>
+              <a:cxn ang="0">
+                <a:pos x="connsiteX4" y="connsiteY4"/>
+              </a:cxn>
+              <a:cxn ang="0">
+                <a:pos x="connsiteX5" y="connsiteY5"/>
+              </a:cxn>
+              <a:cxn ang="0">
+                <a:pos x="connsiteX6" y="connsiteY6"/>
+              </a:cxn>
+              <a:cxn ang="0">
+                <a:pos x="connsiteX7" y="connsiteY7"/>
+              </a:cxn>
+              <a:cxn ang="0">
+                <a:pos x="connsiteX8" y="connsiteY8"/>
+              </a:cxn>
+              <a:cxn ang="0">
+                <a:pos x="connsiteX9" y="connsiteY9"/>
+              </a:cxn>
+            </a:cxnLst>
+            <a:rect l="l" t="t" r="r" b="b"/>
+            <a:pathLst>
+              <a:path w="5210147" h="6210629">
+                <a:moveTo>
+                  <a:pt x="1058223" y="0"/>
+                </a:moveTo>
+                <a:lnTo>
+                  <a:pt x="3003078" y="0"/>
+                </a:lnTo>
+                <a:lnTo>
+                  <a:pt x="3266657" y="96471"/>
+                </a:lnTo>
+                <a:cubicBezTo>
+                  <a:pt x="4408765" y="579542"/>
+                  <a:pt x="5210147" y="1710443"/>
+                  <a:pt x="5210147" y="3028517"/>
+                </a:cubicBezTo>
+                <a:cubicBezTo>
+                  <a:pt x="5210147" y="4785949"/>
+                  <a:pt x="3785467" y="6210629"/>
+                  <a:pt x="2028035" y="6210629"/>
+                </a:cubicBezTo>
+                <a:cubicBezTo>
+                  <a:pt x="1259159" y="6210629"/>
+                  <a:pt x="553973" y="5937936"/>
+                  <a:pt x="3916" y="5483989"/>
+                </a:cubicBezTo>
+                <a:lnTo>
+                  <a:pt x="0" y="5480430"/>
+                </a:lnTo>
+                <a:lnTo>
+                  <a:pt x="0" y="576603"/>
+                </a:lnTo>
+                <a:lnTo>
+                  <a:pt x="3916" y="573044"/>
+                </a:lnTo>
+                <a:cubicBezTo>
+                  <a:pt x="278945" y="346070"/>
+                  <a:pt x="592755" y="164410"/>
+                  <a:pt x="933918" y="39494"/>
+                </a:cubicBezTo>
+                <a:close/>
+              </a:path>
+            </a:pathLst>
+          </a:custGeom>
+          <a:solidFill>
+            <a:schemeClr val="bg1"/>
+          </a:solidFill>
+          <a:ln>
+            <a:noFill/>
+          </a:ln>
+        </p:spPr>
+        <p:style>
+          <a:lnRef idx="2">
+            <a:schemeClr val="accent1">
+              <a:shade val="50000"/>
+            </a:schemeClr>
+          </a:lnRef>
+          <a:fillRef idx="1">
+            <a:schemeClr val="accent1"/>
+          </a:fillRef>
+          <a:effectRef idx="0">
+            <a:schemeClr val="accent1"/>
+          </a:effectRef>
+          <a:fontRef idx="minor">
+            <a:schemeClr val="lt1"/>
+          </a:fontRef>
+        </p:style>
+        <p:txBody>
+          <a:bodyPr rtlCol="0" anchor="ctr"/>
+          <a:lstStyle/>
+          <a:p>
+            <a:pPr marL="0" marR="0" lvl="0" indent="0" algn="ctr" defTabSz="914400" rtl="0" eaLnBrk="1" fontAlgn="auto" latinLnBrk="0" hangingPunct="1">
+              <a:lnSpc>
+                <a:spcPct val="100000"/>
+              </a:lnSpc>
+              <a:spcBef>
+                <a:spcPts val="0"/>
+              </a:spcBef>
+              <a:spcAft>
+                <a:spcPts val="0"/>
+              </a:spcAft>
+              <a:buClrTx/>
+              <a:buSzTx/>
+              <a:buFontTx/>
+              <a:buNone/>
+              <a:tabLst/>
+              <a:defRPr/>
+            </a:pPr>
+            <a:endParaRPr kumimoji="0" lang="en-US" sz="1800" b="0" i="0" u="none" strike="noStrike" kern="1200" cap="none" spc="0" normalizeH="0" baseline="0" noProof="0">
+              <a:ln>
+                <a:noFill/>
+              </a:ln>
+              <a:solidFill>
+                <a:prstClr val="white"/>
+              </a:solidFill>
+              <a:effectLst/>
+              <a:uLnTx/>
+              <a:uFillTx/>
+              <a:latin typeface="Calibri" panose="020F0502020204030204"/>
+              <a:ea typeface="+mn-ea"/>
+              <a:cs typeface="+mn-cs"/>
+            </a:endParaRPr>
+          </a:p>
+        </p:txBody>
+      </p:sp>
+      <p:pic>
+        <p:nvPicPr>
+          <p:cNvPr id="17" name="Graphic 6" descr="Handshake">
+            <a:extLst>
+              <a:ext uri="{FF2B5EF4-FFF2-40B4-BE49-F238E27FC236}">
+                <a16:creationId xmlns:a16="http://schemas.microsoft.com/office/drawing/2014/main" id="{594753A1-1ACE-4558-A605-05591D24DF03}"/>
+              </a:ext>
+            </a:extLst>
+          </p:cNvPr>
+          <p:cNvPicPr>
+            <a:picLocks noChangeAspect="1"/>
+          </p:cNvPicPr>
+          <p:nvPr/>
+        </p:nvPicPr>
+        <p:blipFill>
+          <a:blip r:embed="rId2">
+            <a:extLst>
+              <a:ext uri="{28A0092B-C50C-407E-A947-70E740481C1C}">
+                <a14:useLocalDpi xmlns:a14="http://schemas.microsoft.com/office/drawing/2010/main" val="0"/>
+              </a:ext>
+              <a:ext uri="{96DAC541-7B7A-43D3-8B79-37D633B846F1}">
+                <asvg:svgBlip xmlns:asvg="http://schemas.microsoft.com/office/drawing/2016/SVG/main" r:embed="rId3"/>
+              </a:ext>
+            </a:extLst>
+          </a:blip>
+          <a:stretch>
+            <a:fillRect/>
+          </a:stretch>
+        </p:blipFill>
+        <p:spPr>
+          <a:xfrm>
+            <a:off x="480941" y="1301551"/>
+            <a:ext cx="3440610" cy="3440610"/>
+          </a:xfrm>
+          <a:prstGeom prst="rect">
+            <a:avLst/>
+          </a:prstGeom>
+        </p:spPr>
+      </p:pic>
+    </p:spTree>
+    <p:extLst>
+      <p:ext uri="{BB962C8B-B14F-4D97-AF65-F5344CB8AC3E}">
+        <p14:creationId xmlns:p14="http://schemas.microsoft.com/office/powerpoint/2010/main" val="4048042892"/>
+      </p:ext>
+    </p:extLst>
+  </p:cSld>
+  <p:clrMapOvr>
+    <a:masterClrMapping/>
   </p:clrMapOvr>
 </p:sld>
 </file>

--- a/Assignment 4.pptx
+++ b/Assignment 4.pptx
@@ -24,7 +24,9 @@
     <p:sldId id="274" r:id="rId18"/>
     <p:sldId id="273" r:id="rId19"/>
     <p:sldId id="272" r:id="rId20"/>
-    <p:sldId id="276" r:id="rId21"/>
+    <p:sldId id="277" r:id="rId21"/>
+    <p:sldId id="278" r:id="rId22"/>
+    <p:sldId id="276" r:id="rId23"/>
   </p:sldIdLst>
   <p:sldSz cx="12192000" cy="6858000"/>
   <p:notesSz cx="6858000" cy="9144000"/>
@@ -3289,20 +3291,6 @@
               </a:spcAft>
             </a:pPr>
             <a:r>
-              <a:rPr lang="en-US" sz="3600" dirty="0" err="1">
-                <a:solidFill>
-                  <a:schemeClr val="tx1">
-                    <a:lumMod val="85000"/>
-                    <a:lumOff val="15000"/>
-                  </a:schemeClr>
-                </a:solidFill>
-                <a:latin typeface="+mj-lt"/>
-                <a:ea typeface="+mj-ea"/>
-                <a:cs typeface="+mj-cs"/>
-              </a:rPr>
-              <a:t>.Net</a:t>
-            </a:r>
-            <a:r>
               <a:rPr lang="en-US" sz="3600" dirty="0">
                 <a:solidFill>
                   <a:schemeClr val="tx1">
@@ -3314,7 +3302,7 @@
                 <a:ea typeface="+mj-ea"/>
                 <a:cs typeface="+mj-cs"/>
               </a:rPr>
-              <a:t> Programming using C#</a:t>
+              <a:t>.NET Programming using C#</a:t>
             </a:r>
           </a:p>
         </p:txBody>
@@ -3400,6 +3388,42 @@
               <a:t>200449121</a:t>
             </a:r>
             <a:endParaRPr lang="en-CA" sz="2800" b="1" dirty="0"/>
+          </a:p>
+        </p:txBody>
+      </p:sp>
+      <p:sp>
+        <p:nvSpPr>
+          <p:cNvPr id="4" name="TextBox 3">
+            <a:extLst>
+              <a:ext uri="{FF2B5EF4-FFF2-40B4-BE49-F238E27FC236}">
+                <a16:creationId xmlns:a16="http://schemas.microsoft.com/office/drawing/2014/main" id="{D46561B7-8021-420A-A9F0-814895529349}"/>
+              </a:ext>
+            </a:extLst>
+          </p:cNvPr>
+          <p:cNvSpPr txBox="1"/>
+          <p:nvPr/>
+        </p:nvSpPr>
+        <p:spPr>
+          <a:xfrm>
+            <a:off x="5217371" y="4350659"/>
+            <a:ext cx="1757256" cy="369332"/>
+          </a:xfrm>
+          <a:prstGeom prst="rect">
+            <a:avLst/>
+          </a:prstGeom>
+          <a:noFill/>
+        </p:spPr>
+        <p:txBody>
+          <a:bodyPr wrap="square" rtlCol="0">
+            <a:spAutoFit/>
+          </a:bodyPr>
+          <a:lstStyle/>
+          <a:p>
+            <a:r>
+              <a:rPr lang="en-US" dirty="0"/>
+              <a:t>Prof. Nital Shah</a:t>
+            </a:r>
+            <a:endParaRPr lang="en-CA" dirty="0"/>
           </a:p>
         </p:txBody>
       </p:sp>
@@ -7959,6 +7983,626 @@
     <p:bg>
       <p:bgPr>
         <a:solidFill>
+          <a:schemeClr val="bg1"/>
+        </a:solidFill>
+        <a:effectLst/>
+      </p:bgPr>
+    </p:bg>
+    <p:spTree>
+      <p:nvGrpSpPr>
+        <p:cNvPr id="1" name=""/>
+        <p:cNvGrpSpPr/>
+        <p:nvPr/>
+      </p:nvGrpSpPr>
+      <p:grpSpPr>
+        <a:xfrm>
+          <a:off x="0" y="0"/>
+          <a:ext cx="0" cy="0"/>
+          <a:chOff x="0" y="0"/>
+          <a:chExt cx="0" cy="0"/>
+        </a:xfrm>
+      </p:grpSpPr>
+      <p:sp>
+        <p:nvSpPr>
+          <p:cNvPr id="8" name="Rectangle 7">
+            <a:extLst>
+              <a:ext uri="{FF2B5EF4-FFF2-40B4-BE49-F238E27FC236}">
+                <a16:creationId xmlns:a16="http://schemas.microsoft.com/office/drawing/2014/main" id="{FB5B0058-AF13-4859-B429-4EDDE2A26F7F}"/>
+              </a:ext>
+              <a:ext uri="{C183D7F6-B498-43B3-948B-1728B52AA6E4}">
+                <adec:decorative xmlns:adec="http://schemas.microsoft.com/office/drawing/2017/decorative" val="1"/>
+              </a:ext>
+            </a:extLst>
+          </p:cNvPr>
+          <p:cNvSpPr>
+            <a:spLocks noGrp="1" noRot="1" noChangeAspect="1" noMove="1" noResize="1" noEditPoints="1" noAdjustHandles="1" noChangeArrowheads="1" noChangeShapeType="1" noTextEdit="1"/>
+          </p:cNvSpPr>
+          <p:nvPr>
+            <p:extLst>
+              <p:ext uri="{386F3935-93C4-4BCD-93E2-E3B085C9AB24}">
+                <p16:designElem xmlns:p16="http://schemas.microsoft.com/office/powerpoint/2015/main" val="1"/>
+              </p:ext>
+            </p:extLst>
+          </p:nvPr>
+        </p:nvSpPr>
+        <p:spPr>
+          <a:xfrm>
+            <a:off x="0" y="0"/>
+            <a:ext cx="12192000" cy="6858000"/>
+          </a:xfrm>
+          <a:prstGeom prst="rect">
+            <a:avLst/>
+          </a:prstGeom>
+          <a:solidFill>
+            <a:schemeClr val="tx1">
+              <a:lumMod val="95000"/>
+              <a:lumOff val="5000"/>
+            </a:schemeClr>
+          </a:solidFill>
+          <a:ln>
+            <a:noFill/>
+          </a:ln>
+        </p:spPr>
+        <p:style>
+          <a:lnRef idx="2">
+            <a:schemeClr val="accent1">
+              <a:shade val="50000"/>
+            </a:schemeClr>
+          </a:lnRef>
+          <a:fillRef idx="1">
+            <a:schemeClr val="accent1"/>
+          </a:fillRef>
+          <a:effectRef idx="0">
+            <a:schemeClr val="accent1"/>
+          </a:effectRef>
+          <a:fontRef idx="minor">
+            <a:schemeClr val="lt1"/>
+          </a:fontRef>
+        </p:style>
+        <p:txBody>
+          <a:bodyPr rtlCol="0" anchor="ctr"/>
+          <a:lstStyle/>
+          <a:p>
+            <a:pPr algn="ctr"/>
+            <a:endParaRPr lang="en-US" dirty="0">
+              <a:solidFill>
+                <a:schemeClr val="bg1">
+                  <a:lumMod val="50000"/>
+                </a:schemeClr>
+              </a:solidFill>
+            </a:endParaRPr>
+          </a:p>
+        </p:txBody>
+      </p:sp>
+      <p:sp>
+        <p:nvSpPr>
+          <p:cNvPr id="2" name="Title 1">
+            <a:extLst>
+              <a:ext uri="{FF2B5EF4-FFF2-40B4-BE49-F238E27FC236}">
+                <a16:creationId xmlns:a16="http://schemas.microsoft.com/office/drawing/2014/main" id="{84FE6B4D-878E-442A-B071-B67E2CA581A4}"/>
+              </a:ext>
+            </a:extLst>
+          </p:cNvPr>
+          <p:cNvSpPr>
+            <a:spLocks noGrp="1"/>
+          </p:cNvSpPr>
+          <p:nvPr>
+            <p:ph type="title"/>
+          </p:nvPr>
+        </p:nvSpPr>
+        <p:spPr>
+          <a:xfrm>
+            <a:off x="1932903" y="949325"/>
+            <a:ext cx="8071706" cy="2387600"/>
+          </a:xfrm>
+        </p:spPr>
+        <p:txBody>
+          <a:bodyPr vert="horz" lIns="91440" tIns="45720" rIns="91440" bIns="45720" rtlCol="0" anchor="b">
+            <a:normAutofit/>
+          </a:bodyPr>
+          <a:lstStyle/>
+          <a:p>
+            <a:r>
+              <a:rPr lang="en-US" sz="6600" kern="1200" dirty="0">
+                <a:solidFill>
+                  <a:schemeClr val="bg1"/>
+                </a:solidFill>
+                <a:latin typeface="+mj-lt"/>
+                <a:ea typeface="+mj-ea"/>
+                <a:cs typeface="+mj-cs"/>
+              </a:rPr>
+              <a:t>GitHub Repository Link</a:t>
+            </a:r>
+          </a:p>
+        </p:txBody>
+      </p:sp>
+      <p:sp>
+        <p:nvSpPr>
+          <p:cNvPr id="3" name="Content Placeholder 2">
+            <a:extLst>
+              <a:ext uri="{FF2B5EF4-FFF2-40B4-BE49-F238E27FC236}">
+                <a16:creationId xmlns:a16="http://schemas.microsoft.com/office/drawing/2014/main" id="{596F14FC-7BD2-4CB6-A70C-D8FC2A727CA1}"/>
+              </a:ext>
+            </a:extLst>
+          </p:cNvPr>
+          <p:cNvSpPr>
+            <a:spLocks noGrp="1"/>
+          </p:cNvSpPr>
+          <p:nvPr>
+            <p:ph idx="1"/>
+          </p:nvPr>
+        </p:nvSpPr>
+        <p:spPr>
+          <a:xfrm>
+            <a:off x="1932902" y="3429000"/>
+            <a:ext cx="8071697" cy="1655762"/>
+          </a:xfrm>
+        </p:spPr>
+        <p:txBody>
+          <a:bodyPr vert="horz" lIns="91440" tIns="45720" rIns="91440" bIns="45720" rtlCol="0">
+            <a:normAutofit/>
+          </a:bodyPr>
+          <a:lstStyle/>
+          <a:p>
+            <a:pPr marL="0" indent="0" algn="ctr">
+              <a:buNone/>
+            </a:pPr>
+            <a:r>
+              <a:rPr lang="en-US" sz="3200" kern="1200" dirty="0">
+                <a:solidFill>
+                  <a:schemeClr val="bg1"/>
+                </a:solidFill>
+                <a:latin typeface="+mn-lt"/>
+                <a:ea typeface="+mn-ea"/>
+                <a:cs typeface="+mn-cs"/>
+                <a:hlinkClick r:id="rId2"/>
+              </a:rPr>
+              <a:t>https://github.com/maitravpatel/Assignment4-CSharp</a:t>
+            </a:r>
+            <a:endParaRPr lang="en-US" sz="3200" kern="1200" dirty="0">
+              <a:solidFill>
+                <a:schemeClr val="bg1"/>
+              </a:solidFill>
+              <a:latin typeface="+mn-lt"/>
+              <a:ea typeface="+mn-ea"/>
+              <a:cs typeface="+mn-cs"/>
+            </a:endParaRPr>
+          </a:p>
+        </p:txBody>
+      </p:sp>
+      <p:cxnSp>
+        <p:nvCxnSpPr>
+          <p:cNvPr id="10" name="Straight Connector 9">
+            <a:extLst>
+              <a:ext uri="{FF2B5EF4-FFF2-40B4-BE49-F238E27FC236}">
+                <a16:creationId xmlns:a16="http://schemas.microsoft.com/office/drawing/2014/main" id="{EC4521DE-248E-440D-AAD6-FD9E7D34B3BF}"/>
+              </a:ext>
+              <a:ext uri="{C183D7F6-B498-43B3-948B-1728B52AA6E4}">
+                <adec:decorative xmlns:adec="http://schemas.microsoft.com/office/drawing/2017/decorative" val="1"/>
+              </a:ext>
+            </a:extLst>
+          </p:cNvPr>
+          <p:cNvCxnSpPr>
+            <a:cxnSpLocks noGrp="1" noRot="1" noChangeAspect="1" noMove="1" noResize="1" noEditPoints="1" noAdjustHandles="1" noChangeArrowheads="1" noChangeShapeType="1"/>
+          </p:cNvCxnSpPr>
+          <p:nvPr>
+            <p:extLst>
+              <p:ext uri="{386F3935-93C4-4BCD-93E2-E3B085C9AB24}">
+                <p16:designElem xmlns:p16="http://schemas.microsoft.com/office/powerpoint/2015/main" val="1"/>
+              </p:ext>
+            </p:extLst>
+          </p:nvPr>
+        </p:nvCxnSpPr>
+        <p:spPr>
+          <a:xfrm>
+            <a:off x="585285" y="0"/>
+            <a:ext cx="0" cy="6858000"/>
+          </a:xfrm>
+          <a:prstGeom prst="line">
+            <a:avLst/>
+          </a:prstGeom>
+          <a:ln w="12700">
+            <a:solidFill>
+              <a:schemeClr val="accent2"/>
+            </a:solidFill>
+          </a:ln>
+        </p:spPr>
+        <p:style>
+          <a:lnRef idx="1">
+            <a:schemeClr val="accent1"/>
+          </a:lnRef>
+          <a:fillRef idx="0">
+            <a:schemeClr val="accent1"/>
+          </a:fillRef>
+          <a:effectRef idx="0">
+            <a:schemeClr val="accent1"/>
+          </a:effectRef>
+          <a:fontRef idx="minor">
+            <a:schemeClr val="tx1"/>
+          </a:fontRef>
+        </p:style>
+      </p:cxnSp>
+      <p:cxnSp>
+        <p:nvCxnSpPr>
+          <p:cNvPr id="12" name="Straight Connector 11">
+            <a:extLst>
+              <a:ext uri="{FF2B5EF4-FFF2-40B4-BE49-F238E27FC236}">
+                <a16:creationId xmlns:a16="http://schemas.microsoft.com/office/drawing/2014/main" id="{442C13FA-4C0F-42D0-9626-5BA6040D8C31}"/>
+              </a:ext>
+              <a:ext uri="{C183D7F6-B498-43B3-948B-1728B52AA6E4}">
+                <adec:decorative xmlns:adec="http://schemas.microsoft.com/office/drawing/2017/decorative" val="1"/>
+              </a:ext>
+            </a:extLst>
+          </p:cNvPr>
+          <p:cNvCxnSpPr>
+            <a:cxnSpLocks noGrp="1" noRot="1" noChangeAspect="1" noMove="1" noResize="1" noEditPoints="1" noAdjustHandles="1" noChangeArrowheads="1" noChangeShapeType="1"/>
+          </p:cNvCxnSpPr>
+          <p:nvPr>
+            <p:extLst>
+              <p:ext uri="{386F3935-93C4-4BCD-93E2-E3B085C9AB24}">
+                <p16:designElem xmlns:p16="http://schemas.microsoft.com/office/powerpoint/2015/main" val="1"/>
+              </p:ext>
+            </p:extLst>
+          </p:nvPr>
+        </p:nvCxnSpPr>
+        <p:spPr>
+          <a:xfrm flipH="1">
+            <a:off x="0" y="6252485"/>
+            <a:ext cx="12192000" cy="0"/>
+          </a:xfrm>
+          <a:prstGeom prst="line">
+            <a:avLst/>
+          </a:prstGeom>
+          <a:ln w="12700">
+            <a:solidFill>
+              <a:schemeClr val="accent2"/>
+            </a:solidFill>
+          </a:ln>
+        </p:spPr>
+        <p:style>
+          <a:lnRef idx="1">
+            <a:schemeClr val="accent1"/>
+          </a:lnRef>
+          <a:fillRef idx="0">
+            <a:schemeClr val="accent1"/>
+          </a:fillRef>
+          <a:effectRef idx="0">
+            <a:schemeClr val="accent1"/>
+          </a:effectRef>
+          <a:fontRef idx="minor">
+            <a:schemeClr val="tx1"/>
+          </a:fontRef>
+        </p:style>
+      </p:cxnSp>
+    </p:spTree>
+    <p:extLst>
+      <p:ext uri="{BB962C8B-B14F-4D97-AF65-F5344CB8AC3E}">
+        <p14:creationId xmlns:p14="http://schemas.microsoft.com/office/powerpoint/2010/main" val="802627490"/>
+      </p:ext>
+    </p:extLst>
+  </p:cSld>
+  <p:clrMapOvr>
+    <a:masterClrMapping/>
+  </p:clrMapOvr>
+</p:sld>
+</file>
+
+<file path=ppt/slides/slide21.xml><?xml version="1.0" encoding="utf-8"?>
+<p:sld xmlns:a="http://schemas.openxmlformats.org/drawingml/2006/main" xmlns:r="http://schemas.openxmlformats.org/officeDocument/2006/relationships" xmlns:p="http://schemas.openxmlformats.org/presentationml/2006/main">
+  <p:cSld>
+    <p:bg>
+      <p:bgPr>
+        <a:solidFill>
+          <a:schemeClr val="bg1"/>
+        </a:solidFill>
+        <a:effectLst/>
+      </p:bgPr>
+    </p:bg>
+    <p:spTree>
+      <p:nvGrpSpPr>
+        <p:cNvPr id="1" name=""/>
+        <p:cNvGrpSpPr/>
+        <p:nvPr/>
+      </p:nvGrpSpPr>
+      <p:grpSpPr>
+        <a:xfrm>
+          <a:off x="0" y="0"/>
+          <a:ext cx="0" cy="0"/>
+          <a:chOff x="0" y="0"/>
+          <a:chExt cx="0" cy="0"/>
+        </a:xfrm>
+      </p:grpSpPr>
+      <p:sp>
+        <p:nvSpPr>
+          <p:cNvPr id="8" name="Rectangle 7">
+            <a:extLst>
+              <a:ext uri="{FF2B5EF4-FFF2-40B4-BE49-F238E27FC236}">
+                <a16:creationId xmlns:a16="http://schemas.microsoft.com/office/drawing/2014/main" id="{5F18414D-1626-4996-AACB-23D3DE45B03B}"/>
+              </a:ext>
+              <a:ext uri="{C183D7F6-B498-43B3-948B-1728B52AA6E4}">
+                <adec:decorative xmlns:adec="http://schemas.microsoft.com/office/drawing/2017/decorative" val="1"/>
+              </a:ext>
+            </a:extLst>
+          </p:cNvPr>
+          <p:cNvSpPr>
+            <a:spLocks noGrp="1" noRot="1" noChangeAspect="1" noMove="1" noResize="1" noEditPoints="1" noAdjustHandles="1" noChangeArrowheads="1" noChangeShapeType="1" noTextEdit="1"/>
+          </p:cNvSpPr>
+          <p:nvPr>
+            <p:extLst>
+              <p:ext uri="{386F3935-93C4-4BCD-93E2-E3B085C9AB24}">
+                <p16:designElem xmlns:p16="http://schemas.microsoft.com/office/powerpoint/2015/main" val="1"/>
+              </p:ext>
+            </p:extLst>
+          </p:nvPr>
+        </p:nvSpPr>
+        <p:spPr>
+          <a:xfrm>
+            <a:off x="0" y="0"/>
+            <a:ext cx="12192000" cy="6858000"/>
+          </a:xfrm>
+          <a:prstGeom prst="rect">
+            <a:avLst/>
+          </a:prstGeom>
+          <a:solidFill>
+            <a:schemeClr val="tx1">
+              <a:lumMod val="95000"/>
+              <a:lumOff val="5000"/>
+            </a:schemeClr>
+          </a:solidFill>
+          <a:ln>
+            <a:noFill/>
+          </a:ln>
+        </p:spPr>
+        <p:style>
+          <a:lnRef idx="2">
+            <a:schemeClr val="accent1">
+              <a:shade val="50000"/>
+            </a:schemeClr>
+          </a:lnRef>
+          <a:fillRef idx="1">
+            <a:schemeClr val="accent1"/>
+          </a:fillRef>
+          <a:effectRef idx="0">
+            <a:schemeClr val="accent1"/>
+          </a:effectRef>
+          <a:fontRef idx="minor">
+            <a:schemeClr val="lt1"/>
+          </a:fontRef>
+        </p:style>
+        <p:txBody>
+          <a:bodyPr rtlCol="0" anchor="ctr"/>
+          <a:lstStyle/>
+          <a:p>
+            <a:pPr algn="ctr"/>
+            <a:endParaRPr lang="en-US" dirty="0">
+              <a:solidFill>
+                <a:schemeClr val="tx1"/>
+              </a:solidFill>
+            </a:endParaRPr>
+          </a:p>
+        </p:txBody>
+      </p:sp>
+      <p:sp>
+        <p:nvSpPr>
+          <p:cNvPr id="2" name="Title 1">
+            <a:extLst>
+              <a:ext uri="{FF2B5EF4-FFF2-40B4-BE49-F238E27FC236}">
+                <a16:creationId xmlns:a16="http://schemas.microsoft.com/office/drawing/2014/main" id="{F6AC50F4-3CDA-4FC5-84E6-7E36D23B1AA2}"/>
+              </a:ext>
+            </a:extLst>
+          </p:cNvPr>
+          <p:cNvSpPr>
+            <a:spLocks noGrp="1"/>
+          </p:cNvSpPr>
+          <p:nvPr>
+            <p:ph type="title"/>
+          </p:nvPr>
+        </p:nvSpPr>
+        <p:spPr>
+          <a:xfrm>
+            <a:off x="1929283" y="707132"/>
+            <a:ext cx="5469129" cy="2387600"/>
+          </a:xfrm>
+        </p:spPr>
+        <p:txBody>
+          <a:bodyPr vert="horz" lIns="91440" tIns="45720" rIns="91440" bIns="45720" rtlCol="0" anchor="b">
+            <a:normAutofit/>
+          </a:bodyPr>
+          <a:lstStyle/>
+          <a:p>
+            <a:r>
+              <a:rPr lang="en-US" sz="4800" kern="1200">
+                <a:solidFill>
+                  <a:schemeClr val="bg1"/>
+                </a:solidFill>
+                <a:latin typeface="+mj-lt"/>
+                <a:ea typeface="+mj-ea"/>
+                <a:cs typeface="+mj-cs"/>
+              </a:rPr>
+              <a:t>Link to my Presentation Video</a:t>
+            </a:r>
+          </a:p>
+        </p:txBody>
+      </p:sp>
+      <p:sp>
+        <p:nvSpPr>
+          <p:cNvPr id="3" name="Content Placeholder 2">
+            <a:extLst>
+              <a:ext uri="{FF2B5EF4-FFF2-40B4-BE49-F238E27FC236}">
+                <a16:creationId xmlns:a16="http://schemas.microsoft.com/office/drawing/2014/main" id="{B51AC31A-E4E9-45BF-8050-477183453E75}"/>
+              </a:ext>
+            </a:extLst>
+          </p:cNvPr>
+          <p:cNvSpPr>
+            <a:spLocks noGrp="1"/>
+          </p:cNvSpPr>
+          <p:nvPr>
+            <p:ph idx="1"/>
+          </p:nvPr>
+        </p:nvSpPr>
+        <p:spPr>
+          <a:xfrm>
+            <a:off x="1929283" y="3494783"/>
+            <a:ext cx="5469127" cy="2201159"/>
+          </a:xfrm>
+        </p:spPr>
+        <p:txBody>
+          <a:bodyPr vert="horz" lIns="91440" tIns="45720" rIns="91440" bIns="45720" rtlCol="0">
+            <a:normAutofit/>
+          </a:bodyPr>
+          <a:lstStyle/>
+          <a:p>
+            <a:pPr marL="0" indent="0">
+              <a:buNone/>
+            </a:pPr>
+            <a:r>
+              <a:rPr lang="en-US" kern="1200" dirty="0">
+                <a:solidFill>
+                  <a:schemeClr val="bg1"/>
+                </a:solidFill>
+                <a:latin typeface="+mn-lt"/>
+                <a:ea typeface="+mn-ea"/>
+                <a:cs typeface="+mn-cs"/>
+              </a:rPr>
+              <a:t>https://drive.google.com/drive/folders/1vjSAmYQjzXxP_JO58NW8m3U1zeYBrq-o?usp=sharing</a:t>
+            </a:r>
+          </a:p>
+        </p:txBody>
+      </p:sp>
+      <p:sp>
+        <p:nvSpPr>
+          <p:cNvPr id="10" name="Rectangle 9">
+            <a:extLst>
+              <a:ext uri="{FF2B5EF4-FFF2-40B4-BE49-F238E27FC236}">
+                <a16:creationId xmlns:a16="http://schemas.microsoft.com/office/drawing/2014/main" id="{D84C2E9E-0B5D-4B5F-9A1F-70EBDCE39034}"/>
+              </a:ext>
+              <a:ext uri="{C183D7F6-B498-43B3-948B-1728B52AA6E4}">
+                <adec:decorative xmlns:adec="http://schemas.microsoft.com/office/drawing/2017/decorative" val="1"/>
+              </a:ext>
+            </a:extLst>
+          </p:cNvPr>
+          <p:cNvSpPr>
+            <a:spLocks noGrp="1" noRot="1" noChangeAspect="1" noMove="1" noResize="1" noEditPoints="1" noAdjustHandles="1" noChangeArrowheads="1" noChangeShapeType="1" noTextEdit="1"/>
+          </p:cNvSpPr>
+          <p:nvPr>
+            <p:extLst>
+              <p:ext uri="{386F3935-93C4-4BCD-93E2-E3B085C9AB24}">
+                <p16:designElem xmlns:p16="http://schemas.microsoft.com/office/powerpoint/2015/main" val="1"/>
+              </p:ext>
+            </p:extLst>
+          </p:nvPr>
+        </p:nvSpPr>
+        <p:spPr>
+          <a:xfrm>
+            <a:off x="126206" y="115193"/>
+            <a:ext cx="11939588" cy="6627614"/>
+          </a:xfrm>
+          <a:prstGeom prst="rect">
+            <a:avLst/>
+          </a:prstGeom>
+          <a:noFill/>
+          <a:ln w="12700">
+            <a:solidFill>
+              <a:schemeClr val="accent2"/>
+            </a:solidFill>
+          </a:ln>
+        </p:spPr>
+        <p:style>
+          <a:lnRef idx="2">
+            <a:schemeClr val="accent1">
+              <a:shade val="50000"/>
+            </a:schemeClr>
+          </a:lnRef>
+          <a:fillRef idx="1">
+            <a:schemeClr val="accent1"/>
+          </a:fillRef>
+          <a:effectRef idx="0">
+            <a:schemeClr val="accent1"/>
+          </a:effectRef>
+          <a:fontRef idx="minor">
+            <a:schemeClr val="lt1"/>
+          </a:fontRef>
+        </p:style>
+        <p:txBody>
+          <a:bodyPr rtlCol="0" anchor="ctr"/>
+          <a:lstStyle/>
+          <a:p>
+            <a:pPr algn="ctr"/>
+            <a:endParaRPr lang="en-US" dirty="0"/>
+          </a:p>
+        </p:txBody>
+      </p:sp>
+      <p:cxnSp>
+        <p:nvCxnSpPr>
+          <p:cNvPr id="12" name="Straight Connector 11">
+            <a:extLst>
+              <a:ext uri="{FF2B5EF4-FFF2-40B4-BE49-F238E27FC236}">
+                <a16:creationId xmlns:a16="http://schemas.microsoft.com/office/drawing/2014/main" id="{07A9243D-8FC3-4B36-874B-55906B03F484}"/>
+              </a:ext>
+              <a:ext uri="{C183D7F6-B498-43B3-948B-1728B52AA6E4}">
+                <adec:decorative xmlns:adec="http://schemas.microsoft.com/office/drawing/2017/decorative" val="1"/>
+              </a:ext>
+            </a:extLst>
+          </p:cNvPr>
+          <p:cNvCxnSpPr>
+            <a:cxnSpLocks noGrp="1" noRot="1" noChangeAspect="1" noMove="1" noResize="1" noEditPoints="1" noAdjustHandles="1" noChangeArrowheads="1" noChangeShapeType="1"/>
+          </p:cNvCxnSpPr>
+          <p:nvPr>
+            <p:extLst>
+              <p:ext uri="{386F3935-93C4-4BCD-93E2-E3B085C9AB24}">
+                <p16:designElem xmlns:p16="http://schemas.microsoft.com/office/powerpoint/2015/main" val="1"/>
+              </p:ext>
+            </p:extLst>
+          </p:nvPr>
+        </p:nvCxnSpPr>
+        <p:spPr>
+          <a:xfrm flipH="1">
+            <a:off x="1929284" y="3209925"/>
+            <a:ext cx="10262717" cy="0"/>
+          </a:xfrm>
+          <a:prstGeom prst="line">
+            <a:avLst/>
+          </a:prstGeom>
+          <a:ln w="12700">
+            <a:solidFill>
+              <a:schemeClr val="accent2"/>
+            </a:solidFill>
+          </a:ln>
+        </p:spPr>
+        <p:style>
+          <a:lnRef idx="1">
+            <a:schemeClr val="accent1"/>
+          </a:lnRef>
+          <a:fillRef idx="0">
+            <a:schemeClr val="accent1"/>
+          </a:fillRef>
+          <a:effectRef idx="0">
+            <a:schemeClr val="accent1"/>
+          </a:effectRef>
+          <a:fontRef idx="minor">
+            <a:schemeClr val="tx1"/>
+          </a:fontRef>
+        </p:style>
+      </p:cxnSp>
+    </p:spTree>
+    <p:extLst>
+      <p:ext uri="{BB962C8B-B14F-4D97-AF65-F5344CB8AC3E}">
+        <p14:creationId xmlns:p14="http://schemas.microsoft.com/office/powerpoint/2010/main" val="2195398756"/>
+      </p:ext>
+    </p:extLst>
+  </p:cSld>
+  <p:clrMapOvr>
+    <a:masterClrMapping/>
+  </p:clrMapOvr>
+</p:sld>
+</file>
+
+<file path=ppt/slides/slide22.xml><?xml version="1.0" encoding="utf-8"?>
+<p:sld xmlns:a="http://schemas.openxmlformats.org/drawingml/2006/main" xmlns:r="http://schemas.openxmlformats.org/officeDocument/2006/relationships" xmlns:p="http://schemas.openxmlformats.org/presentationml/2006/main">
+  <p:cSld>
+    <p:bg>
+      <p:bgPr>
+        <a:solidFill>
           <a:schemeClr val="bg1">
             <a:tint val="95000"/>
             <a:satMod val="170000"/>
@@ -9110,7 +9754,7 @@
           <a:lstStyle/>
           <a:p>
             <a:r>
-              <a:rPr lang="en-CA" sz="4800" b="1">
+              <a:rPr lang="en-CA" sz="4800" b="1" dirty="0">
                 <a:solidFill>
                   <a:schemeClr val="bg1"/>
                 </a:solidFill>
@@ -9120,7 +9764,7 @@
               <a:t>1&gt; To get Server Time</a:t>
             </a:r>
             <a:br>
-              <a:rPr lang="en-CA" sz="4800" b="1">
+              <a:rPr lang="en-CA" sz="4800" b="1" dirty="0">
                 <a:solidFill>
                   <a:schemeClr val="bg1"/>
                 </a:solidFill>
@@ -9128,7 +9772,7 @@
                 <a:cs typeface="Segoe UI" panose="020B0502040204020203" pitchFamily="34" charset="0"/>
               </a:rPr>
             </a:br>
-            <a:endParaRPr lang="en-CA" sz="4800">
+            <a:endParaRPr lang="en-CA" sz="4800" dirty="0">
               <a:solidFill>
                 <a:schemeClr val="bg1"/>
               </a:solidFill>
